--- a/Manuscript/figures/Figure_FLPhish.pptx
+++ b/Manuscript/figures/Figure_FLPhish.pptx
@@ -241,7 +241,7 @@
           <a:p>
             <a:fld id="{D997B5FA-0921-464F-AAE1-844C04324D75}" type="datetimeFigureOut">
               <a:rPr lang="zh-CN" altLang="en-US" smtClean="0"/>
-              <a:t>2021-11-27</a:t>
+              <a:t>2021-12-22</a:t>
             </a:fld>
             <a:endParaRPr lang="zh-CN" altLang="en-US"/>
           </a:p>
@@ -404,7 +404,7 @@
           <a:p>
             <a:fld id="{D997B5FA-0921-464F-AAE1-844C04324D75}" type="datetimeFigureOut">
               <a:rPr lang="zh-CN" altLang="en-US" smtClean="0"/>
-              <a:t>2021-11-27</a:t>
+              <a:t>2021-12-22</a:t>
             </a:fld>
             <a:endParaRPr lang="zh-CN" altLang="en-US"/>
           </a:p>
@@ -577,7 +577,7 @@
           <a:p>
             <a:fld id="{D997B5FA-0921-464F-AAE1-844C04324D75}" type="datetimeFigureOut">
               <a:rPr lang="zh-CN" altLang="en-US" smtClean="0"/>
-              <a:t>2021-11-27</a:t>
+              <a:t>2021-12-22</a:t>
             </a:fld>
             <a:endParaRPr lang="zh-CN" altLang="en-US"/>
           </a:p>
@@ -740,7 +740,7 @@
           <a:p>
             <a:fld id="{D997B5FA-0921-464F-AAE1-844C04324D75}" type="datetimeFigureOut">
               <a:rPr lang="zh-CN" altLang="en-US" smtClean="0"/>
-              <a:t>2021-11-27</a:t>
+              <a:t>2021-12-22</a:t>
             </a:fld>
             <a:endParaRPr lang="zh-CN" altLang="en-US"/>
           </a:p>
@@ -980,7 +980,7 @@
           <a:p>
             <a:fld id="{D997B5FA-0921-464F-AAE1-844C04324D75}" type="datetimeFigureOut">
               <a:rPr lang="zh-CN" altLang="en-US" smtClean="0"/>
-              <a:t>2021-11-27</a:t>
+              <a:t>2021-12-22</a:t>
             </a:fld>
             <a:endParaRPr lang="zh-CN" altLang="en-US"/>
           </a:p>
@@ -1204,7 +1204,7 @@
           <a:p>
             <a:fld id="{D997B5FA-0921-464F-AAE1-844C04324D75}" type="datetimeFigureOut">
               <a:rPr lang="zh-CN" altLang="en-US" smtClean="0"/>
-              <a:t>2021-11-27</a:t>
+              <a:t>2021-12-22</a:t>
             </a:fld>
             <a:endParaRPr lang="zh-CN" altLang="en-US"/>
           </a:p>
@@ -1563,7 +1563,7 @@
           <a:p>
             <a:fld id="{D997B5FA-0921-464F-AAE1-844C04324D75}" type="datetimeFigureOut">
               <a:rPr lang="zh-CN" altLang="en-US" smtClean="0"/>
-              <a:t>2021-11-27</a:t>
+              <a:t>2021-12-22</a:t>
             </a:fld>
             <a:endParaRPr lang="zh-CN" altLang="en-US"/>
           </a:p>
@@ -1675,7 +1675,7 @@
           <a:p>
             <a:fld id="{D997B5FA-0921-464F-AAE1-844C04324D75}" type="datetimeFigureOut">
               <a:rPr lang="zh-CN" altLang="en-US" smtClean="0"/>
-              <a:t>2021-11-27</a:t>
+              <a:t>2021-12-22</a:t>
             </a:fld>
             <a:endParaRPr lang="zh-CN" altLang="en-US"/>
           </a:p>
@@ -1765,7 +1765,7 @@
           <a:p>
             <a:fld id="{D997B5FA-0921-464F-AAE1-844C04324D75}" type="datetimeFigureOut">
               <a:rPr lang="zh-CN" altLang="en-US" smtClean="0"/>
-              <a:t>2021-11-27</a:t>
+              <a:t>2021-12-22</a:t>
             </a:fld>
             <a:endParaRPr lang="zh-CN" altLang="en-US"/>
           </a:p>
@@ -2035,7 +2035,7 @@
           <a:p>
             <a:fld id="{D997B5FA-0921-464F-AAE1-844C04324D75}" type="datetimeFigureOut">
               <a:rPr lang="zh-CN" altLang="en-US" smtClean="0"/>
-              <a:t>2021-11-27</a:t>
+              <a:t>2021-12-22</a:t>
             </a:fld>
             <a:endParaRPr lang="zh-CN" altLang="en-US"/>
           </a:p>
@@ -2282,7 +2282,7 @@
           <a:p>
             <a:fld id="{D997B5FA-0921-464F-AAE1-844C04324D75}" type="datetimeFigureOut">
               <a:rPr lang="zh-CN" altLang="en-US" smtClean="0"/>
-              <a:t>2021-11-27</a:t>
+              <a:t>2021-12-22</a:t>
             </a:fld>
             <a:endParaRPr lang="zh-CN" altLang="en-US"/>
           </a:p>
@@ -2488,7 +2488,7 @@
           <a:p>
             <a:fld id="{D997B5FA-0921-464F-AAE1-844C04324D75}" type="datetimeFigureOut">
               <a:rPr lang="zh-CN" altLang="en-US" smtClean="0"/>
-              <a:t>2021-11-27</a:t>
+              <a:t>2021-12-22</a:t>
             </a:fld>
             <a:endParaRPr lang="zh-CN" altLang="en-US"/>
           </a:p>
@@ -2890,10 +2890,10 @@
       </p:grpSpPr>
       <p:grpSp>
         <p:nvGrpSpPr>
-          <p:cNvPr id="3" name="组合 2">
+          <p:cNvPr id="4" name="组合 3">
             <a:extLst>
               <a:ext uri="{FF2B5EF4-FFF2-40B4-BE49-F238E27FC236}">
-                <a16:creationId xmlns:a16="http://schemas.microsoft.com/office/drawing/2014/main" id="{F9E1D56F-E3C1-4920-8838-F4EAF567736A}"/>
+                <a16:creationId xmlns:a16="http://schemas.microsoft.com/office/drawing/2014/main" id="{5202EABB-6FD3-4B0B-A0D7-02E2F5077596}"/>
               </a:ext>
             </a:extLst>
           </p:cNvPr>
@@ -2902,110 +2902,12 @@
         </p:nvGrpSpPr>
         <p:grpSpPr>
           <a:xfrm>
-            <a:off x="1705349" y="1663664"/>
-            <a:ext cx="7663562" cy="3529012"/>
-            <a:chOff x="1705349" y="1663664"/>
-            <a:chExt cx="7663562" cy="3529012"/>
+            <a:off x="1765275" y="1682943"/>
+            <a:ext cx="7415877" cy="3509733"/>
+            <a:chOff x="1765275" y="1682943"/>
+            <a:chExt cx="7415877" cy="3509733"/>
           </a:xfrm>
         </p:grpSpPr>
-        <p:sp>
-          <p:nvSpPr>
-            <p:cNvPr id="59" name="矩形: 圆角 58"/>
-            <p:cNvSpPr/>
-            <p:nvPr/>
-          </p:nvSpPr>
-          <p:spPr>
-            <a:xfrm flipH="1">
-              <a:off x="6812480" y="1913081"/>
-              <a:ext cx="2556431" cy="3226408"/>
-            </a:xfrm>
-            <a:prstGeom prst="roundRect">
-              <a:avLst/>
-            </a:prstGeom>
-            <a:solidFill>
-              <a:schemeClr val="accent1">
-                <a:lumMod val="40000"/>
-                <a:lumOff val="60000"/>
-              </a:schemeClr>
-            </a:solidFill>
-            <a:ln>
-              <a:noFill/>
-            </a:ln>
-          </p:spPr>
-          <p:style>
-            <a:lnRef idx="2">
-              <a:schemeClr val="accent3">
-                <a:shade val="50000"/>
-              </a:schemeClr>
-            </a:lnRef>
-            <a:fillRef idx="1">
-              <a:schemeClr val="accent3"/>
-            </a:fillRef>
-            <a:effectRef idx="0">
-              <a:schemeClr val="accent3"/>
-            </a:effectRef>
-            <a:fontRef idx="minor">
-              <a:schemeClr val="lt1"/>
-            </a:fontRef>
-          </p:style>
-          <p:txBody>
-            <a:bodyPr rtlCol="0" anchor="ctr"/>
-            <a:lstStyle/>
-            <a:p>
-              <a:pPr algn="ctr"/>
-              <a:endParaRPr lang="zh-CN" altLang="en-US" sz="900"/>
-            </a:p>
-          </p:txBody>
-        </p:sp>
-        <p:sp>
-          <p:nvSpPr>
-            <p:cNvPr id="5" name="矩形: 圆角 4"/>
-            <p:cNvSpPr/>
-            <p:nvPr/>
-          </p:nvSpPr>
-          <p:spPr>
-            <a:xfrm flipH="1">
-              <a:off x="1768598" y="2128579"/>
-              <a:ext cx="2876450" cy="3010910"/>
-            </a:xfrm>
-            <a:prstGeom prst="roundRect">
-              <a:avLst/>
-            </a:prstGeom>
-            <a:solidFill>
-              <a:schemeClr val="accent2">
-                <a:lumMod val="40000"/>
-                <a:lumOff val="60000"/>
-              </a:schemeClr>
-            </a:solidFill>
-            <a:ln>
-              <a:noFill/>
-            </a:ln>
-          </p:spPr>
-          <p:style>
-            <a:lnRef idx="2">
-              <a:schemeClr val="accent3">
-                <a:shade val="50000"/>
-              </a:schemeClr>
-            </a:lnRef>
-            <a:fillRef idx="1">
-              <a:schemeClr val="accent3"/>
-            </a:fillRef>
-            <a:effectRef idx="0">
-              <a:schemeClr val="accent3"/>
-            </a:effectRef>
-            <a:fontRef idx="minor">
-              <a:schemeClr val="lt1"/>
-            </a:fontRef>
-          </p:style>
-          <p:txBody>
-            <a:bodyPr rtlCol="0" anchor="ctr"/>
-            <a:lstStyle/>
-            <a:p>
-              <a:pPr algn="ctr"/>
-              <a:endParaRPr lang="zh-CN" altLang="en-US" sz="900" dirty="0"/>
-            </a:p>
-          </p:txBody>
-        </p:sp>
         <p:pic>
           <p:nvPicPr>
             <p:cNvPr id="9" name="图片 8" descr="用户 (1)"/>
@@ -4019,10 +3921,10 @@
           </p:nvGrpSpPr>
           <p:grpSpPr>
             <a:xfrm>
-              <a:off x="4543107" y="3424274"/>
-              <a:ext cx="2361565" cy="1768402"/>
-              <a:chOff x="4543107" y="3424274"/>
-              <a:chExt cx="2361565" cy="1768402"/>
+              <a:off x="4640356" y="3424274"/>
+              <a:ext cx="2264316" cy="1768402"/>
+              <a:chOff x="4640356" y="3424274"/>
+              <a:chExt cx="2264316" cy="1768402"/>
             </a:xfrm>
           </p:grpSpPr>
           <p:grpSp>
@@ -4167,10 +4069,10 @@
             </p:nvGrpSpPr>
             <p:grpSpPr>
               <a:xfrm>
-                <a:off x="4543107" y="4139846"/>
-                <a:ext cx="2361565" cy="1052830"/>
-                <a:chOff x="7741" y="7262"/>
-                <a:chExt cx="3719" cy="1658"/>
+                <a:off x="4741227" y="4139846"/>
+                <a:ext cx="2163445" cy="1052830"/>
+                <a:chOff x="8053" y="7262"/>
+                <a:chExt cx="3407" cy="1658"/>
               </a:xfrm>
             </p:grpSpPr>
             <p:grpSp>
@@ -4435,8 +4337,8 @@
               </p:nvSpPr>
               <p:spPr>
                 <a:xfrm>
-                  <a:off x="7741" y="8338"/>
-                  <a:ext cx="2144" cy="582"/>
+                  <a:off x="8053" y="8338"/>
+                  <a:ext cx="1752" cy="582"/>
                 </a:xfrm>
                 <a:prstGeom prst="rect">
                   <a:avLst/>
@@ -5226,7 +5128,7 @@
           </p:nvGrpSpPr>
           <p:grpSpPr>
             <a:xfrm>
-              <a:off x="1705349" y="1663664"/>
+              <a:off x="1765275" y="1688980"/>
               <a:ext cx="1883073" cy="369108"/>
               <a:chOff x="1454908" y="1037506"/>
               <a:chExt cx="1883073" cy="369108"/>
@@ -5547,6 +5449,105 @@
             </a:p>
           </p:txBody>
         </p:sp>
+        <p:sp>
+          <p:nvSpPr>
+            <p:cNvPr id="2" name="矩形 1">
+              <a:extLst>
+                <a:ext uri="{FF2B5EF4-FFF2-40B4-BE49-F238E27FC236}">
+                  <a16:creationId xmlns:a16="http://schemas.microsoft.com/office/drawing/2014/main" id="{21D67B3C-78D2-462D-A3FE-C2A12AFBC75F}"/>
+                </a:ext>
+              </a:extLst>
+            </p:cNvPr>
+            <p:cNvSpPr/>
+            <p:nvPr/>
+          </p:nvSpPr>
+          <p:spPr>
+            <a:xfrm>
+              <a:off x="6823903" y="1905509"/>
+              <a:ext cx="2356458" cy="3221939"/>
+            </a:xfrm>
+            <a:prstGeom prst="rect">
+              <a:avLst/>
+            </a:prstGeom>
+            <a:noFill/>
+            <a:ln w="19050">
+              <a:prstDash val="lgDash"/>
+            </a:ln>
+          </p:spPr>
+          <p:style>
+            <a:lnRef idx="2">
+              <a:schemeClr val="accent1"/>
+            </a:lnRef>
+            <a:fillRef idx="1">
+              <a:schemeClr val="lt1"/>
+            </a:fillRef>
+            <a:effectRef idx="0">
+              <a:schemeClr val="accent1"/>
+            </a:effectRef>
+            <a:fontRef idx="minor">
+              <a:schemeClr val="dk1"/>
+            </a:fontRef>
+          </p:style>
+          <p:txBody>
+            <a:bodyPr rtlCol="0" anchor="ctr"/>
+            <a:lstStyle/>
+            <a:p>
+              <a:pPr algn="ctr"/>
+              <a:endParaRPr lang="zh-CN" altLang="en-US"/>
+            </a:p>
+          </p:txBody>
+        </p:sp>
+        <p:sp>
+          <p:nvSpPr>
+            <p:cNvPr id="99" name="矩形 98">
+              <a:extLst>
+                <a:ext uri="{FF2B5EF4-FFF2-40B4-BE49-F238E27FC236}">
+                  <a16:creationId xmlns:a16="http://schemas.microsoft.com/office/drawing/2014/main" id="{84F67526-E2E1-47E5-95E0-013C9F4B98DF}"/>
+                </a:ext>
+              </a:extLst>
+            </p:cNvPr>
+            <p:cNvSpPr/>
+            <p:nvPr/>
+          </p:nvSpPr>
+          <p:spPr>
+            <a:xfrm>
+              <a:off x="1795005" y="2147999"/>
+              <a:ext cx="2844635" cy="2979449"/>
+            </a:xfrm>
+            <a:prstGeom prst="rect">
+              <a:avLst/>
+            </a:prstGeom>
+            <a:noFill/>
+            <a:ln w="19050">
+              <a:solidFill>
+                <a:schemeClr val="accent2"/>
+              </a:solidFill>
+              <a:prstDash val="lgDash"/>
+            </a:ln>
+          </p:spPr>
+          <p:style>
+            <a:lnRef idx="2">
+              <a:schemeClr val="accent1"/>
+            </a:lnRef>
+            <a:fillRef idx="1">
+              <a:schemeClr val="lt1"/>
+            </a:fillRef>
+            <a:effectRef idx="0">
+              <a:schemeClr val="accent1"/>
+            </a:effectRef>
+            <a:fontRef idx="minor">
+              <a:schemeClr val="dk1"/>
+            </a:fontRef>
+          </p:style>
+          <p:txBody>
+            <a:bodyPr rtlCol="0" anchor="ctr"/>
+            <a:lstStyle/>
+            <a:p>
+              <a:pPr algn="ctr"/>
+              <a:endParaRPr lang="zh-CN" altLang="en-US"/>
+            </a:p>
+          </p:txBody>
+        </p:sp>
       </p:grpSp>
     </p:spTree>
     <p:extLst>

--- a/Manuscript/figures/Figure_FLPhish.pptx
+++ b/Manuscript/figures/Figure_FLPhish.pptx
@@ -3490,7 +3490,7 @@
                 <a:solidFill>
                   <a:schemeClr val="tx1"/>
                 </a:solidFill>
-                <a:prstDash val="lgDash"/>
+                <a:prstDash val="dash"/>
               </a:ln>
             </p:spPr>
             <p:style>
@@ -4107,7 +4107,7 @@
                     <a:solidFill>
                       <a:schemeClr val="tx1"/>
                     </a:solidFill>
-                    <a:prstDash val="lgDash"/>
+                    <a:prstDash val="dash"/>
                   </a:ln>
                 </p:spPr>
                 <p:style>
@@ -5471,7 +5471,7 @@
             </a:prstGeom>
             <a:noFill/>
             <a:ln w="19050">
-              <a:prstDash val="lgDash"/>
+              <a:prstDash val="dash"/>
             </a:ln>
           </p:spPr>
           <p:style>
@@ -5522,7 +5522,7 @@
               <a:solidFill>
                 <a:schemeClr val="accent2"/>
               </a:solidFill>
-              <a:prstDash val="lgDash"/>
+              <a:prstDash val="dash"/>
             </a:ln>
           </p:spPr>
           <p:style>

--- a/Manuscript/figures/Figure_FLPhish.pptx
+++ b/Manuscript/figures/Figure_FLPhish.pptx
@@ -241,7 +241,7 @@
           <a:p>
             <a:fld id="{D997B5FA-0921-464F-AAE1-844C04324D75}" type="datetimeFigureOut">
               <a:rPr lang="zh-CN" altLang="en-US" smtClean="0"/>
-              <a:t>2021-12-22</a:t>
+              <a:t>2021-12-24</a:t>
             </a:fld>
             <a:endParaRPr lang="zh-CN" altLang="en-US"/>
           </a:p>
@@ -404,7 +404,7 @@
           <a:p>
             <a:fld id="{D997B5FA-0921-464F-AAE1-844C04324D75}" type="datetimeFigureOut">
               <a:rPr lang="zh-CN" altLang="en-US" smtClean="0"/>
-              <a:t>2021-12-22</a:t>
+              <a:t>2021-12-24</a:t>
             </a:fld>
             <a:endParaRPr lang="zh-CN" altLang="en-US"/>
           </a:p>
@@ -577,7 +577,7 @@
           <a:p>
             <a:fld id="{D997B5FA-0921-464F-AAE1-844C04324D75}" type="datetimeFigureOut">
               <a:rPr lang="zh-CN" altLang="en-US" smtClean="0"/>
-              <a:t>2021-12-22</a:t>
+              <a:t>2021-12-24</a:t>
             </a:fld>
             <a:endParaRPr lang="zh-CN" altLang="en-US"/>
           </a:p>
@@ -740,7 +740,7 @@
           <a:p>
             <a:fld id="{D997B5FA-0921-464F-AAE1-844C04324D75}" type="datetimeFigureOut">
               <a:rPr lang="zh-CN" altLang="en-US" smtClean="0"/>
-              <a:t>2021-12-22</a:t>
+              <a:t>2021-12-24</a:t>
             </a:fld>
             <a:endParaRPr lang="zh-CN" altLang="en-US"/>
           </a:p>
@@ -980,7 +980,7 @@
           <a:p>
             <a:fld id="{D997B5FA-0921-464F-AAE1-844C04324D75}" type="datetimeFigureOut">
               <a:rPr lang="zh-CN" altLang="en-US" smtClean="0"/>
-              <a:t>2021-12-22</a:t>
+              <a:t>2021-12-24</a:t>
             </a:fld>
             <a:endParaRPr lang="zh-CN" altLang="en-US"/>
           </a:p>
@@ -1204,7 +1204,7 @@
           <a:p>
             <a:fld id="{D997B5FA-0921-464F-AAE1-844C04324D75}" type="datetimeFigureOut">
               <a:rPr lang="zh-CN" altLang="en-US" smtClean="0"/>
-              <a:t>2021-12-22</a:t>
+              <a:t>2021-12-24</a:t>
             </a:fld>
             <a:endParaRPr lang="zh-CN" altLang="en-US"/>
           </a:p>
@@ -1563,7 +1563,7 @@
           <a:p>
             <a:fld id="{D997B5FA-0921-464F-AAE1-844C04324D75}" type="datetimeFigureOut">
               <a:rPr lang="zh-CN" altLang="en-US" smtClean="0"/>
-              <a:t>2021-12-22</a:t>
+              <a:t>2021-12-24</a:t>
             </a:fld>
             <a:endParaRPr lang="zh-CN" altLang="en-US"/>
           </a:p>
@@ -1675,7 +1675,7 @@
           <a:p>
             <a:fld id="{D997B5FA-0921-464F-AAE1-844C04324D75}" type="datetimeFigureOut">
               <a:rPr lang="zh-CN" altLang="en-US" smtClean="0"/>
-              <a:t>2021-12-22</a:t>
+              <a:t>2021-12-24</a:t>
             </a:fld>
             <a:endParaRPr lang="zh-CN" altLang="en-US"/>
           </a:p>
@@ -1765,7 +1765,7 @@
           <a:p>
             <a:fld id="{D997B5FA-0921-464F-AAE1-844C04324D75}" type="datetimeFigureOut">
               <a:rPr lang="zh-CN" altLang="en-US" smtClean="0"/>
-              <a:t>2021-12-22</a:t>
+              <a:t>2021-12-24</a:t>
             </a:fld>
             <a:endParaRPr lang="zh-CN" altLang="en-US"/>
           </a:p>
@@ -2035,7 +2035,7 @@
           <a:p>
             <a:fld id="{D997B5FA-0921-464F-AAE1-844C04324D75}" type="datetimeFigureOut">
               <a:rPr lang="zh-CN" altLang="en-US" smtClean="0"/>
-              <a:t>2021-12-22</a:t>
+              <a:t>2021-12-24</a:t>
             </a:fld>
             <a:endParaRPr lang="zh-CN" altLang="en-US"/>
           </a:p>
@@ -2282,7 +2282,7 @@
           <a:p>
             <a:fld id="{D997B5FA-0921-464F-AAE1-844C04324D75}" type="datetimeFigureOut">
               <a:rPr lang="zh-CN" altLang="en-US" smtClean="0"/>
-              <a:t>2021-12-22</a:t>
+              <a:t>2021-12-24</a:t>
             </a:fld>
             <a:endParaRPr lang="zh-CN" altLang="en-US"/>
           </a:p>
@@ -2488,7 +2488,7 @@
           <a:p>
             <a:fld id="{D997B5FA-0921-464F-AAE1-844C04324D75}" type="datetimeFigureOut">
               <a:rPr lang="zh-CN" altLang="en-US" smtClean="0"/>
-              <a:t>2021-12-22</a:t>
+              <a:t>2021-12-24</a:t>
             </a:fld>
             <a:endParaRPr lang="zh-CN" altLang="en-US"/>
           </a:p>
@@ -2888,12 +2888,987 @@
           <a:chExt cx="0" cy="0"/>
         </a:xfrm>
       </p:grpSpPr>
+      <p:pic>
+        <p:nvPicPr>
+          <p:cNvPr id="9" name="图片 8" descr="用户 (1)"/>
+          <p:cNvPicPr>
+            <a:picLocks noChangeAspect="1"/>
+          </p:cNvPicPr>
+          <p:nvPr/>
+        </p:nvPicPr>
+        <p:blipFill>
+          <a:blip r:embed="rId2"/>
+          <a:stretch>
+            <a:fillRect/>
+          </a:stretch>
+        </p:blipFill>
+        <p:spPr>
+          <a:xfrm flipH="1">
+            <a:off x="2744954" y="4084320"/>
+            <a:ext cx="735330" cy="720090"/>
+          </a:xfrm>
+          <a:prstGeom prst="rect">
+            <a:avLst/>
+          </a:prstGeom>
+        </p:spPr>
+      </p:pic>
       <p:grpSp>
         <p:nvGrpSpPr>
-          <p:cNvPr id="4" name="组合 3">
+          <p:cNvPr id="39" name="组合 38"/>
+          <p:cNvGrpSpPr/>
+          <p:nvPr/>
+        </p:nvGrpSpPr>
+        <p:grpSpPr>
+          <a:xfrm flipH="1">
+            <a:off x="2617420" y="2155657"/>
+            <a:ext cx="832485" cy="777875"/>
+            <a:chOff x="16021" y="1610"/>
+            <a:chExt cx="1284" cy="1225"/>
+          </a:xfrm>
+        </p:grpSpPr>
+        <p:pic>
+          <p:nvPicPr>
+            <p:cNvPr id="40" name="图片 39" descr="声波"/>
+            <p:cNvPicPr>
+              <a:picLocks noChangeAspect="1"/>
+            </p:cNvPicPr>
+            <p:nvPr/>
+          </p:nvPicPr>
+          <p:blipFill>
+            <a:blip r:embed="rId3"/>
+            <a:stretch>
+              <a:fillRect/>
+            </a:stretch>
+          </p:blipFill>
+          <p:spPr>
+            <a:xfrm rot="18840000">
+              <a:off x="16739" y="1610"/>
+              <a:ext cx="567" cy="567"/>
+            </a:xfrm>
+            <a:prstGeom prst="rect">
+              <a:avLst/>
+            </a:prstGeom>
+          </p:spPr>
+        </p:pic>
+        <p:pic>
+          <p:nvPicPr>
+            <p:cNvPr id="41" name="图片 40" descr="电脑"/>
+            <p:cNvPicPr>
+              <a:picLocks noChangeAspect="1"/>
+            </p:cNvPicPr>
+            <p:nvPr/>
+          </p:nvPicPr>
+          <p:blipFill>
+            <a:blip r:embed="rId4"/>
+            <a:stretch>
+              <a:fillRect/>
+            </a:stretch>
+          </p:blipFill>
+          <p:spPr>
+            <a:xfrm>
+              <a:off x="16021" y="1701"/>
+              <a:ext cx="1134" cy="1134"/>
+            </a:xfrm>
+            <a:prstGeom prst="rect">
+              <a:avLst/>
+            </a:prstGeom>
+          </p:spPr>
+        </p:pic>
+      </p:grpSp>
+      <p:grpSp>
+        <p:nvGrpSpPr>
+          <p:cNvPr id="42" name="组合 41"/>
+          <p:cNvGrpSpPr/>
+          <p:nvPr/>
+        </p:nvGrpSpPr>
+        <p:grpSpPr>
+          <a:xfrm flipH="1">
+            <a:off x="1892395" y="2611166"/>
+            <a:ext cx="735330" cy="720090"/>
+            <a:chOff x="1392" y="2945"/>
+            <a:chExt cx="1134" cy="1134"/>
+          </a:xfrm>
+        </p:grpSpPr>
+        <p:pic>
+          <p:nvPicPr>
+            <p:cNvPr id="44" name="图片 43" descr="声波"/>
+            <p:cNvPicPr>
+              <a:picLocks noChangeAspect="1"/>
+            </p:cNvPicPr>
+            <p:nvPr/>
+          </p:nvPicPr>
+          <p:blipFill>
+            <a:blip r:embed="rId3"/>
+            <a:stretch>
+              <a:fillRect/>
+            </a:stretch>
+          </p:blipFill>
+          <p:spPr>
+            <a:xfrm rot="18840000">
+              <a:off x="1841" y="2953"/>
+              <a:ext cx="567" cy="567"/>
+            </a:xfrm>
+            <a:prstGeom prst="rect">
+              <a:avLst/>
+            </a:prstGeom>
+          </p:spPr>
+        </p:pic>
+        <p:pic>
+          <p:nvPicPr>
+            <p:cNvPr id="53" name="图片 52" descr="小汽车"/>
+            <p:cNvPicPr>
+              <a:picLocks noChangeAspect="1"/>
+            </p:cNvPicPr>
+            <p:nvPr/>
+          </p:nvPicPr>
+          <p:blipFill>
+            <a:blip r:embed="rId5"/>
+            <a:stretch>
+              <a:fillRect/>
+            </a:stretch>
+          </p:blipFill>
+          <p:spPr>
+            <a:xfrm>
+              <a:off x="1392" y="2945"/>
+              <a:ext cx="1134" cy="1134"/>
+            </a:xfrm>
+            <a:prstGeom prst="rect">
+              <a:avLst/>
+            </a:prstGeom>
+          </p:spPr>
+        </p:pic>
+      </p:grpSp>
+      <p:grpSp>
+        <p:nvGrpSpPr>
+          <p:cNvPr id="54" name="组合 53"/>
+          <p:cNvGrpSpPr/>
+          <p:nvPr/>
+        </p:nvGrpSpPr>
+        <p:grpSpPr>
+          <a:xfrm flipH="1">
+            <a:off x="1779436" y="3937997"/>
+            <a:ext cx="751205" cy="857250"/>
+            <a:chOff x="3629" y="5029"/>
+            <a:chExt cx="1158" cy="1350"/>
+          </a:xfrm>
+        </p:grpSpPr>
+        <p:pic>
+          <p:nvPicPr>
+            <p:cNvPr id="62" name="图片 61" descr="声波"/>
+            <p:cNvPicPr>
+              <a:picLocks noChangeAspect="1"/>
+            </p:cNvPicPr>
+            <p:nvPr/>
+          </p:nvPicPr>
+          <p:blipFill>
+            <a:blip r:embed="rId3"/>
+            <a:stretch>
+              <a:fillRect/>
+            </a:stretch>
+          </p:blipFill>
+          <p:spPr>
+            <a:xfrm rot="18840000">
+              <a:off x="4221" y="5029"/>
+              <a:ext cx="567" cy="567"/>
+            </a:xfrm>
+            <a:prstGeom prst="rect">
+              <a:avLst/>
+            </a:prstGeom>
+          </p:spPr>
+        </p:pic>
+        <p:pic>
+          <p:nvPicPr>
+            <p:cNvPr id="63" name="图片 62" descr="手机"/>
+            <p:cNvPicPr>
+              <a:picLocks noChangeAspect="1"/>
+            </p:cNvPicPr>
+            <p:nvPr/>
+          </p:nvPicPr>
+          <p:blipFill>
+            <a:blip r:embed="rId6"/>
+            <a:stretch>
+              <a:fillRect/>
+            </a:stretch>
+          </p:blipFill>
+          <p:spPr>
+            <a:xfrm>
+              <a:off x="3629" y="5245"/>
+              <a:ext cx="1134" cy="1134"/>
+            </a:xfrm>
+            <a:prstGeom prst="rect">
+              <a:avLst/>
+            </a:prstGeom>
+          </p:spPr>
+        </p:pic>
+      </p:grpSp>
+      <p:cxnSp>
+        <p:nvCxnSpPr>
+          <p:cNvPr id="64" name="直接箭头连接符 63"/>
+          <p:cNvCxnSpPr>
+            <a:stCxn id="41" idx="2"/>
+            <a:endCxn id="9" idx="0"/>
+          </p:cNvCxnSpPr>
+          <p:nvPr/>
+        </p:nvCxnSpPr>
+        <p:spPr>
+          <a:xfrm>
+            <a:off x="3082289" y="2933532"/>
+            <a:ext cx="30330" cy="1150788"/>
+          </a:xfrm>
+          <a:prstGeom prst="straightConnector1">
+            <a:avLst/>
+          </a:prstGeom>
+          <a:ln w="19050" cmpd="sng">
+            <a:solidFill>
+              <a:schemeClr val="tx1"/>
+            </a:solidFill>
+            <a:prstDash val="dash"/>
+            <a:tailEnd type="triangle" w="med" len="med"/>
+          </a:ln>
+        </p:spPr>
+        <p:style>
+          <a:lnRef idx="3">
+            <a:schemeClr val="dk1"/>
+          </a:lnRef>
+          <a:fillRef idx="0">
+            <a:schemeClr val="dk1"/>
+          </a:fillRef>
+          <a:effectRef idx="2">
+            <a:schemeClr val="dk1"/>
+          </a:effectRef>
+          <a:fontRef idx="minor">
+            <a:schemeClr val="tx1"/>
+          </a:fontRef>
+        </p:style>
+      </p:cxnSp>
+      <p:cxnSp>
+        <p:nvCxnSpPr>
+          <p:cNvPr id="65" name="直接箭头连接符 64"/>
+          <p:cNvCxnSpPr>
+            <a:cxnSpLocks/>
+          </p:cNvCxnSpPr>
+          <p:nvPr/>
+        </p:nvCxnSpPr>
+        <p:spPr>
+          <a:xfrm>
+            <a:off x="2461052" y="3194464"/>
+            <a:ext cx="396357" cy="1027297"/>
+          </a:xfrm>
+          <a:prstGeom prst="straightConnector1">
+            <a:avLst/>
+          </a:prstGeom>
+          <a:ln w="19050" cmpd="sng">
+            <a:solidFill>
+              <a:schemeClr val="tx1"/>
+            </a:solidFill>
+            <a:prstDash val="dash"/>
+            <a:tailEnd type="triangle" w="med" len="med"/>
+          </a:ln>
+        </p:spPr>
+        <p:style>
+          <a:lnRef idx="3">
+            <a:schemeClr val="dk1"/>
+          </a:lnRef>
+          <a:fillRef idx="0">
+            <a:schemeClr val="dk1"/>
+          </a:fillRef>
+          <a:effectRef idx="2">
+            <a:schemeClr val="dk1"/>
+          </a:effectRef>
+          <a:fontRef idx="minor">
+            <a:schemeClr val="tx1"/>
+          </a:fontRef>
+        </p:style>
+      </p:cxnSp>
+      <p:cxnSp>
+        <p:nvCxnSpPr>
+          <p:cNvPr id="66" name="直接箭头连接符 65"/>
+          <p:cNvCxnSpPr>
+            <a:cxnSpLocks/>
+            <a:stCxn id="63" idx="1"/>
+            <a:endCxn id="9" idx="3"/>
+          </p:cNvCxnSpPr>
+          <p:nvPr/>
+        </p:nvCxnSpPr>
+        <p:spPr>
+          <a:xfrm>
+            <a:off x="2530641" y="4435202"/>
+            <a:ext cx="214313" cy="9163"/>
+          </a:xfrm>
+          <a:prstGeom prst="straightConnector1">
+            <a:avLst/>
+          </a:prstGeom>
+          <a:ln w="19050" cmpd="sng">
+            <a:solidFill>
+              <a:schemeClr val="tx1"/>
+            </a:solidFill>
+            <a:prstDash val="dash"/>
+            <a:tailEnd type="triangle" w="med" len="med"/>
+          </a:ln>
+        </p:spPr>
+        <p:style>
+          <a:lnRef idx="3">
+            <a:schemeClr val="dk1"/>
+          </a:lnRef>
+          <a:fillRef idx="0">
+            <a:schemeClr val="dk1"/>
+          </a:fillRef>
+          <a:effectRef idx="2">
+            <a:schemeClr val="dk1"/>
+          </a:effectRef>
+          <a:fontRef idx="minor">
+            <a:schemeClr val="tx1"/>
+          </a:fontRef>
+        </p:style>
+      </p:cxnSp>
+      <p:sp>
+        <p:nvSpPr>
+          <p:cNvPr id="67" name="文本框 66"/>
+          <p:cNvSpPr txBox="1"/>
+          <p:nvPr/>
+        </p:nvSpPr>
+        <p:spPr>
+          <a:xfrm flipH="1">
+            <a:off x="2634079" y="4634098"/>
+            <a:ext cx="945504" cy="430887"/>
+          </a:xfrm>
+          <a:prstGeom prst="rect">
+            <a:avLst/>
+          </a:prstGeom>
+          <a:noFill/>
+        </p:spPr>
+        <p:txBody>
+          <a:bodyPr wrap="square" rtlCol="0">
+            <a:spAutoFit/>
+          </a:bodyPr>
+          <a:lstStyle/>
+          <a:p>
+            <a:pPr algn="ctr"/>
+            <a:r>
+              <a:rPr lang="en-US" altLang="zh-CN" sz="1100" b="1" i="1" dirty="0"/>
+              <a:t>malicious client</a:t>
+            </a:r>
+          </a:p>
+        </p:txBody>
+      </p:sp>
+      <p:cxnSp>
+        <p:nvCxnSpPr>
+          <p:cNvPr id="127" name="直接箭头连接符 126"/>
+          <p:cNvCxnSpPr>
+            <a:stCxn id="9" idx="1"/>
+            <a:endCxn id="71" idx="1"/>
+          </p:cNvCxnSpPr>
+          <p:nvPr/>
+        </p:nvCxnSpPr>
+        <p:spPr>
+          <a:xfrm>
+            <a:off x="3480284" y="4444365"/>
+            <a:ext cx="273201" cy="0"/>
+          </a:xfrm>
+          <a:prstGeom prst="straightConnector1">
+            <a:avLst/>
+          </a:prstGeom>
+          <a:ln w="19050" cmpd="sng">
+            <a:solidFill>
+              <a:schemeClr val="tx1"/>
+            </a:solidFill>
+            <a:prstDash val="dash"/>
+            <a:tailEnd type="triangle" w="med" len="med"/>
+          </a:ln>
+        </p:spPr>
+        <p:style>
+          <a:lnRef idx="3">
+            <a:schemeClr val="dk1"/>
+          </a:lnRef>
+          <a:fillRef idx="0">
+            <a:schemeClr val="dk1"/>
+          </a:fillRef>
+          <a:effectRef idx="2">
+            <a:schemeClr val="dk1"/>
+          </a:effectRef>
+          <a:fontRef idx="minor">
+            <a:schemeClr val="tx1"/>
+          </a:fontRef>
+        </p:style>
+      </p:cxnSp>
+      <p:cxnSp>
+        <p:nvCxnSpPr>
+          <p:cNvPr id="86" name="直接箭头连接符 85"/>
+          <p:cNvCxnSpPr>
+            <a:cxnSpLocks/>
+          </p:cNvCxnSpPr>
+          <p:nvPr/>
+        </p:nvCxnSpPr>
+        <p:spPr>
+          <a:xfrm flipH="1" flipV="1">
+            <a:off x="4640205" y="3296325"/>
+            <a:ext cx="2133615" cy="6970"/>
+          </a:xfrm>
+          <a:prstGeom prst="straightConnector1">
+            <a:avLst/>
+          </a:prstGeom>
+          <a:ln w="19050" cmpd="sng">
+            <a:solidFill>
+              <a:schemeClr val="tx1"/>
+            </a:solidFill>
+            <a:prstDash val="dash"/>
+            <a:tailEnd type="triangle" w="med" len="med"/>
+          </a:ln>
+        </p:spPr>
+        <p:style>
+          <a:lnRef idx="3">
+            <a:schemeClr val="dk1"/>
+          </a:lnRef>
+          <a:fillRef idx="0">
+            <a:schemeClr val="dk1"/>
+          </a:fillRef>
+          <a:effectRef idx="2">
+            <a:schemeClr val="dk1"/>
+          </a:effectRef>
+          <a:fontRef idx="minor">
+            <a:schemeClr val="tx1"/>
+          </a:fontRef>
+        </p:style>
+      </p:cxnSp>
+      <p:pic>
+        <p:nvPicPr>
+          <p:cNvPr id="71" name="图片 70" descr="数据 (2)"/>
+          <p:cNvPicPr>
+            <a:picLocks noChangeAspect="1"/>
+          </p:cNvPicPr>
+          <p:nvPr/>
+        </p:nvPicPr>
+        <p:blipFill>
+          <a:blip r:embed="rId7"/>
+          <a:stretch>
+            <a:fillRect/>
+          </a:stretch>
+        </p:blipFill>
+        <p:spPr>
+          <a:xfrm>
+            <a:off x="3753485" y="4084320"/>
+            <a:ext cx="720090" cy="720090"/>
+          </a:xfrm>
+          <a:prstGeom prst="rect">
+            <a:avLst/>
+          </a:prstGeom>
+        </p:spPr>
+      </p:pic>
+      <p:sp>
+        <p:nvSpPr>
+          <p:cNvPr id="113" name="文本框 112"/>
+          <p:cNvSpPr txBox="1"/>
+          <p:nvPr/>
+        </p:nvSpPr>
+        <p:spPr>
+          <a:xfrm>
+            <a:off x="3694958" y="4629748"/>
+            <a:ext cx="854210" cy="369332"/>
+          </a:xfrm>
+          <a:prstGeom prst="rect">
+            <a:avLst/>
+          </a:prstGeom>
+          <a:noFill/>
+        </p:spPr>
+        <p:txBody>
+          <a:bodyPr wrap="square" rtlCol="0">
+            <a:spAutoFit/>
+          </a:bodyPr>
+          <a:lstStyle/>
+          <a:p>
+            <a:pPr algn="ctr"/>
+            <a:r>
+              <a:rPr lang="en-US" altLang="zh-CN" sz="900" b="1" dirty="0"/>
+              <a:t>poisoned local dataset</a:t>
+            </a:r>
+          </a:p>
+        </p:txBody>
+      </p:sp>
+      <p:sp>
+        <p:nvSpPr>
+          <p:cNvPr id="116" name="文本框 115"/>
+          <p:cNvSpPr txBox="1"/>
+          <p:nvPr/>
+        </p:nvSpPr>
+        <p:spPr>
+          <a:xfrm>
+            <a:off x="5846397" y="2827000"/>
+            <a:ext cx="734678" cy="369332"/>
+          </a:xfrm>
+          <a:prstGeom prst="rect">
+            <a:avLst/>
+          </a:prstGeom>
+          <a:noFill/>
+        </p:spPr>
+        <p:txBody>
+          <a:bodyPr wrap="square" rtlCol="0">
+            <a:spAutoFit/>
+          </a:bodyPr>
+          <a:lstStyle/>
+          <a:p>
+            <a:pPr algn="ctr"/>
+            <a:r>
+              <a:rPr lang="en-US" altLang="zh-CN" sz="900" b="1" dirty="0"/>
+              <a:t>public dataset</a:t>
+            </a:r>
+          </a:p>
+        </p:txBody>
+      </p:sp>
+      <p:grpSp>
+        <p:nvGrpSpPr>
+          <p:cNvPr id="125" name="组合 124"/>
+          <p:cNvGrpSpPr/>
+          <p:nvPr/>
+        </p:nvGrpSpPr>
+        <p:grpSpPr>
+          <a:xfrm>
+            <a:off x="5031621" y="1682943"/>
+            <a:ext cx="1425575" cy="742950"/>
+            <a:chOff x="4470" y="506"/>
+            <a:chExt cx="2245" cy="1170"/>
+          </a:xfrm>
+        </p:grpSpPr>
+        <p:sp>
+          <p:nvSpPr>
+            <p:cNvPr id="124" name="矩形 123"/>
+            <p:cNvSpPr/>
+            <p:nvPr/>
+          </p:nvSpPr>
+          <p:spPr>
+            <a:xfrm>
+              <a:off x="4470" y="510"/>
+              <a:ext cx="2245" cy="1127"/>
+            </a:xfrm>
+            <a:prstGeom prst="rect">
+              <a:avLst/>
+            </a:prstGeom>
+            <a:ln w="19050" cmpd="sng">
+              <a:solidFill>
+                <a:schemeClr val="tx1"/>
+              </a:solidFill>
+              <a:prstDash val="dash"/>
+            </a:ln>
+          </p:spPr>
+          <p:style>
+            <a:lnRef idx="2">
+              <a:schemeClr val="accent6"/>
+            </a:lnRef>
+            <a:fillRef idx="1">
+              <a:schemeClr val="lt1"/>
+            </a:fillRef>
+            <a:effectRef idx="0">
+              <a:schemeClr val="accent6"/>
+            </a:effectRef>
+            <a:fontRef idx="minor">
+              <a:schemeClr val="dk1"/>
+            </a:fontRef>
+          </p:style>
+          <p:txBody>
+            <a:bodyPr rtlCol="0" anchor="ctr"/>
+            <a:lstStyle/>
+            <a:p>
+              <a:pPr algn="ctr"/>
+              <a:endParaRPr lang="zh-CN" altLang="en-US" sz="900"/>
+            </a:p>
+          </p:txBody>
+        </p:sp>
+        <p:grpSp>
+          <p:nvGrpSpPr>
+            <p:cNvPr id="123" name="组合 122"/>
+            <p:cNvGrpSpPr/>
+            <p:nvPr/>
+          </p:nvGrpSpPr>
+          <p:grpSpPr>
+            <a:xfrm>
+              <a:off x="4470" y="506"/>
+              <a:ext cx="2245" cy="1170"/>
+              <a:chOff x="5713" y="2774"/>
+              <a:chExt cx="2245" cy="1170"/>
+            </a:xfrm>
+          </p:grpSpPr>
+          <p:grpSp>
+            <p:nvGrpSpPr>
+              <p:cNvPr id="121" name="组合 120"/>
+              <p:cNvGrpSpPr/>
+              <p:nvPr/>
+            </p:nvGrpSpPr>
+            <p:grpSpPr>
+              <a:xfrm>
+                <a:off x="6824" y="2774"/>
+                <a:ext cx="1134" cy="1134"/>
+                <a:chOff x="6824" y="2774"/>
+                <a:chExt cx="1134" cy="1134"/>
+              </a:xfrm>
+            </p:grpSpPr>
+            <p:pic>
+              <p:nvPicPr>
+                <p:cNvPr id="120" name="图片 119" descr="数据 (3)"/>
+                <p:cNvPicPr>
+                  <a:picLocks noChangeAspect="1"/>
+                </p:cNvPicPr>
+                <p:nvPr/>
+              </p:nvPicPr>
+              <p:blipFill>
+                <a:blip r:embed="rId8"/>
+                <a:stretch>
+                  <a:fillRect/>
+                </a:stretch>
+              </p:blipFill>
+              <p:spPr>
+                <a:xfrm>
+                  <a:off x="6824" y="2774"/>
+                  <a:ext cx="1134" cy="1134"/>
+                </a:xfrm>
+                <a:prstGeom prst="rect">
+                  <a:avLst/>
+                </a:prstGeom>
+              </p:spPr>
+            </p:pic>
+            <p:pic>
+              <p:nvPicPr>
+                <p:cNvPr id="119" name="图片 118" descr="标签"/>
+                <p:cNvPicPr>
+                  <a:picLocks noChangeAspect="1"/>
+                </p:cNvPicPr>
+                <p:nvPr/>
+              </p:nvPicPr>
+              <p:blipFill>
+                <a:blip r:embed="rId9"/>
+                <a:stretch>
+                  <a:fillRect/>
+                </a:stretch>
+              </p:blipFill>
+              <p:spPr>
+                <a:xfrm>
+                  <a:off x="7391" y="2841"/>
+                  <a:ext cx="567" cy="567"/>
+                </a:xfrm>
+                <a:prstGeom prst="rect">
+                  <a:avLst/>
+                </a:prstGeom>
+              </p:spPr>
+            </p:pic>
+          </p:grpSp>
+          <p:pic>
+            <p:nvPicPr>
+              <p:cNvPr id="122" name="图片 121" descr="数据 (3)"/>
+              <p:cNvPicPr>
+                <a:picLocks noChangeAspect="1"/>
+              </p:cNvPicPr>
+              <p:nvPr/>
+            </p:nvPicPr>
+            <p:blipFill>
+              <a:blip r:embed="rId8"/>
+              <a:stretch>
+                <a:fillRect/>
+              </a:stretch>
+            </p:blipFill>
+            <p:spPr>
+              <a:xfrm>
+                <a:off x="5713" y="2810"/>
+                <a:ext cx="1134" cy="1134"/>
+              </a:xfrm>
+              <a:prstGeom prst="rect">
+                <a:avLst/>
+              </a:prstGeom>
+            </p:spPr>
+          </p:pic>
+        </p:grpSp>
+      </p:grpSp>
+      <p:pic>
+        <p:nvPicPr>
+          <p:cNvPr id="126" name="图片 125" descr="数据 (3)"/>
+          <p:cNvPicPr>
+            <a:picLocks noChangeAspect="1"/>
+          </p:cNvPicPr>
+          <p:nvPr/>
+        </p:nvPicPr>
+        <p:blipFill>
+          <a:blip r:embed="rId8"/>
+          <a:stretch>
+            <a:fillRect/>
+          </a:stretch>
+        </p:blipFill>
+        <p:spPr>
+          <a:xfrm>
+            <a:off x="5377703" y="2664705"/>
+            <a:ext cx="720090" cy="720090"/>
+          </a:xfrm>
+          <a:prstGeom prst="rect">
+            <a:avLst/>
+          </a:prstGeom>
+        </p:spPr>
+      </p:pic>
+      <p:sp>
+        <p:nvSpPr>
+          <p:cNvPr id="130" name="文本框 129"/>
+          <p:cNvSpPr txBox="1"/>
+          <p:nvPr/>
+        </p:nvSpPr>
+        <p:spPr>
+          <a:xfrm>
+            <a:off x="4953523" y="2365353"/>
+            <a:ext cx="848360" cy="369332"/>
+          </a:xfrm>
+          <a:prstGeom prst="rect">
+            <a:avLst/>
+          </a:prstGeom>
+          <a:noFill/>
+        </p:spPr>
+        <p:txBody>
+          <a:bodyPr wrap="square" rtlCol="0">
+            <a:spAutoFit/>
+          </a:bodyPr>
+          <a:lstStyle/>
+          <a:p>
+            <a:pPr algn="ctr"/>
+            <a:r>
+              <a:rPr lang="en-US" altLang="zh-CN" sz="900" b="1" dirty="0"/>
+              <a:t>unlabeled</a:t>
+            </a:r>
+          </a:p>
+          <a:p>
+            <a:pPr algn="ctr"/>
+            <a:r>
+              <a:rPr lang="en-US" altLang="zh-CN" sz="900" b="1" dirty="0"/>
+              <a:t>dataset</a:t>
+            </a:r>
+          </a:p>
+        </p:txBody>
+      </p:sp>
+      <p:sp>
+        <p:nvSpPr>
+          <p:cNvPr id="131" name="文本框 130"/>
+          <p:cNvSpPr txBox="1"/>
+          <p:nvPr/>
+        </p:nvSpPr>
+        <p:spPr>
+          <a:xfrm>
+            <a:off x="5730058" y="2369985"/>
+            <a:ext cx="752475" cy="369332"/>
+          </a:xfrm>
+          <a:prstGeom prst="rect">
+            <a:avLst/>
+          </a:prstGeom>
+          <a:noFill/>
+        </p:spPr>
+        <p:txBody>
+          <a:bodyPr wrap="square" rtlCol="0">
+            <a:spAutoFit/>
+          </a:bodyPr>
+          <a:lstStyle/>
+          <a:p>
+            <a:pPr algn="ctr"/>
+            <a:r>
+              <a:rPr lang="en-US" altLang="zh-CN" sz="900" b="1" dirty="0"/>
+              <a:t>labeled</a:t>
+            </a:r>
+          </a:p>
+          <a:p>
+            <a:pPr algn="ctr"/>
+            <a:r>
+              <a:rPr lang="en-US" altLang="zh-CN" sz="900" b="1" dirty="0"/>
+              <a:t>dataset</a:t>
+            </a:r>
+          </a:p>
+        </p:txBody>
+      </p:sp>
+      <p:sp>
+        <p:nvSpPr>
+          <p:cNvPr id="134" name="文本框 133"/>
+          <p:cNvSpPr txBox="1"/>
+          <p:nvPr/>
+        </p:nvSpPr>
+        <p:spPr>
+          <a:xfrm>
+            <a:off x="3378200" y="3369963"/>
+            <a:ext cx="1467485" cy="230832"/>
+          </a:xfrm>
+          <a:prstGeom prst="rect">
+            <a:avLst/>
+          </a:prstGeom>
+          <a:noFill/>
+        </p:spPr>
+        <p:txBody>
+          <a:bodyPr wrap="square" rtlCol="0">
+            <a:spAutoFit/>
+          </a:bodyPr>
+          <a:lstStyle/>
+          <a:p>
+            <a:pPr algn="ctr"/>
+            <a:r>
+              <a:rPr lang="en-US" altLang="zh-CN" sz="900" b="1" dirty="0"/>
+              <a:t>poisoned local model</a:t>
+            </a:r>
+          </a:p>
+        </p:txBody>
+      </p:sp>
+      <p:pic>
+        <p:nvPicPr>
+          <p:cNvPr id="136" name="图片 135" descr="服务器 server rack"/>
+          <p:cNvPicPr>
+            <a:picLocks noChangeAspect="1"/>
+          </p:cNvPicPr>
+          <p:nvPr/>
+        </p:nvPicPr>
+        <p:blipFill>
+          <a:blip r:embed="rId10"/>
+          <a:stretch>
+            <a:fillRect/>
+          </a:stretch>
+        </p:blipFill>
+        <p:spPr>
+          <a:xfrm>
+            <a:off x="6859296" y="2647760"/>
+            <a:ext cx="720090" cy="720090"/>
+          </a:xfrm>
+          <a:prstGeom prst="rect">
+            <a:avLst/>
+          </a:prstGeom>
+        </p:spPr>
+      </p:pic>
+      <p:sp>
+        <p:nvSpPr>
+          <p:cNvPr id="139" name="文本框 138"/>
+          <p:cNvSpPr txBox="1"/>
+          <p:nvPr/>
+        </p:nvSpPr>
+        <p:spPr>
+          <a:xfrm>
+            <a:off x="6778052" y="3232271"/>
+            <a:ext cx="935355" cy="430887"/>
+          </a:xfrm>
+          <a:prstGeom prst="rect">
+            <a:avLst/>
+          </a:prstGeom>
+          <a:noFill/>
+        </p:spPr>
+        <p:txBody>
+          <a:bodyPr wrap="square" rtlCol="0">
+            <a:spAutoFit/>
+          </a:bodyPr>
+          <a:lstStyle/>
+          <a:p>
+            <a:pPr algn="ctr"/>
+            <a:r>
+              <a:rPr lang="en-US" altLang="zh-CN" sz="1100" b="1" i="1" dirty="0"/>
+              <a:t>central server</a:t>
+            </a:r>
+          </a:p>
+        </p:txBody>
+      </p:sp>
+      <p:cxnSp>
+        <p:nvCxnSpPr>
+          <p:cNvPr id="78" name="直接箭头连接符 77"/>
+          <p:cNvCxnSpPr>
+            <a:cxnSpLocks/>
+            <a:stCxn id="71" idx="0"/>
+            <a:endCxn id="134" idx="2"/>
+          </p:cNvCxnSpPr>
+          <p:nvPr/>
+        </p:nvCxnSpPr>
+        <p:spPr>
+          <a:xfrm flipH="1" flipV="1">
+            <a:off x="4111943" y="3600795"/>
+            <a:ext cx="1587" cy="483525"/>
+          </a:xfrm>
+          <a:prstGeom prst="straightConnector1">
+            <a:avLst/>
+          </a:prstGeom>
+          <a:ln w="19050" cmpd="sng">
+            <a:solidFill>
+              <a:schemeClr val="tx1"/>
+            </a:solidFill>
+            <a:prstDash val="dash"/>
+            <a:miter lim="800000"/>
+            <a:headEnd type="none"/>
+            <a:tailEnd type="triangle" w="med" len="med"/>
+          </a:ln>
+        </p:spPr>
+        <p:style>
+          <a:lnRef idx="3">
+            <a:schemeClr val="dk1"/>
+          </a:lnRef>
+          <a:fillRef idx="0">
+            <a:schemeClr val="dk1"/>
+          </a:fillRef>
+          <a:effectRef idx="2">
+            <a:schemeClr val="dk1"/>
+          </a:effectRef>
+          <a:fontRef idx="minor">
+            <a:schemeClr val="tx1"/>
+          </a:fontRef>
+        </p:style>
+      </p:cxnSp>
+      <p:pic>
+        <p:nvPicPr>
+          <p:cNvPr id="73" name="图片 72" descr="病毒 (1)"/>
+          <p:cNvPicPr>
+            <a:picLocks noChangeAspect="1"/>
+          </p:cNvPicPr>
+          <p:nvPr/>
+        </p:nvPicPr>
+        <p:blipFill>
+          <a:blip r:embed="rId11"/>
+          <a:stretch>
+            <a:fillRect/>
+          </a:stretch>
+        </p:blipFill>
+        <p:spPr>
+          <a:xfrm>
+            <a:off x="4194810" y="4322409"/>
+            <a:ext cx="360045" cy="360045"/>
+          </a:xfrm>
+          <a:prstGeom prst="rect">
+            <a:avLst/>
+          </a:prstGeom>
+        </p:spPr>
+      </p:pic>
+      <p:cxnSp>
+        <p:nvCxnSpPr>
+          <p:cNvPr id="133" name="直接箭头连接符 132"/>
+          <p:cNvCxnSpPr>
+            <a:cxnSpLocks/>
+          </p:cNvCxnSpPr>
+          <p:nvPr/>
+        </p:nvCxnSpPr>
+        <p:spPr>
+          <a:xfrm>
+            <a:off x="4647635" y="3393887"/>
+            <a:ext cx="2164847" cy="0"/>
+          </a:xfrm>
+          <a:prstGeom prst="straightConnector1">
+            <a:avLst/>
+          </a:prstGeom>
+          <a:ln w="19050" cmpd="sng">
+            <a:solidFill>
+              <a:schemeClr val="tx1"/>
+            </a:solidFill>
+            <a:prstDash val="solid"/>
+            <a:tailEnd type="triangle" w="med" len="med"/>
+          </a:ln>
+        </p:spPr>
+        <p:style>
+          <a:lnRef idx="3">
+            <a:schemeClr val="dk1"/>
+          </a:lnRef>
+          <a:fillRef idx="0">
+            <a:schemeClr val="dk1"/>
+          </a:fillRef>
+          <a:effectRef idx="2">
+            <a:schemeClr val="dk1"/>
+          </a:effectRef>
+          <a:fontRef idx="minor">
+            <a:schemeClr val="tx1"/>
+          </a:fontRef>
+        </p:style>
+      </p:cxnSp>
+      <p:grpSp>
+        <p:nvGrpSpPr>
+          <p:cNvPr id="72" name="组合 71">
             <a:extLst>
               <a:ext uri="{FF2B5EF4-FFF2-40B4-BE49-F238E27FC236}">
-                <a16:creationId xmlns:a16="http://schemas.microsoft.com/office/drawing/2014/main" id="{5202EABB-6FD3-4B0B-A0D7-02E2F5077596}"/>
+                <a16:creationId xmlns:a16="http://schemas.microsoft.com/office/drawing/2014/main" id="{765A7F37-D74A-4CA8-B68C-9A490BB98590}"/>
               </a:ext>
             </a:extLst>
           </p:cNvPr>
@@ -2902,68 +3877,44 @@
         </p:nvGrpSpPr>
         <p:grpSpPr>
           <a:xfrm>
-            <a:off x="1765275" y="1682943"/>
-            <a:ext cx="7415877" cy="3509733"/>
-            <a:chOff x="1765275" y="1682943"/>
-            <a:chExt cx="7415877" cy="3509733"/>
+            <a:off x="4640356" y="3424274"/>
+            <a:ext cx="2264316" cy="1768402"/>
+            <a:chOff x="4640356" y="3424274"/>
+            <a:chExt cx="2264316" cy="1768402"/>
           </a:xfrm>
         </p:grpSpPr>
-        <p:pic>
-          <p:nvPicPr>
-            <p:cNvPr id="9" name="图片 8" descr="用户 (1)"/>
-            <p:cNvPicPr>
-              <a:picLocks noChangeAspect="1"/>
-            </p:cNvPicPr>
-            <p:nvPr/>
-          </p:nvPicPr>
-          <p:blipFill>
-            <a:blip r:embed="rId2"/>
-            <a:stretch>
-              <a:fillRect/>
-            </a:stretch>
-          </p:blipFill>
-          <p:spPr>
-            <a:xfrm flipH="1">
-              <a:off x="2744954" y="4084320"/>
-              <a:ext cx="735330" cy="720090"/>
-            </a:xfrm>
-            <a:prstGeom prst="rect">
-              <a:avLst/>
-            </a:prstGeom>
-          </p:spPr>
-        </p:pic>
         <p:grpSp>
           <p:nvGrpSpPr>
-            <p:cNvPr id="39" name="组合 38"/>
+            <p:cNvPr id="150" name="组合 149"/>
             <p:cNvGrpSpPr/>
             <p:nvPr/>
           </p:nvGrpSpPr>
           <p:grpSpPr>
-            <a:xfrm flipH="1">
-              <a:off x="2617420" y="2155657"/>
-              <a:ext cx="832485" cy="777875"/>
-              <a:chOff x="16021" y="1610"/>
-              <a:chExt cx="1284" cy="1225"/>
+            <a:xfrm>
+              <a:off x="5454214" y="3424274"/>
+              <a:ext cx="650240" cy="605790"/>
+              <a:chOff x="10282" y="6258"/>
+              <a:chExt cx="1024" cy="954"/>
             </a:xfrm>
           </p:grpSpPr>
           <p:pic>
             <p:nvPicPr>
-              <p:cNvPr id="40" name="图片 39" descr="声波"/>
+              <p:cNvPr id="111" name="图片 110" descr="检查结果 (1)"/>
               <p:cNvPicPr>
                 <a:picLocks noChangeAspect="1"/>
               </p:cNvPicPr>
               <p:nvPr/>
             </p:nvPicPr>
             <p:blipFill>
-              <a:blip r:embed="rId3"/>
+              <a:blip r:embed="rId12"/>
               <a:stretch>
                 <a:fillRect/>
               </a:stretch>
             </p:blipFill>
             <p:spPr>
-              <a:xfrm rot="18840000">
-                <a:off x="16739" y="1610"/>
-                <a:ext cx="567" cy="567"/>
+              <a:xfrm>
+                <a:off x="10282" y="6258"/>
+                <a:ext cx="850" cy="850"/>
               </a:xfrm>
               <a:prstGeom prst="rect">
                 <a:avLst/>
@@ -2972,22 +3923,22 @@
           </p:pic>
           <p:pic>
             <p:nvPicPr>
-              <p:cNvPr id="41" name="图片 40" descr="电脑"/>
+              <p:cNvPr id="77" name="图片 76" descr="病毒 (1)"/>
               <p:cNvPicPr>
                 <a:picLocks noChangeAspect="1"/>
               </p:cNvPicPr>
               <p:nvPr/>
             </p:nvPicPr>
             <p:blipFill>
-              <a:blip r:embed="rId4"/>
+              <a:blip r:embed="rId11"/>
               <a:stretch>
                 <a:fillRect/>
               </a:stretch>
             </p:blipFill>
             <p:spPr>
               <a:xfrm>
-                <a:off x="16021" y="1701"/>
-                <a:ext cx="1134" cy="1134"/>
+                <a:off x="10739" y="6645"/>
+                <a:ext cx="567" cy="567"/>
               </a:xfrm>
               <a:prstGeom prst="rect">
                 <a:avLst/>
@@ -2995,419 +3946,16 @@
             </p:spPr>
           </p:pic>
         </p:grpSp>
-        <p:grpSp>
-          <p:nvGrpSpPr>
-            <p:cNvPr id="42" name="组合 41"/>
-            <p:cNvGrpSpPr/>
-            <p:nvPr/>
-          </p:nvGrpSpPr>
-          <p:grpSpPr>
-            <a:xfrm flipH="1">
-              <a:off x="1892395" y="2611166"/>
-              <a:ext cx="735330" cy="720090"/>
-              <a:chOff x="1392" y="2945"/>
-              <a:chExt cx="1134" cy="1134"/>
-            </a:xfrm>
-          </p:grpSpPr>
-          <p:pic>
-            <p:nvPicPr>
-              <p:cNvPr id="44" name="图片 43" descr="声波"/>
-              <p:cNvPicPr>
-                <a:picLocks noChangeAspect="1"/>
-              </p:cNvPicPr>
-              <p:nvPr/>
-            </p:nvPicPr>
-            <p:blipFill>
-              <a:blip r:embed="rId3"/>
-              <a:stretch>
-                <a:fillRect/>
-              </a:stretch>
-            </p:blipFill>
-            <p:spPr>
-              <a:xfrm rot="18840000">
-                <a:off x="1841" y="2953"/>
-                <a:ext cx="567" cy="567"/>
-              </a:xfrm>
-              <a:prstGeom prst="rect">
-                <a:avLst/>
-              </a:prstGeom>
-            </p:spPr>
-          </p:pic>
-          <p:pic>
-            <p:nvPicPr>
-              <p:cNvPr id="53" name="图片 52" descr="小汽车"/>
-              <p:cNvPicPr>
-                <a:picLocks noChangeAspect="1"/>
-              </p:cNvPicPr>
-              <p:nvPr/>
-            </p:nvPicPr>
-            <p:blipFill>
-              <a:blip r:embed="rId5"/>
-              <a:stretch>
-                <a:fillRect/>
-              </a:stretch>
-            </p:blipFill>
-            <p:spPr>
-              <a:xfrm>
-                <a:off x="1392" y="2945"/>
-                <a:ext cx="1134" cy="1134"/>
-              </a:xfrm>
-              <a:prstGeom prst="rect">
-                <a:avLst/>
-              </a:prstGeom>
-            </p:spPr>
-          </p:pic>
-        </p:grpSp>
-        <p:grpSp>
-          <p:nvGrpSpPr>
-            <p:cNvPr id="54" name="组合 53"/>
-            <p:cNvGrpSpPr/>
-            <p:nvPr/>
-          </p:nvGrpSpPr>
-          <p:grpSpPr>
-            <a:xfrm flipH="1">
-              <a:off x="1779436" y="3937997"/>
-              <a:ext cx="751205" cy="857250"/>
-              <a:chOff x="3629" y="5029"/>
-              <a:chExt cx="1158" cy="1350"/>
-            </a:xfrm>
-          </p:grpSpPr>
-          <p:pic>
-            <p:nvPicPr>
-              <p:cNvPr id="62" name="图片 61" descr="声波"/>
-              <p:cNvPicPr>
-                <a:picLocks noChangeAspect="1"/>
-              </p:cNvPicPr>
-              <p:nvPr/>
-            </p:nvPicPr>
-            <p:blipFill>
-              <a:blip r:embed="rId3"/>
-              <a:stretch>
-                <a:fillRect/>
-              </a:stretch>
-            </p:blipFill>
-            <p:spPr>
-              <a:xfrm rot="18840000">
-                <a:off x="4221" y="5029"/>
-                <a:ext cx="567" cy="567"/>
-              </a:xfrm>
-              <a:prstGeom prst="rect">
-                <a:avLst/>
-              </a:prstGeom>
-            </p:spPr>
-          </p:pic>
-          <p:pic>
-            <p:nvPicPr>
-              <p:cNvPr id="63" name="图片 62" descr="手机"/>
-              <p:cNvPicPr>
-                <a:picLocks noChangeAspect="1"/>
-              </p:cNvPicPr>
-              <p:nvPr/>
-            </p:nvPicPr>
-            <p:blipFill>
-              <a:blip r:embed="rId6"/>
-              <a:stretch>
-                <a:fillRect/>
-              </a:stretch>
-            </p:blipFill>
-            <p:spPr>
-              <a:xfrm>
-                <a:off x="3629" y="5245"/>
-                <a:ext cx="1134" cy="1134"/>
-              </a:xfrm>
-              <a:prstGeom prst="rect">
-                <a:avLst/>
-              </a:prstGeom>
-            </p:spPr>
-          </p:pic>
-        </p:grpSp>
-        <p:cxnSp>
-          <p:nvCxnSpPr>
-            <p:cNvPr id="64" name="直接箭头连接符 63"/>
-            <p:cNvCxnSpPr>
-              <a:stCxn id="41" idx="2"/>
-              <a:endCxn id="9" idx="0"/>
-            </p:cNvCxnSpPr>
-            <p:nvPr/>
-          </p:nvCxnSpPr>
-          <p:spPr>
-            <a:xfrm>
-              <a:off x="3082289" y="2933532"/>
-              <a:ext cx="30330" cy="1150788"/>
-            </a:xfrm>
-            <a:prstGeom prst="straightConnector1">
-              <a:avLst/>
-            </a:prstGeom>
-            <a:ln w="19050" cmpd="sng">
-              <a:solidFill>
-                <a:schemeClr val="tx1"/>
-              </a:solidFill>
-              <a:prstDash val="dash"/>
-              <a:tailEnd type="triangle" w="med" len="med"/>
-            </a:ln>
-          </p:spPr>
-          <p:style>
-            <a:lnRef idx="3">
-              <a:schemeClr val="dk1"/>
-            </a:lnRef>
-            <a:fillRef idx="0">
-              <a:schemeClr val="dk1"/>
-            </a:fillRef>
-            <a:effectRef idx="2">
-              <a:schemeClr val="dk1"/>
-            </a:effectRef>
-            <a:fontRef idx="minor">
-              <a:schemeClr val="tx1"/>
-            </a:fontRef>
-          </p:style>
-        </p:cxnSp>
-        <p:cxnSp>
-          <p:nvCxnSpPr>
-            <p:cNvPr id="65" name="直接箭头连接符 64"/>
-            <p:cNvCxnSpPr>
-              <a:cxnSpLocks/>
-            </p:cNvCxnSpPr>
-            <p:nvPr/>
-          </p:nvCxnSpPr>
-          <p:spPr>
-            <a:xfrm>
-              <a:off x="2461052" y="3194464"/>
-              <a:ext cx="396357" cy="1027297"/>
-            </a:xfrm>
-            <a:prstGeom prst="straightConnector1">
-              <a:avLst/>
-            </a:prstGeom>
-            <a:ln w="19050" cmpd="sng">
-              <a:solidFill>
-                <a:schemeClr val="tx1"/>
-              </a:solidFill>
-              <a:prstDash val="dash"/>
-              <a:tailEnd type="triangle" w="med" len="med"/>
-            </a:ln>
-          </p:spPr>
-          <p:style>
-            <a:lnRef idx="3">
-              <a:schemeClr val="dk1"/>
-            </a:lnRef>
-            <a:fillRef idx="0">
-              <a:schemeClr val="dk1"/>
-            </a:fillRef>
-            <a:effectRef idx="2">
-              <a:schemeClr val="dk1"/>
-            </a:effectRef>
-            <a:fontRef idx="minor">
-              <a:schemeClr val="tx1"/>
-            </a:fontRef>
-          </p:style>
-        </p:cxnSp>
-        <p:cxnSp>
-          <p:nvCxnSpPr>
-            <p:cNvPr id="66" name="直接箭头连接符 65"/>
-            <p:cNvCxnSpPr>
-              <a:cxnSpLocks/>
-              <a:stCxn id="63" idx="1"/>
-              <a:endCxn id="9" idx="3"/>
-            </p:cNvCxnSpPr>
-            <p:nvPr/>
-          </p:nvCxnSpPr>
-          <p:spPr>
-            <a:xfrm>
-              <a:off x="2530641" y="4435202"/>
-              <a:ext cx="214313" cy="9163"/>
-            </a:xfrm>
-            <a:prstGeom prst="straightConnector1">
-              <a:avLst/>
-            </a:prstGeom>
-            <a:ln w="19050" cmpd="sng">
-              <a:solidFill>
-                <a:schemeClr val="tx1"/>
-              </a:solidFill>
-              <a:prstDash val="dash"/>
-              <a:tailEnd type="triangle" w="med" len="med"/>
-            </a:ln>
-          </p:spPr>
-          <p:style>
-            <a:lnRef idx="3">
-              <a:schemeClr val="dk1"/>
-            </a:lnRef>
-            <a:fillRef idx="0">
-              <a:schemeClr val="dk1"/>
-            </a:fillRef>
-            <a:effectRef idx="2">
-              <a:schemeClr val="dk1"/>
-            </a:effectRef>
-            <a:fontRef idx="minor">
-              <a:schemeClr val="tx1"/>
-            </a:fontRef>
-          </p:style>
-        </p:cxnSp>
         <p:sp>
           <p:nvSpPr>
-            <p:cNvPr id="67" name="文本框 66"/>
-            <p:cNvSpPr txBox="1"/>
-            <p:nvPr/>
-          </p:nvSpPr>
-          <p:spPr>
-            <a:xfrm flipH="1">
-              <a:off x="2634079" y="4634098"/>
-              <a:ext cx="945504" cy="430887"/>
-            </a:xfrm>
-            <a:prstGeom prst="rect">
-              <a:avLst/>
-            </a:prstGeom>
-            <a:noFill/>
-          </p:spPr>
-          <p:txBody>
-            <a:bodyPr wrap="square" rtlCol="0">
-              <a:spAutoFit/>
-            </a:bodyPr>
-            <a:lstStyle/>
-            <a:p>
-              <a:pPr algn="ctr"/>
-              <a:r>
-                <a:rPr lang="en-US" altLang="zh-CN" sz="1100" b="1" i="1" dirty="0"/>
-                <a:t>malicious client</a:t>
-              </a:r>
-            </a:p>
-          </p:txBody>
-        </p:sp>
-        <p:cxnSp>
-          <p:nvCxnSpPr>
-            <p:cNvPr id="127" name="直接箭头连接符 126"/>
-            <p:cNvCxnSpPr>
-              <a:stCxn id="9" idx="1"/>
-              <a:endCxn id="71" idx="1"/>
-            </p:cNvCxnSpPr>
-            <p:nvPr/>
-          </p:nvCxnSpPr>
-          <p:spPr>
-            <a:xfrm>
-              <a:off x="3480284" y="4444365"/>
-              <a:ext cx="273201" cy="0"/>
-            </a:xfrm>
-            <a:prstGeom prst="straightConnector1">
-              <a:avLst/>
-            </a:prstGeom>
-            <a:ln w="19050" cmpd="sng">
-              <a:solidFill>
-                <a:schemeClr val="tx1"/>
-              </a:solidFill>
-              <a:prstDash val="dash"/>
-              <a:tailEnd type="triangle" w="med" len="med"/>
-            </a:ln>
-          </p:spPr>
-          <p:style>
-            <a:lnRef idx="3">
-              <a:schemeClr val="dk1"/>
-            </a:lnRef>
-            <a:fillRef idx="0">
-              <a:schemeClr val="dk1"/>
-            </a:fillRef>
-            <a:effectRef idx="2">
-              <a:schemeClr val="dk1"/>
-            </a:effectRef>
-            <a:fontRef idx="minor">
-              <a:schemeClr val="tx1"/>
-            </a:fontRef>
-          </p:style>
-        </p:cxnSp>
-        <p:pic>
-          <p:nvPicPr>
-            <p:cNvPr id="74" name="图片 73" descr="人工智能"/>
-            <p:cNvPicPr>
-              <a:picLocks noChangeAspect="1"/>
-            </p:cNvPicPr>
-            <p:nvPr/>
-          </p:nvPicPr>
-          <p:blipFill>
-            <a:blip r:embed="rId7"/>
-            <a:stretch>
-              <a:fillRect/>
-            </a:stretch>
-          </p:blipFill>
-          <p:spPr>
-            <a:xfrm>
-              <a:off x="3753372" y="2704184"/>
-              <a:ext cx="720090" cy="720090"/>
-            </a:xfrm>
-            <a:prstGeom prst="rect">
-              <a:avLst/>
-            </a:prstGeom>
-          </p:spPr>
-        </p:pic>
-        <p:cxnSp>
-          <p:nvCxnSpPr>
-            <p:cNvPr id="86" name="直接箭头连接符 85"/>
-            <p:cNvCxnSpPr>
-              <a:cxnSpLocks/>
-            </p:cNvCxnSpPr>
-            <p:nvPr/>
-          </p:nvCxnSpPr>
-          <p:spPr>
-            <a:xfrm flipH="1" flipV="1">
-              <a:off x="4640205" y="3296325"/>
-              <a:ext cx="2133615" cy="6970"/>
-            </a:xfrm>
-            <a:prstGeom prst="straightConnector1">
-              <a:avLst/>
-            </a:prstGeom>
-            <a:ln w="19050" cmpd="sng">
-              <a:solidFill>
-                <a:schemeClr val="tx1"/>
-              </a:solidFill>
-              <a:prstDash val="dash"/>
-              <a:tailEnd type="triangle" w="med" len="med"/>
-            </a:ln>
-          </p:spPr>
-          <p:style>
-            <a:lnRef idx="3">
-              <a:schemeClr val="dk1"/>
-            </a:lnRef>
-            <a:fillRef idx="0">
-              <a:schemeClr val="dk1"/>
-            </a:fillRef>
-            <a:effectRef idx="2">
-              <a:schemeClr val="dk1"/>
-            </a:effectRef>
-            <a:fontRef idx="minor">
-              <a:schemeClr val="tx1"/>
-            </a:fontRef>
-          </p:style>
-        </p:cxnSp>
-        <p:pic>
-          <p:nvPicPr>
-            <p:cNvPr id="71" name="图片 70" descr="数据 (2)"/>
-            <p:cNvPicPr>
-              <a:picLocks noChangeAspect="1"/>
-            </p:cNvPicPr>
-            <p:nvPr/>
-          </p:nvPicPr>
-          <p:blipFill>
-            <a:blip r:embed="rId8"/>
-            <a:stretch>
-              <a:fillRect/>
-            </a:stretch>
-          </p:blipFill>
-          <p:spPr>
-            <a:xfrm>
-              <a:off x="3753485" y="4084320"/>
-              <a:ext cx="720090" cy="720090"/>
-            </a:xfrm>
-            <a:prstGeom prst="rect">
-              <a:avLst/>
-            </a:prstGeom>
-          </p:spPr>
-        </p:pic>
-        <p:sp>
-          <p:nvSpPr>
-            <p:cNvPr id="113" name="文本框 112"/>
+            <p:cNvPr id="138" name="文本框 137"/>
             <p:cNvSpPr txBox="1"/>
             <p:nvPr/>
           </p:nvSpPr>
           <p:spPr>
             <a:xfrm>
-              <a:off x="3694958" y="4629748"/>
-              <a:ext cx="854210" cy="369332"/>
+              <a:off x="4640356" y="3490098"/>
+              <a:ext cx="985520" cy="369332"/>
             </a:xfrm>
             <a:prstGeom prst="rect">
               <a:avLst/>
@@ -3423,64 +3971,389 @@
               <a:pPr algn="ctr"/>
               <a:r>
                 <a:rPr lang="en-US" altLang="zh-CN" sz="900" b="1" dirty="0"/>
-                <a:t>poisoned local dataset</a:t>
+                <a:t>poisoned knowledge</a:t>
               </a:r>
             </a:p>
           </p:txBody>
         </p:sp>
-        <p:sp>
-          <p:nvSpPr>
-            <p:cNvPr id="116" name="文本框 115"/>
-            <p:cNvSpPr txBox="1"/>
+        <p:cxnSp>
+          <p:nvCxnSpPr>
+            <p:cNvPr id="174" name="直接箭头连接符 173"/>
+            <p:cNvCxnSpPr>
+              <a:cxnSpLocks/>
+              <a:stCxn id="111" idx="2"/>
+              <a:endCxn id="143" idx="0"/>
+            </p:cNvCxnSpPr>
             <p:nvPr/>
-          </p:nvSpPr>
+          </p:nvCxnSpPr>
           <p:spPr>
-            <a:xfrm>
-              <a:off x="5846397" y="2827000"/>
-              <a:ext cx="734678" cy="369332"/>
+            <a:xfrm flipH="1">
+              <a:off x="5723890" y="3964024"/>
+              <a:ext cx="199" cy="175822"/>
             </a:xfrm>
-            <a:prstGeom prst="rect">
+            <a:prstGeom prst="straightConnector1">
               <a:avLst/>
             </a:prstGeom>
-            <a:noFill/>
+            <a:ln w="19050" cmpd="sng">
+              <a:solidFill>
+                <a:schemeClr val="tx1"/>
+              </a:solidFill>
+              <a:prstDash val="solid"/>
+              <a:tailEnd type="triangle" w="med" len="med"/>
+            </a:ln>
           </p:spPr>
-          <p:txBody>
-            <a:bodyPr wrap="square" rtlCol="0">
-              <a:spAutoFit/>
-            </a:bodyPr>
-            <a:lstStyle/>
-            <a:p>
-              <a:pPr algn="ctr"/>
-              <a:r>
-                <a:rPr lang="en-US" altLang="zh-CN" sz="900" b="1" dirty="0"/>
-                <a:t>public dataset</a:t>
-              </a:r>
-            </a:p>
-          </p:txBody>
-        </p:sp>
+          <p:style>
+            <a:lnRef idx="3">
+              <a:schemeClr val="dk1"/>
+            </a:lnRef>
+            <a:fillRef idx="0">
+              <a:schemeClr val="dk1"/>
+            </a:fillRef>
+            <a:effectRef idx="2">
+              <a:schemeClr val="dk1"/>
+            </a:effectRef>
+            <a:fontRef idx="minor">
+              <a:schemeClr val="tx1"/>
+            </a:fontRef>
+          </p:style>
+        </p:cxnSp>
         <p:grpSp>
           <p:nvGrpSpPr>
-            <p:cNvPr id="125" name="组合 124"/>
+            <p:cNvPr id="31" name="组合 30"/>
             <p:cNvGrpSpPr/>
             <p:nvPr/>
           </p:nvGrpSpPr>
           <p:grpSpPr>
             <a:xfrm>
-              <a:off x="5031621" y="1682943"/>
-              <a:ext cx="1425575" cy="742950"/>
-              <a:chOff x="4470" y="506"/>
-              <a:chExt cx="2245" cy="1170"/>
+              <a:off x="4741227" y="4139846"/>
+              <a:ext cx="2163445" cy="1052830"/>
+              <a:chOff x="8053" y="7262"/>
+              <a:chExt cx="3407" cy="1658"/>
+            </a:xfrm>
+          </p:grpSpPr>
+          <p:grpSp>
+            <p:nvGrpSpPr>
+              <p:cNvPr id="170" name="组合 169"/>
+              <p:cNvGrpSpPr/>
+              <p:nvPr/>
+            </p:nvGrpSpPr>
+            <p:grpSpPr>
+              <a:xfrm>
+                <a:off x="8478" y="7262"/>
+                <a:ext cx="2244" cy="1126"/>
+                <a:chOff x="9518" y="1900"/>
+                <a:chExt cx="2244" cy="1126"/>
+              </a:xfrm>
+            </p:grpSpPr>
+            <p:sp>
+              <p:nvSpPr>
+                <p:cNvPr id="143" name="矩形 142"/>
+                <p:cNvSpPr/>
+                <p:nvPr/>
+              </p:nvSpPr>
+              <p:spPr>
+                <a:xfrm>
+                  <a:off x="9518" y="1900"/>
+                  <a:ext cx="2245" cy="1127"/>
+                </a:xfrm>
+                <a:prstGeom prst="rect">
+                  <a:avLst/>
+                </a:prstGeom>
+                <a:ln w="19050" cmpd="sng">
+                  <a:solidFill>
+                    <a:schemeClr val="tx1"/>
+                  </a:solidFill>
+                  <a:prstDash val="dash"/>
+                </a:ln>
+              </p:spPr>
+              <p:style>
+                <a:lnRef idx="2">
+                  <a:schemeClr val="accent6"/>
+                </a:lnRef>
+                <a:fillRef idx="1">
+                  <a:schemeClr val="lt1"/>
+                </a:fillRef>
+                <a:effectRef idx="0">
+                  <a:schemeClr val="accent6"/>
+                </a:effectRef>
+                <a:fontRef idx="minor">
+                  <a:schemeClr val="dk1"/>
+                </a:fontRef>
+              </p:style>
+              <p:txBody>
+                <a:bodyPr rtlCol="0" anchor="ctr"/>
+                <a:lstStyle/>
+                <a:p>
+                  <a:pPr algn="ctr"/>
+                  <a:endParaRPr lang="zh-CN" altLang="en-US" sz="900"/>
+                </a:p>
+              </p:txBody>
+            </p:sp>
+            <p:grpSp>
+              <p:nvGrpSpPr>
+                <p:cNvPr id="151" name="组合 150"/>
+                <p:cNvGrpSpPr/>
+                <p:nvPr/>
+              </p:nvGrpSpPr>
+              <p:grpSpPr>
+                <a:xfrm>
+                  <a:off x="9518" y="2029"/>
+                  <a:ext cx="987" cy="926"/>
+                  <a:chOff x="10210" y="5524"/>
+                  <a:chExt cx="987" cy="926"/>
+                </a:xfrm>
+              </p:grpSpPr>
+              <p:pic>
+                <p:nvPicPr>
+                  <p:cNvPr id="152" name="图片 151" descr="检查结果 (1)"/>
+                  <p:cNvPicPr>
+                    <a:picLocks noChangeAspect="1"/>
+                  </p:cNvPicPr>
+                  <p:nvPr/>
+                </p:nvPicPr>
+                <p:blipFill>
+                  <a:blip r:embed="rId12"/>
+                  <a:stretch>
+                    <a:fillRect/>
+                  </a:stretch>
+                </p:blipFill>
+                <p:spPr>
+                  <a:xfrm>
+                    <a:off x="10210" y="5524"/>
+                    <a:ext cx="850" cy="850"/>
+                  </a:xfrm>
+                  <a:prstGeom prst="rect">
+                    <a:avLst/>
+                  </a:prstGeom>
+                </p:spPr>
+              </p:pic>
+              <p:pic>
+                <p:nvPicPr>
+                  <p:cNvPr id="153" name="图片 152" descr="病毒 (1)"/>
+                  <p:cNvPicPr>
+                    <a:picLocks noChangeAspect="1"/>
+                  </p:cNvPicPr>
+                  <p:nvPr/>
+                </p:nvPicPr>
+                <p:blipFill>
+                  <a:blip r:embed="rId11"/>
+                  <a:stretch>
+                    <a:fillRect/>
+                  </a:stretch>
+                </p:blipFill>
+                <p:spPr>
+                  <a:xfrm>
+                    <a:off x="10630" y="5883"/>
+                    <a:ext cx="567" cy="567"/>
+                  </a:xfrm>
+                  <a:prstGeom prst="rect">
+                    <a:avLst/>
+                  </a:prstGeom>
+                </p:spPr>
+              </p:pic>
+            </p:grpSp>
+            <p:grpSp>
+              <p:nvGrpSpPr>
+                <p:cNvPr id="157" name="组合 156"/>
+                <p:cNvGrpSpPr/>
+                <p:nvPr/>
+              </p:nvGrpSpPr>
+              <p:grpSpPr>
+                <a:xfrm>
+                  <a:off x="10710" y="1903"/>
+                  <a:ext cx="987" cy="1078"/>
+                  <a:chOff x="16064" y="3545"/>
+                  <a:chExt cx="987" cy="1078"/>
+                </a:xfrm>
+              </p:grpSpPr>
+              <p:grpSp>
+                <p:nvGrpSpPr>
+                  <p:cNvPr id="154" name="组合 153"/>
+                  <p:cNvGrpSpPr/>
+                  <p:nvPr/>
+                </p:nvGrpSpPr>
+                <p:grpSpPr>
+                  <a:xfrm>
+                    <a:off x="16064" y="3681"/>
+                    <a:ext cx="987" cy="942"/>
+                    <a:chOff x="10210" y="5524"/>
+                    <a:chExt cx="987" cy="942"/>
+                  </a:xfrm>
+                </p:grpSpPr>
+                <p:pic>
+                  <p:nvPicPr>
+                    <p:cNvPr id="155" name="图片 154" descr="检查结果 (1)"/>
+                    <p:cNvPicPr>
+                      <a:picLocks noChangeAspect="1"/>
+                    </p:cNvPicPr>
+                    <p:nvPr/>
+                  </p:nvPicPr>
+                  <p:blipFill>
+                    <a:blip r:embed="rId12"/>
+                    <a:stretch>
+                      <a:fillRect/>
+                    </a:stretch>
+                  </p:blipFill>
+                  <p:spPr>
+                    <a:xfrm>
+                      <a:off x="10210" y="5524"/>
+                      <a:ext cx="850" cy="850"/>
+                    </a:xfrm>
+                    <a:prstGeom prst="rect">
+                      <a:avLst/>
+                    </a:prstGeom>
+                  </p:spPr>
+                </p:pic>
+                <p:pic>
+                  <p:nvPicPr>
+                    <p:cNvPr id="156" name="图片 155" descr="病毒 (1)"/>
+                    <p:cNvPicPr>
+                      <a:picLocks noChangeAspect="1"/>
+                    </p:cNvPicPr>
+                    <p:nvPr/>
+                  </p:nvPicPr>
+                  <p:blipFill>
+                    <a:blip r:embed="rId11"/>
+                    <a:stretch>
+                      <a:fillRect/>
+                    </a:stretch>
+                  </p:blipFill>
+                  <p:spPr>
+                    <a:xfrm>
+                      <a:off x="10630" y="5899"/>
+                      <a:ext cx="567" cy="567"/>
+                    </a:xfrm>
+                    <a:prstGeom prst="rect">
+                      <a:avLst/>
+                    </a:prstGeom>
+                  </p:spPr>
+                </p:pic>
+              </p:grpSp>
+              <p:pic>
+                <p:nvPicPr>
+                  <p:cNvPr id="147" name="图片 146" descr="标签"/>
+                  <p:cNvPicPr>
+                    <a:picLocks noChangeAspect="1"/>
+                  </p:cNvPicPr>
+                  <p:nvPr/>
+                </p:nvPicPr>
+                <p:blipFill>
+                  <a:blip r:embed="rId9"/>
+                  <a:stretch>
+                    <a:fillRect/>
+                  </a:stretch>
+                </p:blipFill>
+                <p:spPr>
+                  <a:xfrm>
+                    <a:off x="16484" y="3545"/>
+                    <a:ext cx="567" cy="567"/>
+                  </a:xfrm>
+                  <a:prstGeom prst="rect">
+                    <a:avLst/>
+                  </a:prstGeom>
+                </p:spPr>
+              </p:pic>
+            </p:grpSp>
+          </p:grpSp>
+          <p:sp>
+            <p:nvSpPr>
+              <p:cNvPr id="160" name="文本框 159"/>
+              <p:cNvSpPr txBox="1"/>
+              <p:nvPr/>
+            </p:nvSpPr>
+            <p:spPr>
+              <a:xfrm>
+                <a:off x="9579" y="8338"/>
+                <a:ext cx="1881" cy="582"/>
+              </a:xfrm>
+              <a:prstGeom prst="rect">
+                <a:avLst/>
+              </a:prstGeom>
+              <a:noFill/>
+            </p:spPr>
+            <p:txBody>
+              <a:bodyPr wrap="square" rtlCol="0">
+                <a:spAutoFit/>
+              </a:bodyPr>
+              <a:lstStyle/>
+              <a:p>
+                <a:pPr algn="ctr"/>
+                <a:r>
+                  <a:rPr lang="en-US" altLang="zh-CN" sz="900" b="1" dirty="0"/>
+                  <a:t>predictions of labeled dataset</a:t>
+                </a:r>
+              </a:p>
+            </p:txBody>
+          </p:sp>
+          <p:sp>
+            <p:nvSpPr>
+              <p:cNvPr id="14" name="文本框 13"/>
+              <p:cNvSpPr txBox="1"/>
+              <p:nvPr/>
+            </p:nvSpPr>
+            <p:spPr>
+              <a:xfrm>
+                <a:off x="8053" y="8338"/>
+                <a:ext cx="1752" cy="582"/>
+              </a:xfrm>
+              <a:prstGeom prst="rect">
+                <a:avLst/>
+              </a:prstGeom>
+              <a:noFill/>
+            </p:spPr>
+            <p:txBody>
+              <a:bodyPr wrap="square" rtlCol="0">
+                <a:spAutoFit/>
+              </a:bodyPr>
+              <a:lstStyle/>
+              <a:p>
+                <a:pPr algn="ctr"/>
+                <a:r>
+                  <a:rPr lang="en-US" altLang="zh-CN" sz="900" b="1" dirty="0"/>
+                  <a:t>predictions of unlabeled dataset</a:t>
+                </a:r>
+              </a:p>
+            </p:txBody>
+          </p:sp>
+        </p:grpSp>
+      </p:grpSp>
+      <p:grpSp>
+        <p:nvGrpSpPr>
+          <p:cNvPr id="32" name="组合 31"/>
+          <p:cNvGrpSpPr/>
+          <p:nvPr/>
+        </p:nvGrpSpPr>
+        <p:grpSpPr>
+          <a:xfrm>
+            <a:off x="7304092" y="4063164"/>
+            <a:ext cx="1877060" cy="1076960"/>
+            <a:chOff x="7846" y="7262"/>
+            <a:chExt cx="2956" cy="1696"/>
+          </a:xfrm>
+        </p:grpSpPr>
+        <p:grpSp>
+          <p:nvGrpSpPr>
+            <p:cNvPr id="33" name="组合 32"/>
+            <p:cNvGrpSpPr/>
+            <p:nvPr/>
+          </p:nvGrpSpPr>
+          <p:grpSpPr>
+            <a:xfrm>
+              <a:off x="8478" y="7262"/>
+              <a:ext cx="2244" cy="1126"/>
+              <a:chOff x="9518" y="1900"/>
+              <a:chExt cx="2244" cy="1126"/>
             </a:xfrm>
           </p:grpSpPr>
           <p:sp>
             <p:nvSpPr>
-              <p:cNvPr id="124" name="矩形 123"/>
+              <p:cNvPr id="34" name="矩形 33"/>
               <p:cNvSpPr/>
               <p:nvPr/>
             </p:nvSpPr>
             <p:spPr>
               <a:xfrm>
-                <a:off x="4470" y="510"/>
+                <a:off x="9518" y="1900"/>
                 <a:ext cx="2245" cy="1127"/>
               </a:xfrm>
               <a:prstGeom prst="rect">
@@ -3490,7 +4363,7 @@
                 <a:solidFill>
                   <a:schemeClr val="tx1"/>
                 </a:solidFill>
-                <a:prstDash val="dash"/>
+                <a:prstDash val="lgDash"/>
               </a:ln>
             </p:spPr>
             <p:style>
@@ -3518,456 +4391,21 @@
           </p:sp>
           <p:grpSp>
             <p:nvGrpSpPr>
-              <p:cNvPr id="123" name="组合 122"/>
+              <p:cNvPr id="35" name="组合 34"/>
               <p:cNvGrpSpPr/>
               <p:nvPr/>
             </p:nvGrpSpPr>
             <p:grpSpPr>
               <a:xfrm>
-                <a:off x="4470" y="506"/>
-                <a:ext cx="2245" cy="1170"/>
-                <a:chOff x="5713" y="2774"/>
-                <a:chExt cx="2245" cy="1170"/>
-              </a:xfrm>
-            </p:grpSpPr>
-            <p:grpSp>
-              <p:nvGrpSpPr>
-                <p:cNvPr id="121" name="组合 120"/>
-                <p:cNvGrpSpPr/>
-                <p:nvPr/>
-              </p:nvGrpSpPr>
-              <p:grpSpPr>
-                <a:xfrm>
-                  <a:off x="6824" y="2774"/>
-                  <a:ext cx="1134" cy="1134"/>
-                  <a:chOff x="6824" y="2774"/>
-                  <a:chExt cx="1134" cy="1134"/>
-                </a:xfrm>
-              </p:grpSpPr>
-              <p:pic>
-                <p:nvPicPr>
-                  <p:cNvPr id="120" name="图片 119" descr="数据 (3)"/>
-                  <p:cNvPicPr>
-                    <a:picLocks noChangeAspect="1"/>
-                  </p:cNvPicPr>
-                  <p:nvPr/>
-                </p:nvPicPr>
-                <p:blipFill>
-                  <a:blip r:embed="rId9"/>
-                  <a:stretch>
-                    <a:fillRect/>
-                  </a:stretch>
-                </p:blipFill>
-                <p:spPr>
-                  <a:xfrm>
-                    <a:off x="6824" y="2774"/>
-                    <a:ext cx="1134" cy="1134"/>
-                  </a:xfrm>
-                  <a:prstGeom prst="rect">
-                    <a:avLst/>
-                  </a:prstGeom>
-                </p:spPr>
-              </p:pic>
-              <p:pic>
-                <p:nvPicPr>
-                  <p:cNvPr id="119" name="图片 118" descr="标签"/>
-                  <p:cNvPicPr>
-                    <a:picLocks noChangeAspect="1"/>
-                  </p:cNvPicPr>
-                  <p:nvPr/>
-                </p:nvPicPr>
-                <p:blipFill>
-                  <a:blip r:embed="rId10"/>
-                  <a:stretch>
-                    <a:fillRect/>
-                  </a:stretch>
-                </p:blipFill>
-                <p:spPr>
-                  <a:xfrm>
-                    <a:off x="7391" y="2841"/>
-                    <a:ext cx="567" cy="567"/>
-                  </a:xfrm>
-                  <a:prstGeom prst="rect">
-                    <a:avLst/>
-                  </a:prstGeom>
-                </p:spPr>
-              </p:pic>
-            </p:grpSp>
-            <p:pic>
-              <p:nvPicPr>
-                <p:cNvPr id="122" name="图片 121" descr="数据 (3)"/>
-                <p:cNvPicPr>
-                  <a:picLocks noChangeAspect="1"/>
-                </p:cNvPicPr>
-                <p:nvPr/>
-              </p:nvPicPr>
-              <p:blipFill>
-                <a:blip r:embed="rId9"/>
-                <a:stretch>
-                  <a:fillRect/>
-                </a:stretch>
-              </p:blipFill>
-              <p:spPr>
-                <a:xfrm>
-                  <a:off x="5713" y="2810"/>
-                  <a:ext cx="1134" cy="1134"/>
-                </a:xfrm>
-                <a:prstGeom prst="rect">
-                  <a:avLst/>
-                </a:prstGeom>
-              </p:spPr>
-            </p:pic>
-          </p:grpSp>
-        </p:grpSp>
-        <p:pic>
-          <p:nvPicPr>
-            <p:cNvPr id="126" name="图片 125" descr="数据 (3)"/>
-            <p:cNvPicPr>
-              <a:picLocks noChangeAspect="1"/>
-            </p:cNvPicPr>
-            <p:nvPr/>
-          </p:nvPicPr>
-          <p:blipFill>
-            <a:blip r:embed="rId9"/>
-            <a:stretch>
-              <a:fillRect/>
-            </a:stretch>
-          </p:blipFill>
-          <p:spPr>
-            <a:xfrm>
-              <a:off x="5377703" y="2664705"/>
-              <a:ext cx="720090" cy="720090"/>
-            </a:xfrm>
-            <a:prstGeom prst="rect">
-              <a:avLst/>
-            </a:prstGeom>
-          </p:spPr>
-        </p:pic>
-        <p:sp>
-          <p:nvSpPr>
-            <p:cNvPr id="130" name="文本框 129"/>
-            <p:cNvSpPr txBox="1"/>
-            <p:nvPr/>
-          </p:nvSpPr>
-          <p:spPr>
-            <a:xfrm>
-              <a:off x="4953523" y="2365353"/>
-              <a:ext cx="848360" cy="369332"/>
-            </a:xfrm>
-            <a:prstGeom prst="rect">
-              <a:avLst/>
-            </a:prstGeom>
-            <a:noFill/>
-          </p:spPr>
-          <p:txBody>
-            <a:bodyPr wrap="square" rtlCol="0">
-              <a:spAutoFit/>
-            </a:bodyPr>
-            <a:lstStyle/>
-            <a:p>
-              <a:pPr algn="ctr"/>
-              <a:r>
-                <a:rPr lang="en-US" altLang="zh-CN" sz="900" b="1" dirty="0"/>
-                <a:t>unlabeled</a:t>
-              </a:r>
-            </a:p>
-            <a:p>
-              <a:pPr algn="ctr"/>
-              <a:r>
-                <a:rPr lang="en-US" altLang="zh-CN" sz="900" b="1" dirty="0"/>
-                <a:t>dataset</a:t>
-              </a:r>
-            </a:p>
-          </p:txBody>
-        </p:sp>
-        <p:sp>
-          <p:nvSpPr>
-            <p:cNvPr id="131" name="文本框 130"/>
-            <p:cNvSpPr txBox="1"/>
-            <p:nvPr/>
-          </p:nvSpPr>
-          <p:spPr>
-            <a:xfrm>
-              <a:off x="5730058" y="2369985"/>
-              <a:ext cx="752475" cy="369332"/>
-            </a:xfrm>
-            <a:prstGeom prst="rect">
-              <a:avLst/>
-            </a:prstGeom>
-            <a:noFill/>
-          </p:spPr>
-          <p:txBody>
-            <a:bodyPr wrap="square" rtlCol="0">
-              <a:spAutoFit/>
-            </a:bodyPr>
-            <a:lstStyle/>
-            <a:p>
-              <a:pPr algn="ctr"/>
-              <a:r>
-                <a:rPr lang="en-US" altLang="zh-CN" sz="900" b="1" dirty="0"/>
-                <a:t>labeled</a:t>
-              </a:r>
-            </a:p>
-            <a:p>
-              <a:pPr algn="ctr"/>
-              <a:r>
-                <a:rPr lang="en-US" altLang="zh-CN" sz="900" b="1" dirty="0"/>
-                <a:t>dataset</a:t>
-              </a:r>
-            </a:p>
-          </p:txBody>
-        </p:sp>
-        <p:sp>
-          <p:nvSpPr>
-            <p:cNvPr id="134" name="文本框 133"/>
-            <p:cNvSpPr txBox="1"/>
-            <p:nvPr/>
-          </p:nvSpPr>
-          <p:spPr>
-            <a:xfrm>
-              <a:off x="3378200" y="3369963"/>
-              <a:ext cx="1467485" cy="230832"/>
-            </a:xfrm>
-            <a:prstGeom prst="rect">
-              <a:avLst/>
-            </a:prstGeom>
-            <a:noFill/>
-          </p:spPr>
-          <p:txBody>
-            <a:bodyPr wrap="square" rtlCol="0">
-              <a:spAutoFit/>
-            </a:bodyPr>
-            <a:lstStyle/>
-            <a:p>
-              <a:pPr algn="ctr"/>
-              <a:r>
-                <a:rPr lang="en-US" altLang="zh-CN" sz="900" b="1" dirty="0"/>
-                <a:t>poisoned local model</a:t>
-              </a:r>
-            </a:p>
-          </p:txBody>
-        </p:sp>
-        <p:pic>
-          <p:nvPicPr>
-            <p:cNvPr id="136" name="图片 135" descr="服务器 server rack"/>
-            <p:cNvPicPr>
-              <a:picLocks noChangeAspect="1"/>
-            </p:cNvPicPr>
-            <p:nvPr/>
-          </p:nvPicPr>
-          <p:blipFill>
-            <a:blip r:embed="rId11"/>
-            <a:stretch>
-              <a:fillRect/>
-            </a:stretch>
-          </p:blipFill>
-          <p:spPr>
-            <a:xfrm>
-              <a:off x="6859296" y="2647760"/>
-              <a:ext cx="720090" cy="720090"/>
-            </a:xfrm>
-            <a:prstGeom prst="rect">
-              <a:avLst/>
-            </a:prstGeom>
-          </p:spPr>
-        </p:pic>
-        <p:sp>
-          <p:nvSpPr>
-            <p:cNvPr id="139" name="文本框 138"/>
-            <p:cNvSpPr txBox="1"/>
-            <p:nvPr/>
-          </p:nvSpPr>
-          <p:spPr>
-            <a:xfrm>
-              <a:off x="6778052" y="3232271"/>
-              <a:ext cx="935355" cy="430887"/>
-            </a:xfrm>
-            <a:prstGeom prst="rect">
-              <a:avLst/>
-            </a:prstGeom>
-            <a:noFill/>
-          </p:spPr>
-          <p:txBody>
-            <a:bodyPr wrap="square" rtlCol="0">
-              <a:spAutoFit/>
-            </a:bodyPr>
-            <a:lstStyle/>
-            <a:p>
-              <a:pPr algn="ctr"/>
-              <a:r>
-                <a:rPr lang="en-US" altLang="zh-CN" sz="1100" b="1" i="1" dirty="0"/>
-                <a:t>central server</a:t>
-              </a:r>
-            </a:p>
-          </p:txBody>
-        </p:sp>
-        <p:cxnSp>
-          <p:nvCxnSpPr>
-            <p:cNvPr id="78" name="直接箭头连接符 77"/>
-            <p:cNvCxnSpPr>
-              <a:cxnSpLocks/>
-              <a:stCxn id="71" idx="0"/>
-              <a:endCxn id="134" idx="2"/>
-            </p:cNvCxnSpPr>
-            <p:nvPr/>
-          </p:nvCxnSpPr>
-          <p:spPr>
-            <a:xfrm flipH="1" flipV="1">
-              <a:off x="4111943" y="3600795"/>
-              <a:ext cx="1587" cy="483525"/>
-            </a:xfrm>
-            <a:prstGeom prst="straightConnector1">
-              <a:avLst/>
-            </a:prstGeom>
-            <a:ln w="19050" cmpd="sng">
-              <a:solidFill>
-                <a:schemeClr val="tx1"/>
-              </a:solidFill>
-              <a:prstDash val="dash"/>
-              <a:miter lim="800000"/>
-              <a:headEnd type="none"/>
-              <a:tailEnd type="triangle" w="med" len="med"/>
-            </a:ln>
-          </p:spPr>
-          <p:style>
-            <a:lnRef idx="3">
-              <a:schemeClr val="dk1"/>
-            </a:lnRef>
-            <a:fillRef idx="0">
-              <a:schemeClr val="dk1"/>
-            </a:fillRef>
-            <a:effectRef idx="2">
-              <a:schemeClr val="dk1"/>
-            </a:effectRef>
-            <a:fontRef idx="minor">
-              <a:schemeClr val="tx1"/>
-            </a:fontRef>
-          </p:style>
-        </p:cxnSp>
-        <p:pic>
-          <p:nvPicPr>
-            <p:cNvPr id="73" name="图片 72" descr="病毒 (1)"/>
-            <p:cNvPicPr>
-              <a:picLocks noChangeAspect="1"/>
-            </p:cNvPicPr>
-            <p:nvPr/>
-          </p:nvPicPr>
-          <p:blipFill>
-            <a:blip r:embed="rId12"/>
-            <a:stretch>
-              <a:fillRect/>
-            </a:stretch>
-          </p:blipFill>
-          <p:spPr>
-            <a:xfrm>
-              <a:off x="4194810" y="4322409"/>
-              <a:ext cx="360045" cy="360045"/>
-            </a:xfrm>
-            <a:prstGeom prst="rect">
-              <a:avLst/>
-            </a:prstGeom>
-          </p:spPr>
-        </p:pic>
-        <p:cxnSp>
-          <p:nvCxnSpPr>
-            <p:cNvPr id="133" name="直接箭头连接符 132"/>
-            <p:cNvCxnSpPr>
-              <a:cxnSpLocks/>
-            </p:cNvCxnSpPr>
-            <p:nvPr/>
-          </p:nvCxnSpPr>
-          <p:spPr>
-            <a:xfrm>
-              <a:off x="4647635" y="3393887"/>
-              <a:ext cx="2164847" cy="0"/>
-            </a:xfrm>
-            <a:prstGeom prst="straightConnector1">
-              <a:avLst/>
-            </a:prstGeom>
-            <a:ln w="19050" cmpd="sng">
-              <a:solidFill>
-                <a:schemeClr val="tx1"/>
-              </a:solidFill>
-              <a:prstDash val="solid"/>
-              <a:tailEnd type="triangle" w="med" len="med"/>
-            </a:ln>
-          </p:spPr>
-          <p:style>
-            <a:lnRef idx="3">
-              <a:schemeClr val="dk1"/>
-            </a:lnRef>
-            <a:fillRef idx="0">
-              <a:schemeClr val="dk1"/>
-            </a:fillRef>
-            <a:effectRef idx="2">
-              <a:schemeClr val="dk1"/>
-            </a:effectRef>
-            <a:fontRef idx="minor">
-              <a:schemeClr val="tx1"/>
-            </a:fontRef>
-          </p:style>
-        </p:cxnSp>
-        <p:grpSp>
-          <p:nvGrpSpPr>
-            <p:cNvPr id="72" name="组合 71">
-              <a:extLst>
-                <a:ext uri="{FF2B5EF4-FFF2-40B4-BE49-F238E27FC236}">
-                  <a16:creationId xmlns:a16="http://schemas.microsoft.com/office/drawing/2014/main" id="{765A7F37-D74A-4CA8-B68C-9A490BB98590}"/>
-                </a:ext>
-              </a:extLst>
-            </p:cNvPr>
-            <p:cNvGrpSpPr/>
-            <p:nvPr/>
-          </p:nvGrpSpPr>
-          <p:grpSpPr>
-            <a:xfrm>
-              <a:off x="4640356" y="3424274"/>
-              <a:ext cx="2264316" cy="1768402"/>
-              <a:chOff x="4640356" y="3424274"/>
-              <a:chExt cx="2264316" cy="1768402"/>
-            </a:xfrm>
-          </p:grpSpPr>
-          <p:grpSp>
-            <p:nvGrpSpPr>
-              <p:cNvPr id="150" name="组合 149"/>
-              <p:cNvGrpSpPr/>
-              <p:nvPr/>
-            </p:nvGrpSpPr>
-            <p:grpSpPr>
-              <a:xfrm>
-                <a:off x="5454214" y="3424274"/>
-                <a:ext cx="650240" cy="605790"/>
-                <a:chOff x="10282" y="6258"/>
-                <a:chExt cx="1024" cy="954"/>
+                <a:off x="9518" y="2029"/>
+                <a:ext cx="987" cy="926"/>
+                <a:chOff x="10210" y="5524"/>
+                <a:chExt cx="987" cy="926"/>
               </a:xfrm>
             </p:grpSpPr>
             <p:pic>
               <p:nvPicPr>
-                <p:cNvPr id="111" name="图片 110" descr="检查结果 (1)"/>
-                <p:cNvPicPr>
-                  <a:picLocks noChangeAspect="1"/>
-                </p:cNvPicPr>
-                <p:nvPr/>
-              </p:nvPicPr>
-              <p:blipFill>
-                <a:blip r:embed="rId13"/>
-                <a:stretch>
-                  <a:fillRect/>
-                </a:stretch>
-              </p:blipFill>
-              <p:spPr>
-                <a:xfrm>
-                  <a:off x="10282" y="6258"/>
-                  <a:ext cx="850" cy="850"/>
-                </a:xfrm>
-                <a:prstGeom prst="rect">
-                  <a:avLst/>
-                </a:prstGeom>
-              </p:spPr>
-            </p:pic>
-            <p:pic>
-              <p:nvPicPr>
-                <p:cNvPr id="77" name="图片 76" descr="病毒 (1)"/>
+                <p:cNvPr id="36" name="图片 35" descr="检查结果 (1)"/>
                 <p:cNvPicPr>
                   <a:picLocks noChangeAspect="1"/>
                 </p:cNvPicPr>
@@ -3981,7 +4419,31 @@
               </p:blipFill>
               <p:spPr>
                 <a:xfrm>
-                  <a:off x="10739" y="6645"/>
+                  <a:off x="10210" y="5524"/>
+                  <a:ext cx="850" cy="850"/>
+                </a:xfrm>
+                <a:prstGeom prst="rect">
+                  <a:avLst/>
+                </a:prstGeom>
+              </p:spPr>
+            </p:pic>
+            <p:pic>
+              <p:nvPicPr>
+                <p:cNvPr id="37" name="图片 36" descr="病毒 (1)"/>
+                <p:cNvPicPr>
+                  <a:picLocks noChangeAspect="1"/>
+                </p:cNvPicPr>
+                <p:nvPr/>
+              </p:nvPicPr>
+              <p:blipFill>
+                <a:blip r:embed="rId11"/>
+                <a:stretch>
+                  <a:fillRect/>
+                </a:stretch>
+              </p:blipFill>
+              <p:spPr>
+                <a:xfrm>
+                  <a:off x="10630" y="5883"/>
                   <a:ext cx="567" cy="567"/>
                 </a:xfrm>
                 <a:prstGeom prst="rect">
@@ -3990,473 +4452,44 @@
               </p:spPr>
             </p:pic>
           </p:grpSp>
-          <p:sp>
-            <p:nvSpPr>
-              <p:cNvPr id="138" name="文本框 137"/>
-              <p:cNvSpPr txBox="1"/>
-              <p:nvPr/>
-            </p:nvSpPr>
-            <p:spPr>
-              <a:xfrm>
-                <a:off x="4640356" y="3490098"/>
-                <a:ext cx="985520" cy="369332"/>
-              </a:xfrm>
-              <a:prstGeom prst="rect">
-                <a:avLst/>
-              </a:prstGeom>
-              <a:noFill/>
-            </p:spPr>
-            <p:txBody>
-              <a:bodyPr wrap="square" rtlCol="0">
-                <a:spAutoFit/>
-              </a:bodyPr>
-              <a:lstStyle/>
-              <a:p>
-                <a:pPr algn="ctr"/>
-                <a:r>
-                  <a:rPr lang="en-US" altLang="zh-CN" sz="900" b="1" dirty="0"/>
-                  <a:t>poisoned knowledge</a:t>
-                </a:r>
-              </a:p>
-            </p:txBody>
-          </p:sp>
-          <p:cxnSp>
-            <p:nvCxnSpPr>
-              <p:cNvPr id="174" name="直接箭头连接符 173"/>
-              <p:cNvCxnSpPr>
-                <a:cxnSpLocks/>
-                <a:stCxn id="111" idx="2"/>
-                <a:endCxn id="143" idx="0"/>
-              </p:cNvCxnSpPr>
-              <p:nvPr/>
-            </p:nvCxnSpPr>
-            <p:spPr>
-              <a:xfrm flipH="1">
-                <a:off x="5723890" y="3964024"/>
-                <a:ext cx="199" cy="175822"/>
-              </a:xfrm>
-              <a:prstGeom prst="straightConnector1">
-                <a:avLst/>
-              </a:prstGeom>
-              <a:ln w="19050" cmpd="sng">
-                <a:solidFill>
-                  <a:schemeClr val="tx1"/>
-                </a:solidFill>
-                <a:prstDash val="solid"/>
-                <a:tailEnd type="triangle" w="med" len="med"/>
-              </a:ln>
-            </p:spPr>
-            <p:style>
-              <a:lnRef idx="3">
-                <a:schemeClr val="dk1"/>
-              </a:lnRef>
-              <a:fillRef idx="0">
-                <a:schemeClr val="dk1"/>
-              </a:fillRef>
-              <a:effectRef idx="2">
-                <a:schemeClr val="dk1"/>
-              </a:effectRef>
-              <a:fontRef idx="minor">
-                <a:schemeClr val="tx1"/>
-              </a:fontRef>
-            </p:style>
-          </p:cxnSp>
           <p:grpSp>
             <p:nvGrpSpPr>
-              <p:cNvPr id="31" name="组合 30"/>
+              <p:cNvPr id="38" name="组合 37"/>
               <p:cNvGrpSpPr/>
               <p:nvPr/>
             </p:nvGrpSpPr>
             <p:grpSpPr>
               <a:xfrm>
-                <a:off x="4741227" y="4139846"/>
-                <a:ext cx="2163445" cy="1052830"/>
-                <a:chOff x="8053" y="7262"/>
-                <a:chExt cx="3407" cy="1658"/>
+                <a:off x="10710" y="1903"/>
+                <a:ext cx="987" cy="1078"/>
+                <a:chOff x="16064" y="3545"/>
+                <a:chExt cx="987" cy="1078"/>
               </a:xfrm>
             </p:grpSpPr>
             <p:grpSp>
               <p:nvGrpSpPr>
-                <p:cNvPr id="170" name="组合 169"/>
+                <p:cNvPr id="43" name="组合 42"/>
                 <p:cNvGrpSpPr/>
                 <p:nvPr/>
               </p:nvGrpSpPr>
               <p:grpSpPr>
                 <a:xfrm>
-                  <a:off x="8478" y="7262"/>
-                  <a:ext cx="2244" cy="1126"/>
-                  <a:chOff x="9518" y="1900"/>
-                  <a:chExt cx="2244" cy="1126"/>
-                </a:xfrm>
-              </p:grpSpPr>
-              <p:sp>
-                <p:nvSpPr>
-                  <p:cNvPr id="143" name="矩形 142"/>
-                  <p:cNvSpPr/>
-                  <p:nvPr/>
-                </p:nvSpPr>
-                <p:spPr>
-                  <a:xfrm>
-                    <a:off x="9518" y="1900"/>
-                    <a:ext cx="2245" cy="1127"/>
-                  </a:xfrm>
-                  <a:prstGeom prst="rect">
-                    <a:avLst/>
-                  </a:prstGeom>
-                  <a:ln w="19050" cmpd="sng">
-                    <a:solidFill>
-                      <a:schemeClr val="tx1"/>
-                    </a:solidFill>
-                    <a:prstDash val="dash"/>
-                  </a:ln>
-                </p:spPr>
-                <p:style>
-                  <a:lnRef idx="2">
-                    <a:schemeClr val="accent6"/>
-                  </a:lnRef>
-                  <a:fillRef idx="1">
-                    <a:schemeClr val="lt1"/>
-                  </a:fillRef>
-                  <a:effectRef idx="0">
-                    <a:schemeClr val="accent6"/>
-                  </a:effectRef>
-                  <a:fontRef idx="minor">
-                    <a:schemeClr val="dk1"/>
-                  </a:fontRef>
-                </p:style>
-                <p:txBody>
-                  <a:bodyPr rtlCol="0" anchor="ctr"/>
-                  <a:lstStyle/>
-                  <a:p>
-                    <a:pPr algn="ctr"/>
-                    <a:endParaRPr lang="zh-CN" altLang="en-US" sz="900"/>
-                  </a:p>
-                </p:txBody>
-              </p:sp>
-              <p:grpSp>
-                <p:nvGrpSpPr>
-                  <p:cNvPr id="151" name="组合 150"/>
-                  <p:cNvGrpSpPr/>
-                  <p:nvPr/>
-                </p:nvGrpSpPr>
-                <p:grpSpPr>
-                  <a:xfrm>
-                    <a:off x="9518" y="2029"/>
-                    <a:ext cx="987" cy="926"/>
-                    <a:chOff x="10210" y="5524"/>
-                    <a:chExt cx="987" cy="926"/>
-                  </a:xfrm>
-                </p:grpSpPr>
-                <p:pic>
-                  <p:nvPicPr>
-                    <p:cNvPr id="152" name="图片 151" descr="检查结果 (1)"/>
-                    <p:cNvPicPr>
-                      <a:picLocks noChangeAspect="1"/>
-                    </p:cNvPicPr>
-                    <p:nvPr/>
-                  </p:nvPicPr>
-                  <p:blipFill>
-                    <a:blip r:embed="rId13"/>
-                    <a:stretch>
-                      <a:fillRect/>
-                    </a:stretch>
-                  </p:blipFill>
-                  <p:spPr>
-                    <a:xfrm>
-                      <a:off x="10210" y="5524"/>
-                      <a:ext cx="850" cy="850"/>
-                    </a:xfrm>
-                    <a:prstGeom prst="rect">
-                      <a:avLst/>
-                    </a:prstGeom>
-                  </p:spPr>
-                </p:pic>
-                <p:pic>
-                  <p:nvPicPr>
-                    <p:cNvPr id="153" name="图片 152" descr="病毒 (1)"/>
-                    <p:cNvPicPr>
-                      <a:picLocks noChangeAspect="1"/>
-                    </p:cNvPicPr>
-                    <p:nvPr/>
-                  </p:nvPicPr>
-                  <p:blipFill>
-                    <a:blip r:embed="rId12"/>
-                    <a:stretch>
-                      <a:fillRect/>
-                    </a:stretch>
-                  </p:blipFill>
-                  <p:spPr>
-                    <a:xfrm>
-                      <a:off x="10630" y="5883"/>
-                      <a:ext cx="567" cy="567"/>
-                    </a:xfrm>
-                    <a:prstGeom prst="rect">
-                      <a:avLst/>
-                    </a:prstGeom>
-                  </p:spPr>
-                </p:pic>
-              </p:grpSp>
-              <p:grpSp>
-                <p:nvGrpSpPr>
-                  <p:cNvPr id="157" name="组合 156"/>
-                  <p:cNvGrpSpPr/>
-                  <p:nvPr/>
-                </p:nvGrpSpPr>
-                <p:grpSpPr>
-                  <a:xfrm>
-                    <a:off x="10710" y="1903"/>
-                    <a:ext cx="987" cy="1078"/>
-                    <a:chOff x="16064" y="3545"/>
-                    <a:chExt cx="987" cy="1078"/>
-                  </a:xfrm>
-                </p:grpSpPr>
-                <p:grpSp>
-                  <p:nvGrpSpPr>
-                    <p:cNvPr id="154" name="组合 153"/>
-                    <p:cNvGrpSpPr/>
-                    <p:nvPr/>
-                  </p:nvGrpSpPr>
-                  <p:grpSpPr>
-                    <a:xfrm>
-                      <a:off x="16064" y="3681"/>
-                      <a:ext cx="987" cy="942"/>
-                      <a:chOff x="10210" y="5524"/>
-                      <a:chExt cx="987" cy="942"/>
-                    </a:xfrm>
-                  </p:grpSpPr>
-                  <p:pic>
-                    <p:nvPicPr>
-                      <p:cNvPr id="155" name="图片 154" descr="检查结果 (1)"/>
-                      <p:cNvPicPr>
-                        <a:picLocks noChangeAspect="1"/>
-                      </p:cNvPicPr>
-                      <p:nvPr/>
-                    </p:nvPicPr>
-                    <p:blipFill>
-                      <a:blip r:embed="rId13"/>
-                      <a:stretch>
-                        <a:fillRect/>
-                      </a:stretch>
-                    </p:blipFill>
-                    <p:spPr>
-                      <a:xfrm>
-                        <a:off x="10210" y="5524"/>
-                        <a:ext cx="850" cy="850"/>
-                      </a:xfrm>
-                      <a:prstGeom prst="rect">
-                        <a:avLst/>
-                      </a:prstGeom>
-                    </p:spPr>
-                  </p:pic>
-                  <p:pic>
-                    <p:nvPicPr>
-                      <p:cNvPr id="156" name="图片 155" descr="病毒 (1)"/>
-                      <p:cNvPicPr>
-                        <a:picLocks noChangeAspect="1"/>
-                      </p:cNvPicPr>
-                      <p:nvPr/>
-                    </p:nvPicPr>
-                    <p:blipFill>
-                      <a:blip r:embed="rId12"/>
-                      <a:stretch>
-                        <a:fillRect/>
-                      </a:stretch>
-                    </p:blipFill>
-                    <p:spPr>
-                      <a:xfrm>
-                        <a:off x="10630" y="5899"/>
-                        <a:ext cx="567" cy="567"/>
-                      </a:xfrm>
-                      <a:prstGeom prst="rect">
-                        <a:avLst/>
-                      </a:prstGeom>
-                    </p:spPr>
-                  </p:pic>
-                </p:grpSp>
-                <p:pic>
-                  <p:nvPicPr>
-                    <p:cNvPr id="147" name="图片 146" descr="标签"/>
-                    <p:cNvPicPr>
-                      <a:picLocks noChangeAspect="1"/>
-                    </p:cNvPicPr>
-                    <p:nvPr/>
-                  </p:nvPicPr>
-                  <p:blipFill>
-                    <a:blip r:embed="rId10"/>
-                    <a:stretch>
-                      <a:fillRect/>
-                    </a:stretch>
-                  </p:blipFill>
-                  <p:spPr>
-                    <a:xfrm>
-                      <a:off x="16484" y="3545"/>
-                      <a:ext cx="567" cy="567"/>
-                    </a:xfrm>
-                    <a:prstGeom prst="rect">
-                      <a:avLst/>
-                    </a:prstGeom>
-                  </p:spPr>
-                </p:pic>
-              </p:grpSp>
-            </p:grpSp>
-            <p:sp>
-              <p:nvSpPr>
-                <p:cNvPr id="160" name="文本框 159"/>
-                <p:cNvSpPr txBox="1"/>
-                <p:nvPr/>
-              </p:nvSpPr>
-              <p:spPr>
-                <a:xfrm>
-                  <a:off x="9579" y="8338"/>
-                  <a:ext cx="1881" cy="582"/>
-                </a:xfrm>
-                <a:prstGeom prst="rect">
-                  <a:avLst/>
-                </a:prstGeom>
-                <a:noFill/>
-              </p:spPr>
-              <p:txBody>
-                <a:bodyPr wrap="square" rtlCol="0">
-                  <a:spAutoFit/>
-                </a:bodyPr>
-                <a:lstStyle/>
-                <a:p>
-                  <a:pPr algn="ctr"/>
-                  <a:r>
-                    <a:rPr lang="en-US" altLang="zh-CN" sz="900" b="1" dirty="0"/>
-                    <a:t>predictions of labeled dataset</a:t>
-                  </a:r>
-                </a:p>
-              </p:txBody>
-            </p:sp>
-            <p:sp>
-              <p:nvSpPr>
-                <p:cNvPr id="14" name="文本框 13"/>
-                <p:cNvSpPr txBox="1"/>
-                <p:nvPr/>
-              </p:nvSpPr>
-              <p:spPr>
-                <a:xfrm>
-                  <a:off x="8053" y="8338"/>
-                  <a:ext cx="1752" cy="582"/>
-                </a:xfrm>
-                <a:prstGeom prst="rect">
-                  <a:avLst/>
-                </a:prstGeom>
-                <a:noFill/>
-              </p:spPr>
-              <p:txBody>
-                <a:bodyPr wrap="square" rtlCol="0">
-                  <a:spAutoFit/>
-                </a:bodyPr>
-                <a:lstStyle/>
-                <a:p>
-                  <a:pPr algn="ctr"/>
-                  <a:r>
-                    <a:rPr lang="en-US" altLang="zh-CN" sz="900" b="1" dirty="0"/>
-                    <a:t>predictions of unlabeled dataset</a:t>
-                  </a:r>
-                </a:p>
-              </p:txBody>
-            </p:sp>
-          </p:grpSp>
-        </p:grpSp>
-        <p:grpSp>
-          <p:nvGrpSpPr>
-            <p:cNvPr id="32" name="组合 31"/>
-            <p:cNvGrpSpPr/>
-            <p:nvPr/>
-          </p:nvGrpSpPr>
-          <p:grpSpPr>
-            <a:xfrm>
-              <a:off x="7304092" y="4063164"/>
-              <a:ext cx="1877060" cy="1076960"/>
-              <a:chOff x="7846" y="7262"/>
-              <a:chExt cx="2956" cy="1696"/>
-            </a:xfrm>
-          </p:grpSpPr>
-          <p:grpSp>
-            <p:nvGrpSpPr>
-              <p:cNvPr id="33" name="组合 32"/>
-              <p:cNvGrpSpPr/>
-              <p:nvPr/>
-            </p:nvGrpSpPr>
-            <p:grpSpPr>
-              <a:xfrm>
-                <a:off x="8478" y="7262"/>
-                <a:ext cx="2244" cy="1126"/>
-                <a:chOff x="9518" y="1900"/>
-                <a:chExt cx="2244" cy="1126"/>
-              </a:xfrm>
-            </p:grpSpPr>
-            <p:sp>
-              <p:nvSpPr>
-                <p:cNvPr id="34" name="矩形 33"/>
-                <p:cNvSpPr/>
-                <p:nvPr/>
-              </p:nvSpPr>
-              <p:spPr>
-                <a:xfrm>
-                  <a:off x="9518" y="1900"/>
-                  <a:ext cx="2245" cy="1127"/>
-                </a:xfrm>
-                <a:prstGeom prst="rect">
-                  <a:avLst/>
-                </a:prstGeom>
-                <a:ln w="19050" cmpd="sng">
-                  <a:solidFill>
-                    <a:schemeClr val="tx1"/>
-                  </a:solidFill>
-                  <a:prstDash val="lgDash"/>
-                </a:ln>
-              </p:spPr>
-              <p:style>
-                <a:lnRef idx="2">
-                  <a:schemeClr val="accent6"/>
-                </a:lnRef>
-                <a:fillRef idx="1">
-                  <a:schemeClr val="lt1"/>
-                </a:fillRef>
-                <a:effectRef idx="0">
-                  <a:schemeClr val="accent6"/>
-                </a:effectRef>
-                <a:fontRef idx="minor">
-                  <a:schemeClr val="dk1"/>
-                </a:fontRef>
-              </p:style>
-              <p:txBody>
-                <a:bodyPr rtlCol="0" anchor="ctr"/>
-                <a:lstStyle/>
-                <a:p>
-                  <a:pPr algn="ctr"/>
-                  <a:endParaRPr lang="zh-CN" altLang="en-US" sz="900"/>
-                </a:p>
-              </p:txBody>
-            </p:sp>
-            <p:grpSp>
-              <p:nvGrpSpPr>
-                <p:cNvPr id="35" name="组合 34"/>
-                <p:cNvGrpSpPr/>
-                <p:nvPr/>
-              </p:nvGrpSpPr>
-              <p:grpSpPr>
-                <a:xfrm>
-                  <a:off x="9518" y="2029"/>
-                  <a:ext cx="987" cy="926"/>
+                  <a:off x="16064" y="3681"/>
+                  <a:ext cx="987" cy="942"/>
                   <a:chOff x="10210" y="5524"/>
-                  <a:chExt cx="987" cy="926"/>
+                  <a:chExt cx="987" cy="942"/>
                 </a:xfrm>
               </p:grpSpPr>
               <p:pic>
                 <p:nvPicPr>
-                  <p:cNvPr id="36" name="图片 35" descr="检查结果 (1)"/>
+                  <p:cNvPr id="45" name="图片 44" descr="检查结果 (1)"/>
                   <p:cNvPicPr>
                     <a:picLocks noChangeAspect="1"/>
                   </p:cNvPicPr>
                   <p:nvPr/>
                 </p:nvPicPr>
                 <p:blipFill>
-                  <a:blip r:embed="rId13"/>
+                  <a:blip r:embed="rId12"/>
                   <a:stretch>
                     <a:fillRect/>
                   </a:stretch>
@@ -4473,21 +4506,21 @@
               </p:pic>
               <p:pic>
                 <p:nvPicPr>
-                  <p:cNvPr id="37" name="图片 36" descr="病毒 (1)"/>
+                  <p:cNvPr id="46" name="图片 45" descr="病毒 (1)"/>
                   <p:cNvPicPr>
                     <a:picLocks noChangeAspect="1"/>
                   </p:cNvPicPr>
                   <p:nvPr/>
                 </p:nvPicPr>
                 <p:blipFill>
-                  <a:blip r:embed="rId12"/>
+                  <a:blip r:embed="rId11"/>
                   <a:stretch>
                     <a:fillRect/>
                   </a:stretch>
                 </p:blipFill>
                 <p:spPr>
                   <a:xfrm>
-                    <a:off x="10630" y="5883"/>
+                    <a:off x="10630" y="5899"/>
                     <a:ext cx="567" cy="567"/>
                   </a:xfrm>
                   <a:prstGeom prst="rect">
@@ -4496,939 +4529,42 @@
                 </p:spPr>
               </p:pic>
             </p:grpSp>
-            <p:grpSp>
-              <p:nvGrpSpPr>
-                <p:cNvPr id="38" name="组合 37"/>
-                <p:cNvGrpSpPr/>
+            <p:pic>
+              <p:nvPicPr>
+                <p:cNvPr id="47" name="图片 46" descr="标签"/>
+                <p:cNvPicPr>
+                  <a:picLocks noChangeAspect="1"/>
+                </p:cNvPicPr>
                 <p:nvPr/>
-              </p:nvGrpSpPr>
-              <p:grpSpPr>
-                <a:xfrm>
-                  <a:off x="10710" y="1903"/>
-                  <a:ext cx="987" cy="1078"/>
-                  <a:chOff x="16064" y="3545"/>
-                  <a:chExt cx="987" cy="1078"/>
-                </a:xfrm>
-              </p:grpSpPr>
-              <p:grpSp>
-                <p:nvGrpSpPr>
-                  <p:cNvPr id="43" name="组合 42"/>
-                  <p:cNvGrpSpPr/>
-                  <p:nvPr/>
-                </p:nvGrpSpPr>
-                <p:grpSpPr>
-                  <a:xfrm>
-                    <a:off x="16064" y="3681"/>
-                    <a:ext cx="987" cy="942"/>
-                    <a:chOff x="10210" y="5524"/>
-                    <a:chExt cx="987" cy="942"/>
-                  </a:xfrm>
-                </p:grpSpPr>
-                <p:pic>
-                  <p:nvPicPr>
-                    <p:cNvPr id="45" name="图片 44" descr="检查结果 (1)"/>
-                    <p:cNvPicPr>
-                      <a:picLocks noChangeAspect="1"/>
-                    </p:cNvPicPr>
-                    <p:nvPr/>
-                  </p:nvPicPr>
-                  <p:blipFill>
-                    <a:blip r:embed="rId13"/>
-                    <a:stretch>
-                      <a:fillRect/>
-                    </a:stretch>
-                  </p:blipFill>
-                  <p:spPr>
-                    <a:xfrm>
-                      <a:off x="10210" y="5524"/>
-                      <a:ext cx="850" cy="850"/>
-                    </a:xfrm>
-                    <a:prstGeom prst="rect">
-                      <a:avLst/>
-                    </a:prstGeom>
-                  </p:spPr>
-                </p:pic>
-                <p:pic>
-                  <p:nvPicPr>
-                    <p:cNvPr id="46" name="图片 45" descr="病毒 (1)"/>
-                    <p:cNvPicPr>
-                      <a:picLocks noChangeAspect="1"/>
-                    </p:cNvPicPr>
-                    <p:nvPr/>
-                  </p:nvPicPr>
-                  <p:blipFill>
-                    <a:blip r:embed="rId12"/>
-                    <a:stretch>
-                      <a:fillRect/>
-                    </a:stretch>
-                  </p:blipFill>
-                  <p:spPr>
-                    <a:xfrm>
-                      <a:off x="10630" y="5899"/>
-                      <a:ext cx="567" cy="567"/>
-                    </a:xfrm>
-                    <a:prstGeom prst="rect">
-                      <a:avLst/>
-                    </a:prstGeom>
-                  </p:spPr>
-                </p:pic>
-              </p:grpSp>
-              <p:pic>
-                <p:nvPicPr>
-                  <p:cNvPr id="47" name="图片 46" descr="标签"/>
-                  <p:cNvPicPr>
-                    <a:picLocks noChangeAspect="1"/>
-                  </p:cNvPicPr>
-                  <p:nvPr/>
-                </p:nvPicPr>
-                <p:blipFill>
-                  <a:blip r:embed="rId10"/>
-                  <a:stretch>
-                    <a:fillRect/>
-                  </a:stretch>
-                </p:blipFill>
-                <p:spPr>
-                  <a:xfrm>
-                    <a:off x="16484" y="3545"/>
-                    <a:ext cx="567" cy="567"/>
-                  </a:xfrm>
-                  <a:prstGeom prst="rect">
-                    <a:avLst/>
-                  </a:prstGeom>
-                </p:spPr>
-              </p:pic>
-            </p:grpSp>
-          </p:grpSp>
-          <p:sp>
-            <p:nvSpPr>
-              <p:cNvPr id="48" name="文本框 47"/>
-              <p:cNvSpPr txBox="1"/>
-              <p:nvPr/>
-            </p:nvSpPr>
-            <p:spPr>
-              <a:xfrm>
-                <a:off x="9288" y="8375"/>
-                <a:ext cx="1514" cy="582"/>
-              </a:xfrm>
-              <a:prstGeom prst="rect">
-                <a:avLst/>
-              </a:prstGeom>
-              <a:noFill/>
-            </p:spPr>
-            <p:txBody>
-              <a:bodyPr wrap="square" rtlCol="0">
-                <a:spAutoFit/>
-              </a:bodyPr>
-              <a:lstStyle/>
-              <a:p>
-                <a:pPr algn="ctr"/>
-                <a:r>
-                  <a:rPr lang="en-US" altLang="zh-CN" sz="900" b="1" dirty="0"/>
-                  <a:t>predictions of labeled dataset</a:t>
-                </a:r>
-              </a:p>
-            </p:txBody>
-          </p:sp>
-          <p:sp>
-            <p:nvSpPr>
-              <p:cNvPr id="49" name="文本框 48"/>
-              <p:cNvSpPr txBox="1"/>
-              <p:nvPr/>
-            </p:nvSpPr>
-            <p:spPr>
-              <a:xfrm>
-                <a:off x="7846" y="8376"/>
-                <a:ext cx="1681" cy="582"/>
-              </a:xfrm>
-              <a:prstGeom prst="rect">
-                <a:avLst/>
-              </a:prstGeom>
-              <a:noFill/>
-            </p:spPr>
-            <p:txBody>
-              <a:bodyPr wrap="square" rtlCol="0">
-                <a:spAutoFit/>
-              </a:bodyPr>
-              <a:lstStyle/>
-              <a:p>
-                <a:pPr algn="ctr"/>
-                <a:r>
-                  <a:rPr lang="en-US" altLang="zh-CN" sz="900" b="1" dirty="0"/>
-                  <a:t>predictions of unlabeled dataset</a:t>
-                </a:r>
-              </a:p>
-            </p:txBody>
-          </p:sp>
-        </p:grpSp>
-        <p:cxnSp>
-          <p:nvCxnSpPr>
-            <p:cNvPr id="57" name="直接箭头连接符 56"/>
-            <p:cNvCxnSpPr>
-              <a:cxnSpLocks/>
-              <a:endCxn id="124" idx="2"/>
-            </p:cNvCxnSpPr>
-            <p:nvPr/>
-          </p:nvCxnSpPr>
-          <p:spPr>
-            <a:xfrm flipV="1">
-              <a:off x="5744409" y="2401128"/>
-              <a:ext cx="0" cy="460375"/>
-            </a:xfrm>
-            <a:prstGeom prst="straightConnector1">
-              <a:avLst/>
-            </a:prstGeom>
-            <a:ln w="19050" cmpd="sng">
-              <a:solidFill>
-                <a:schemeClr val="tx1"/>
-              </a:solidFill>
-              <a:prstDash val="dash"/>
-              <a:tailEnd type="triangle" w="med" len="med"/>
-            </a:ln>
-          </p:spPr>
-          <p:style>
-            <a:lnRef idx="3">
-              <a:schemeClr val="dk1"/>
-            </a:lnRef>
-            <a:fillRef idx="0">
-              <a:schemeClr val="dk1"/>
-            </a:fillRef>
-            <a:effectRef idx="2">
-              <a:schemeClr val="dk1"/>
-            </a:effectRef>
-            <a:fontRef idx="minor">
-              <a:schemeClr val="tx1"/>
-            </a:fontRef>
-          </p:style>
-        </p:cxnSp>
-        <p:grpSp>
-          <p:nvGrpSpPr>
-            <p:cNvPr id="28" name="组合 27">
-              <a:extLst>
-                <a:ext uri="{FF2B5EF4-FFF2-40B4-BE49-F238E27FC236}">
-                  <a16:creationId xmlns:a16="http://schemas.microsoft.com/office/drawing/2014/main" id="{4BF622CD-2D16-4A82-900B-8DF9EF3A985D}"/>
-                </a:ext>
-              </a:extLst>
-            </p:cNvPr>
-            <p:cNvGrpSpPr/>
-            <p:nvPr/>
-          </p:nvGrpSpPr>
-          <p:grpSpPr>
-            <a:xfrm>
-              <a:off x="7695089" y="3011615"/>
-              <a:ext cx="1425575" cy="932357"/>
-              <a:chOff x="7730367" y="2211046"/>
-              <a:chExt cx="1425575" cy="932357"/>
-            </a:xfrm>
-          </p:grpSpPr>
-          <p:grpSp>
-            <p:nvGrpSpPr>
-              <p:cNvPr id="51" name="组合 50"/>
-              <p:cNvGrpSpPr/>
-              <p:nvPr/>
-            </p:nvGrpSpPr>
-            <p:grpSpPr>
-              <a:xfrm>
-                <a:off x="7730367" y="2211046"/>
-                <a:ext cx="1425575" cy="734695"/>
-                <a:chOff x="12942" y="3498"/>
-                <a:chExt cx="2245" cy="1157"/>
-              </a:xfrm>
-            </p:grpSpPr>
-            <p:sp>
-              <p:nvSpPr>
-                <p:cNvPr id="50" name="矩形 49"/>
-                <p:cNvSpPr/>
-                <p:nvPr/>
-              </p:nvSpPr>
+              </p:nvPicPr>
+              <p:blipFill>
+                <a:blip r:embed="rId9"/>
+                <a:stretch>
+                  <a:fillRect/>
+                </a:stretch>
+              </p:blipFill>
               <p:spPr>
                 <a:xfrm>
-                  <a:off x="12942" y="3528"/>
-                  <a:ext cx="2245" cy="1127"/>
+                  <a:off x="16484" y="3545"/>
+                  <a:ext cx="567" cy="567"/>
                 </a:xfrm>
                 <a:prstGeom prst="rect">
                   <a:avLst/>
                 </a:prstGeom>
-                <a:ln w="19050" cmpd="sng">
-                  <a:solidFill>
-                    <a:schemeClr val="tx1"/>
-                  </a:solidFill>
-                  <a:prstDash val="lgDash"/>
-                </a:ln>
               </p:spPr>
-              <p:style>
-                <a:lnRef idx="2">
-                  <a:schemeClr val="accent6"/>
-                </a:lnRef>
-                <a:fillRef idx="1">
-                  <a:schemeClr val="lt1"/>
-                </a:fillRef>
-                <a:effectRef idx="0">
-                  <a:schemeClr val="accent6"/>
-                </a:effectRef>
-                <a:fontRef idx="minor">
-                  <a:schemeClr val="dk1"/>
-                </a:fontRef>
-              </p:style>
-              <p:txBody>
-                <a:bodyPr rtlCol="0" anchor="ctr"/>
-                <a:lstStyle/>
-                <a:p>
-                  <a:pPr algn="ctr"/>
-                  <a:endParaRPr lang="zh-CN" altLang="en-US" sz="900"/>
-                </a:p>
-              </p:txBody>
-            </p:sp>
-            <p:grpSp>
-              <p:nvGrpSpPr>
-                <p:cNvPr id="164" name="组合 163"/>
-                <p:cNvGrpSpPr/>
-                <p:nvPr/>
-              </p:nvGrpSpPr>
-              <p:grpSpPr>
-                <a:xfrm>
-                  <a:off x="13028" y="3528"/>
-                  <a:ext cx="973" cy="962"/>
-                  <a:chOff x="12407" y="2170"/>
-                  <a:chExt cx="973" cy="962"/>
-                </a:xfrm>
-              </p:grpSpPr>
-              <p:pic>
-                <p:nvPicPr>
-                  <p:cNvPr id="162" name="图片 161" descr="检查结果"/>
-                  <p:cNvPicPr>
-                    <a:picLocks noChangeAspect="1"/>
-                  </p:cNvPicPr>
-                  <p:nvPr/>
-                </p:nvPicPr>
-                <p:blipFill>
-                  <a:blip r:embed="rId14"/>
-                  <a:stretch>
-                    <a:fillRect/>
-                  </a:stretch>
-                </p:blipFill>
-                <p:spPr>
-                  <a:xfrm>
-                    <a:off x="12407" y="2282"/>
-                    <a:ext cx="850" cy="850"/>
-                  </a:xfrm>
-                  <a:prstGeom prst="rect">
-                    <a:avLst/>
-                  </a:prstGeom>
-                </p:spPr>
-              </p:pic>
-              <p:pic>
-                <p:nvPicPr>
-                  <p:cNvPr id="163" name="图片 162" descr="标签"/>
-                  <p:cNvPicPr>
-                    <a:picLocks noChangeAspect="1"/>
-                  </p:cNvPicPr>
-                  <p:nvPr/>
-                </p:nvPicPr>
-                <p:blipFill>
-                  <a:blip r:embed="rId10"/>
-                  <a:stretch>
-                    <a:fillRect/>
-                  </a:stretch>
-                </p:blipFill>
-                <p:spPr>
-                  <a:xfrm>
-                    <a:off x="12814" y="2170"/>
-                    <a:ext cx="567" cy="567"/>
-                  </a:xfrm>
-                  <a:prstGeom prst="rect">
-                    <a:avLst/>
-                  </a:prstGeom>
-                </p:spPr>
-              </p:pic>
-            </p:grpSp>
-            <p:grpSp>
-              <p:nvGrpSpPr>
-                <p:cNvPr id="165" name="组合 164"/>
-                <p:cNvGrpSpPr/>
-                <p:nvPr/>
-              </p:nvGrpSpPr>
-              <p:grpSpPr>
-                <a:xfrm>
-                  <a:off x="14157" y="3498"/>
-                  <a:ext cx="947" cy="1078"/>
-                  <a:chOff x="16104" y="3545"/>
-                  <a:chExt cx="947" cy="1078"/>
-                </a:xfrm>
-              </p:grpSpPr>
-              <p:grpSp>
-                <p:nvGrpSpPr>
-                  <p:cNvPr id="166" name="组合 165"/>
-                  <p:cNvGrpSpPr/>
-                  <p:nvPr/>
-                </p:nvGrpSpPr>
-                <p:grpSpPr>
-                  <a:xfrm>
-                    <a:off x="16104" y="3681"/>
-                    <a:ext cx="947" cy="942"/>
-                    <a:chOff x="10250" y="5524"/>
-                    <a:chExt cx="947" cy="942"/>
-                  </a:xfrm>
-                </p:grpSpPr>
-                <p:pic>
-                  <p:nvPicPr>
-                    <p:cNvPr id="167" name="图片 166" descr="检查结果 (1)"/>
-                    <p:cNvPicPr>
-                      <a:picLocks noChangeAspect="1"/>
-                    </p:cNvPicPr>
-                    <p:nvPr/>
-                  </p:nvPicPr>
-                  <p:blipFill>
-                    <a:blip r:embed="rId13"/>
-                    <a:stretch>
-                      <a:fillRect/>
-                    </a:stretch>
-                  </p:blipFill>
-                  <p:spPr>
-                    <a:xfrm>
-                      <a:off x="10250" y="5524"/>
-                      <a:ext cx="850" cy="850"/>
-                    </a:xfrm>
-                    <a:prstGeom prst="rect">
-                      <a:avLst/>
-                    </a:prstGeom>
-                  </p:spPr>
-                </p:pic>
-                <p:pic>
-                  <p:nvPicPr>
-                    <p:cNvPr id="168" name="图片 167" descr="病毒 (1)"/>
-                    <p:cNvPicPr>
-                      <a:picLocks noChangeAspect="1"/>
-                    </p:cNvPicPr>
-                    <p:nvPr/>
-                  </p:nvPicPr>
-                  <p:blipFill>
-                    <a:blip r:embed="rId12"/>
-                    <a:stretch>
-                      <a:fillRect/>
-                    </a:stretch>
-                  </p:blipFill>
-                  <p:spPr>
-                    <a:xfrm>
-                      <a:off x="10630" y="5899"/>
-                      <a:ext cx="567" cy="567"/>
-                    </a:xfrm>
-                    <a:prstGeom prst="rect">
-                      <a:avLst/>
-                    </a:prstGeom>
-                  </p:spPr>
-                </p:pic>
-              </p:grpSp>
-              <p:pic>
-                <p:nvPicPr>
-                  <p:cNvPr id="169" name="图片 168" descr="标签"/>
-                  <p:cNvPicPr>
-                    <a:picLocks noChangeAspect="1"/>
-                  </p:cNvPicPr>
-                  <p:nvPr/>
-                </p:nvPicPr>
-                <p:blipFill>
-                  <a:blip r:embed="rId10"/>
-                  <a:stretch>
-                    <a:fillRect/>
-                  </a:stretch>
-                </p:blipFill>
-                <p:spPr>
-                  <a:xfrm>
-                    <a:off x="16484" y="3545"/>
-                    <a:ext cx="567" cy="567"/>
-                  </a:xfrm>
-                  <a:prstGeom prst="rect">
-                    <a:avLst/>
-                  </a:prstGeom>
-                </p:spPr>
-              </p:pic>
-            </p:grpSp>
+            </p:pic>
           </p:grpSp>
-          <p:sp>
-            <p:nvSpPr>
-              <p:cNvPr id="107" name="文本框 106">
-                <a:extLst>
-                  <a:ext uri="{FF2B5EF4-FFF2-40B4-BE49-F238E27FC236}">
-                    <a16:creationId xmlns:a16="http://schemas.microsoft.com/office/drawing/2014/main" id="{4CE6377E-2F41-4F17-ACDB-6AA634B95866}"/>
-                  </a:ext>
-                </a:extLst>
-              </p:cNvPr>
-              <p:cNvSpPr txBox="1"/>
-              <p:nvPr/>
-            </p:nvSpPr>
-            <p:spPr>
-              <a:xfrm>
-                <a:off x="7790748" y="2912571"/>
-                <a:ext cx="594161" cy="230832"/>
-              </a:xfrm>
-              <a:prstGeom prst="rect">
-                <a:avLst/>
-              </a:prstGeom>
-              <a:noFill/>
-            </p:spPr>
-            <p:txBody>
-              <a:bodyPr wrap="square" rtlCol="0">
-                <a:spAutoFit/>
-              </a:bodyPr>
-              <a:lstStyle/>
-              <a:p>
-                <a:pPr algn="ctr"/>
-                <a:r>
-                  <a:rPr lang="en-US" altLang="zh-CN" sz="900" b="1" dirty="0"/>
-                  <a:t>labels</a:t>
-                </a:r>
-              </a:p>
-            </p:txBody>
-          </p:sp>
         </p:grpSp>
-        <p:cxnSp>
-          <p:nvCxnSpPr>
-            <p:cNvPr id="68" name="连接符: 曲线 67">
-              <a:extLst>
-                <a:ext uri="{FF2B5EF4-FFF2-40B4-BE49-F238E27FC236}">
-                  <a16:creationId xmlns:a16="http://schemas.microsoft.com/office/drawing/2014/main" id="{89DE7BCE-DE29-4B16-94F5-CB978CF522BC}"/>
-                </a:ext>
-              </a:extLst>
-            </p:cNvPr>
-            <p:cNvCxnSpPr>
-              <a:cxnSpLocks/>
-              <a:stCxn id="120" idx="3"/>
-              <a:endCxn id="162" idx="0"/>
-            </p:cNvCxnSpPr>
-            <p:nvPr/>
-          </p:nvCxnSpPr>
-          <p:spPr>
-            <a:xfrm>
-              <a:off x="6457196" y="2042988"/>
-              <a:ext cx="1562378" cy="1058797"/>
-            </a:xfrm>
-            <a:prstGeom prst="curvedConnector2">
-              <a:avLst/>
-            </a:prstGeom>
-            <a:ln>
-              <a:tailEnd type="triangle"/>
-            </a:ln>
-          </p:spPr>
-          <p:style>
-            <a:lnRef idx="3">
-              <a:schemeClr val="dk1"/>
-            </a:lnRef>
-            <a:fillRef idx="0">
-              <a:schemeClr val="dk1"/>
-            </a:fillRef>
-            <a:effectRef idx="2">
-              <a:schemeClr val="dk1"/>
-            </a:effectRef>
-            <a:fontRef idx="minor">
-              <a:schemeClr val="tx1"/>
-            </a:fontRef>
-          </p:style>
-        </p:cxnSp>
-        <p:cxnSp>
-          <p:nvCxnSpPr>
-            <p:cNvPr id="128" name="连接符: 曲线 127">
-              <a:extLst>
-                <a:ext uri="{FF2B5EF4-FFF2-40B4-BE49-F238E27FC236}">
-                  <a16:creationId xmlns:a16="http://schemas.microsoft.com/office/drawing/2014/main" id="{8C5C9569-A67C-4E40-B261-6049C6726529}"/>
-                </a:ext>
-              </a:extLst>
-            </p:cNvPr>
-            <p:cNvCxnSpPr>
-              <a:cxnSpLocks/>
-              <a:stCxn id="139" idx="2"/>
-              <a:endCxn id="36" idx="1"/>
-            </p:cNvCxnSpPr>
-            <p:nvPr/>
-          </p:nvCxnSpPr>
-          <p:spPr>
-            <a:xfrm rot="16200000" flipH="1">
-              <a:off x="7099673" y="3809215"/>
-              <a:ext cx="751796" cy="459682"/>
-            </a:xfrm>
-            <a:prstGeom prst="curvedConnector2">
-              <a:avLst/>
-            </a:prstGeom>
-            <a:ln>
-              <a:tailEnd type="triangle"/>
-            </a:ln>
-          </p:spPr>
-          <p:style>
-            <a:lnRef idx="3">
-              <a:schemeClr val="dk1"/>
-            </a:lnRef>
-            <a:fillRef idx="0">
-              <a:schemeClr val="dk1"/>
-            </a:fillRef>
-            <a:effectRef idx="2">
-              <a:schemeClr val="dk1"/>
-            </a:effectRef>
-            <a:fontRef idx="minor">
-              <a:schemeClr val="tx1"/>
-            </a:fontRef>
-          </p:style>
-        </p:cxnSp>
-        <p:cxnSp>
-          <p:nvCxnSpPr>
-            <p:cNvPr id="129" name="直接箭头连接符 128">
-              <a:extLst>
-                <a:ext uri="{FF2B5EF4-FFF2-40B4-BE49-F238E27FC236}">
-                  <a16:creationId xmlns:a16="http://schemas.microsoft.com/office/drawing/2014/main" id="{F54C2717-6E16-4C26-8B9A-EDCBB710F309}"/>
-                </a:ext>
-              </a:extLst>
-            </p:cNvPr>
-            <p:cNvCxnSpPr>
-              <a:cxnSpLocks/>
-              <a:stCxn id="45" idx="0"/>
-              <a:endCxn id="167" idx="2"/>
-            </p:cNvCxnSpPr>
-            <p:nvPr/>
-          </p:nvCxnSpPr>
-          <p:spPr>
-            <a:xfrm flipV="1">
-              <a:off x="8732207" y="3637725"/>
-              <a:ext cx="4282" cy="513704"/>
-            </a:xfrm>
-            <a:prstGeom prst="straightConnector1">
-              <a:avLst/>
-            </a:prstGeom>
-            <a:ln w="19050" cmpd="sng">
-              <a:solidFill>
-                <a:schemeClr val="tx1"/>
-              </a:solidFill>
-              <a:prstDash val="solid"/>
-              <a:tailEnd type="triangle" w="med" len="med"/>
-            </a:ln>
-          </p:spPr>
-          <p:style>
-            <a:lnRef idx="3">
-              <a:schemeClr val="dk1"/>
-            </a:lnRef>
-            <a:fillRef idx="0">
-              <a:schemeClr val="dk1"/>
-            </a:fillRef>
-            <a:effectRef idx="2">
-              <a:schemeClr val="dk1"/>
-            </a:effectRef>
-            <a:fontRef idx="minor">
-              <a:schemeClr val="tx1"/>
-            </a:fontRef>
-          </p:style>
-        </p:cxnSp>
-        <p:grpSp>
-          <p:nvGrpSpPr>
-            <p:cNvPr id="184" name="组合 183">
-              <a:extLst>
-                <a:ext uri="{FF2B5EF4-FFF2-40B4-BE49-F238E27FC236}">
-                  <a16:creationId xmlns:a16="http://schemas.microsoft.com/office/drawing/2014/main" id="{8A45A327-FF4D-426E-9FAD-9FD285227E6D}"/>
-                </a:ext>
-              </a:extLst>
-            </p:cNvPr>
-            <p:cNvGrpSpPr/>
-            <p:nvPr/>
-          </p:nvGrpSpPr>
-          <p:grpSpPr>
-            <a:xfrm>
-              <a:off x="1765275" y="1688980"/>
-              <a:ext cx="1883073" cy="369108"/>
-              <a:chOff x="1454908" y="1037506"/>
-              <a:chExt cx="1883073" cy="369108"/>
-            </a:xfrm>
-          </p:grpSpPr>
-          <p:grpSp>
-            <p:nvGrpSpPr>
-              <p:cNvPr id="10" name="组合 9"/>
-              <p:cNvGrpSpPr/>
-              <p:nvPr/>
-            </p:nvGrpSpPr>
-            <p:grpSpPr>
-              <a:xfrm>
-                <a:off x="1454908" y="1037506"/>
-                <a:ext cx="1883073" cy="369108"/>
-                <a:chOff x="3913" y="9631"/>
-                <a:chExt cx="2476" cy="802"/>
-              </a:xfrm>
-            </p:grpSpPr>
-            <p:sp>
-              <p:nvSpPr>
-                <p:cNvPr id="12" name="矩形 11"/>
-                <p:cNvSpPr/>
-                <p:nvPr/>
-              </p:nvSpPr>
-              <p:spPr>
-                <a:xfrm>
-                  <a:off x="3951" y="9722"/>
-                  <a:ext cx="2438" cy="670"/>
-                </a:xfrm>
-                <a:prstGeom prst="rect">
-                  <a:avLst/>
-                </a:prstGeom>
-                <a:solidFill>
-                  <a:schemeClr val="bg1">
-                    <a:lumMod val="95000"/>
-                  </a:schemeClr>
-                </a:solidFill>
-                <a:ln>
-                  <a:noFill/>
-                </a:ln>
-              </p:spPr>
-              <p:style>
-                <a:lnRef idx="2">
-                  <a:schemeClr val="accent1">
-                    <a:shade val="50000"/>
-                  </a:schemeClr>
-                </a:lnRef>
-                <a:fillRef idx="1">
-                  <a:schemeClr val="accent1"/>
-                </a:fillRef>
-                <a:effectRef idx="0">
-                  <a:schemeClr val="accent1"/>
-                </a:effectRef>
-                <a:fontRef idx="minor">
-                  <a:schemeClr val="lt1"/>
-                </a:fontRef>
-              </p:style>
-              <p:txBody>
-                <a:bodyPr rtlCol="0" anchor="ctr"/>
-                <a:lstStyle/>
-                <a:p>
-                  <a:pPr algn="ctr"/>
-                  <a:endParaRPr lang="zh-CN" altLang="en-US" sz="900"/>
-                </a:p>
-              </p:txBody>
-            </p:sp>
-            <p:sp>
-              <p:nvSpPr>
-                <p:cNvPr id="17" name="文本框 16"/>
-                <p:cNvSpPr txBox="1"/>
-                <p:nvPr/>
-              </p:nvSpPr>
-              <p:spPr>
-                <a:xfrm>
-                  <a:off x="3913" y="9631"/>
-                  <a:ext cx="2391" cy="802"/>
-                </a:xfrm>
-                <a:prstGeom prst="rect">
-                  <a:avLst/>
-                </a:prstGeom>
-                <a:noFill/>
-                <a:ln w="28575" cmpd="sng">
-                  <a:noFill/>
-                  <a:prstDash val="solid"/>
-                </a:ln>
-              </p:spPr>
-              <p:txBody>
-                <a:bodyPr wrap="square" rtlCol="0">
-                  <a:spAutoFit/>
-                </a:bodyPr>
-                <a:lstStyle/>
-                <a:p>
-                  <a:r>
-                    <a:rPr lang="en-US" altLang="zh-CN" sz="900" b="1" dirty="0"/>
-                    <a:t>Data Transmission:</a:t>
-                  </a:r>
-                </a:p>
-                <a:p>
-                  <a:r>
-                    <a:rPr lang="en-US" altLang="zh-CN" sz="900" b="1" dirty="0"/>
-                    <a:t>Labels Transmission:</a:t>
-                  </a:r>
-                </a:p>
-              </p:txBody>
-            </p:sp>
-          </p:grpSp>
-          <p:cxnSp>
-            <p:nvCxnSpPr>
-              <p:cNvPr id="140" name="直接箭头连接符 139">
-                <a:extLst>
-                  <a:ext uri="{FF2B5EF4-FFF2-40B4-BE49-F238E27FC236}">
-                    <a16:creationId xmlns:a16="http://schemas.microsoft.com/office/drawing/2014/main" id="{8931E891-1723-47B8-BBF9-98A464270C16}"/>
-                  </a:ext>
-                </a:extLst>
-              </p:cNvPr>
-              <p:cNvCxnSpPr>
-                <a:cxnSpLocks/>
-              </p:cNvCxnSpPr>
-              <p:nvPr/>
-            </p:nvCxnSpPr>
-            <p:spPr>
-              <a:xfrm>
-                <a:off x="2582439" y="1294379"/>
-                <a:ext cx="720000" cy="0"/>
-              </a:xfrm>
-              <a:prstGeom prst="straightConnector1">
-                <a:avLst/>
-              </a:prstGeom>
-              <a:ln w="19050" cmpd="sng">
-                <a:solidFill>
-                  <a:schemeClr val="tx1"/>
-                </a:solidFill>
-                <a:prstDash val="solid"/>
-                <a:tailEnd type="triangle" w="med" len="med"/>
-              </a:ln>
-            </p:spPr>
-            <p:style>
-              <a:lnRef idx="3">
-                <a:schemeClr val="dk1"/>
-              </a:lnRef>
-              <a:fillRef idx="0">
-                <a:schemeClr val="dk1"/>
-              </a:fillRef>
-              <a:effectRef idx="2">
-                <a:schemeClr val="dk1"/>
-              </a:effectRef>
-              <a:fontRef idx="minor">
-                <a:schemeClr val="tx1"/>
-              </a:fontRef>
-            </p:style>
-          </p:cxnSp>
-          <p:cxnSp>
-            <p:nvCxnSpPr>
-              <p:cNvPr id="141" name="直接箭头连接符 140">
-                <a:extLst>
-                  <a:ext uri="{FF2B5EF4-FFF2-40B4-BE49-F238E27FC236}">
-                    <a16:creationId xmlns:a16="http://schemas.microsoft.com/office/drawing/2014/main" id="{01737B44-EBFE-4238-ADAC-3EEBAB2C0D33}"/>
-                  </a:ext>
-                </a:extLst>
-              </p:cNvPr>
-              <p:cNvCxnSpPr>
-                <a:cxnSpLocks/>
-              </p:cNvCxnSpPr>
-              <p:nvPr/>
-            </p:nvCxnSpPr>
-            <p:spPr>
-              <a:xfrm>
-                <a:off x="2582439" y="1159157"/>
-                <a:ext cx="720000" cy="0"/>
-              </a:xfrm>
-              <a:prstGeom prst="straightConnector1">
-                <a:avLst/>
-              </a:prstGeom>
-              <a:ln w="19050" cmpd="sng">
-                <a:solidFill>
-                  <a:schemeClr val="tx1"/>
-                </a:solidFill>
-                <a:prstDash val="dash"/>
-                <a:tailEnd type="triangle" w="med" len="med"/>
-              </a:ln>
-            </p:spPr>
-            <p:style>
-              <a:lnRef idx="3">
-                <a:schemeClr val="dk1"/>
-              </a:lnRef>
-              <a:fillRef idx="0">
-                <a:schemeClr val="dk1"/>
-              </a:fillRef>
-              <a:effectRef idx="2">
-                <a:schemeClr val="dk1"/>
-              </a:effectRef>
-              <a:fontRef idx="minor">
-                <a:schemeClr val="tx1"/>
-              </a:fontRef>
-            </p:style>
-          </p:cxnSp>
-        </p:grpSp>
-        <p:pic>
-          <p:nvPicPr>
-            <p:cNvPr id="135" name="图形 134">
-              <a:extLst>
-                <a:ext uri="{FF2B5EF4-FFF2-40B4-BE49-F238E27FC236}">
-                  <a16:creationId xmlns:a16="http://schemas.microsoft.com/office/drawing/2014/main" id="{484649F5-5F4A-4AE5-BB47-7A2276B063FE}"/>
-                </a:ext>
-              </a:extLst>
-            </p:cNvPr>
-            <p:cNvPicPr>
-              <a:picLocks noChangeAspect="1"/>
-            </p:cNvPicPr>
-            <p:nvPr/>
-          </p:nvPicPr>
-          <p:blipFill>
-            <a:blip r:embed="rId15" cstate="print">
-              <a:extLst>
-                <a:ext uri="{28A0092B-C50C-407E-A947-70E740481C1C}">
-                  <a14:useLocalDpi xmlns:a14="http://schemas.microsoft.com/office/drawing/2010/main" val="0"/>
-                </a:ext>
-                <a:ext uri="{96DAC541-7B7A-43D3-8B79-37D633B846F1}">
-                  <asvg:svgBlip xmlns:asvg="http://schemas.microsoft.com/office/drawing/2016/SVG/main" r:embed="rId16"/>
-                </a:ext>
-              </a:extLst>
-            </a:blip>
-            <a:stretch>
-              <a:fillRect/>
-            </a:stretch>
-          </p:blipFill>
-          <p:spPr>
-            <a:xfrm>
-              <a:off x="8084207" y="1855090"/>
-              <a:ext cx="648000" cy="648000"/>
-            </a:xfrm>
-            <a:prstGeom prst="rect">
-              <a:avLst/>
-            </a:prstGeom>
-          </p:spPr>
-        </p:pic>
-        <p:cxnSp>
-          <p:nvCxnSpPr>
-            <p:cNvPr id="179" name="直接箭头连接符 178">
-              <a:extLst>
-                <a:ext uri="{FF2B5EF4-FFF2-40B4-BE49-F238E27FC236}">
-                  <a16:creationId xmlns:a16="http://schemas.microsoft.com/office/drawing/2014/main" id="{71958C9A-F7DE-449F-B86A-8B6DC9C5F987}"/>
-                </a:ext>
-              </a:extLst>
-            </p:cNvPr>
-            <p:cNvCxnSpPr>
-              <a:cxnSpLocks/>
-              <a:stCxn id="50" idx="0"/>
-              <a:endCxn id="183" idx="2"/>
-            </p:cNvCxnSpPr>
-            <p:nvPr/>
-          </p:nvCxnSpPr>
-          <p:spPr>
-            <a:xfrm flipH="1" flipV="1">
-              <a:off x="8398250" y="2680890"/>
-              <a:ext cx="9627" cy="349775"/>
-            </a:xfrm>
-            <a:prstGeom prst="straightConnector1">
-              <a:avLst/>
-            </a:prstGeom>
-            <a:ln w="19050" cmpd="sng">
-              <a:solidFill>
-                <a:schemeClr val="tx1"/>
-              </a:solidFill>
-              <a:prstDash val="solid"/>
-              <a:tailEnd type="triangle" w="med" len="med"/>
-            </a:ln>
-          </p:spPr>
-          <p:style>
-            <a:lnRef idx="3">
-              <a:schemeClr val="dk1"/>
-            </a:lnRef>
-            <a:fillRef idx="0">
-              <a:schemeClr val="dk1"/>
-            </a:fillRef>
-            <a:effectRef idx="2">
-              <a:schemeClr val="dk1"/>
-            </a:effectRef>
-            <a:fontRef idx="minor">
-              <a:schemeClr val="tx1"/>
-            </a:fontRef>
-          </p:style>
-        </p:cxnSp>
         <p:sp>
           <p:nvSpPr>
-            <p:cNvPr id="183" name="文本框 182">
-              <a:extLst>
-                <a:ext uri="{FF2B5EF4-FFF2-40B4-BE49-F238E27FC236}">
-                  <a16:creationId xmlns:a16="http://schemas.microsoft.com/office/drawing/2014/main" id="{6C61C433-D87A-478A-9536-8C783E21F541}"/>
-                </a:ext>
-              </a:extLst>
-            </p:cNvPr>
+            <p:cNvPr id="48" name="文本框 47"/>
             <p:cNvSpPr txBox="1"/>
             <p:nvPr/>
           </p:nvSpPr>
           <p:spPr>
             <a:xfrm>
-              <a:off x="7925847" y="2311558"/>
-              <a:ext cx="944806" cy="369332"/>
+              <a:off x="9288" y="8375"/>
+              <a:ext cx="1514" cy="582"/>
             </a:xfrm>
             <a:prstGeom prst="rect">
               <a:avLst/>
@@ -5444,17 +4580,956 @@
               <a:pPr algn="ctr"/>
               <a:r>
                 <a:rPr lang="en-US" altLang="zh-CN" sz="900" b="1" dirty="0"/>
-                <a:t>Byzantine Identifying</a:t>
+                <a:t>predictions of labeled dataset</a:t>
               </a:r>
             </a:p>
           </p:txBody>
         </p:sp>
         <p:sp>
           <p:nvSpPr>
-            <p:cNvPr id="2" name="矩形 1">
+            <p:cNvPr id="49" name="文本框 48"/>
+            <p:cNvSpPr txBox="1"/>
+            <p:nvPr/>
+          </p:nvSpPr>
+          <p:spPr>
+            <a:xfrm>
+              <a:off x="7846" y="8376"/>
+              <a:ext cx="1681" cy="582"/>
+            </a:xfrm>
+            <a:prstGeom prst="rect">
+              <a:avLst/>
+            </a:prstGeom>
+            <a:noFill/>
+          </p:spPr>
+          <p:txBody>
+            <a:bodyPr wrap="square" rtlCol="0">
+              <a:spAutoFit/>
+            </a:bodyPr>
+            <a:lstStyle/>
+            <a:p>
+              <a:pPr algn="ctr"/>
+              <a:r>
+                <a:rPr lang="en-US" altLang="zh-CN" sz="900" b="1" dirty="0"/>
+                <a:t>predictions of unlabeled dataset</a:t>
+              </a:r>
+            </a:p>
+          </p:txBody>
+        </p:sp>
+      </p:grpSp>
+      <p:cxnSp>
+        <p:nvCxnSpPr>
+          <p:cNvPr id="57" name="直接箭头连接符 56"/>
+          <p:cNvCxnSpPr>
+            <a:cxnSpLocks/>
+            <a:endCxn id="124" idx="2"/>
+          </p:cNvCxnSpPr>
+          <p:nvPr/>
+        </p:nvCxnSpPr>
+        <p:spPr>
+          <a:xfrm flipV="1">
+            <a:off x="5744409" y="2401128"/>
+            <a:ext cx="0" cy="460375"/>
+          </a:xfrm>
+          <a:prstGeom prst="straightConnector1">
+            <a:avLst/>
+          </a:prstGeom>
+          <a:ln w="19050" cmpd="sng">
+            <a:solidFill>
+              <a:schemeClr val="tx1"/>
+            </a:solidFill>
+            <a:prstDash val="dash"/>
+            <a:tailEnd type="triangle" w="med" len="med"/>
+          </a:ln>
+        </p:spPr>
+        <p:style>
+          <a:lnRef idx="3">
+            <a:schemeClr val="dk1"/>
+          </a:lnRef>
+          <a:fillRef idx="0">
+            <a:schemeClr val="dk1"/>
+          </a:fillRef>
+          <a:effectRef idx="2">
+            <a:schemeClr val="dk1"/>
+          </a:effectRef>
+          <a:fontRef idx="minor">
+            <a:schemeClr val="tx1"/>
+          </a:fontRef>
+        </p:style>
+      </p:cxnSp>
+      <p:grpSp>
+        <p:nvGrpSpPr>
+          <p:cNvPr id="28" name="组合 27">
+            <a:extLst>
+              <a:ext uri="{FF2B5EF4-FFF2-40B4-BE49-F238E27FC236}">
+                <a16:creationId xmlns:a16="http://schemas.microsoft.com/office/drawing/2014/main" id="{4BF622CD-2D16-4A82-900B-8DF9EF3A985D}"/>
+              </a:ext>
+            </a:extLst>
+          </p:cNvPr>
+          <p:cNvGrpSpPr/>
+          <p:nvPr/>
+        </p:nvGrpSpPr>
+        <p:grpSpPr>
+          <a:xfrm>
+            <a:off x="7695089" y="3011615"/>
+            <a:ext cx="1425575" cy="932357"/>
+            <a:chOff x="7730367" y="2211046"/>
+            <a:chExt cx="1425575" cy="932357"/>
+          </a:xfrm>
+        </p:grpSpPr>
+        <p:grpSp>
+          <p:nvGrpSpPr>
+            <p:cNvPr id="51" name="组合 50"/>
+            <p:cNvGrpSpPr/>
+            <p:nvPr/>
+          </p:nvGrpSpPr>
+          <p:grpSpPr>
+            <a:xfrm>
+              <a:off x="7730367" y="2211046"/>
+              <a:ext cx="1425575" cy="734695"/>
+              <a:chOff x="12942" y="3498"/>
+              <a:chExt cx="2245" cy="1157"/>
+            </a:xfrm>
+          </p:grpSpPr>
+          <p:sp>
+            <p:nvSpPr>
+              <p:cNvPr id="50" name="矩形 49"/>
+              <p:cNvSpPr/>
+              <p:nvPr/>
+            </p:nvSpPr>
+            <p:spPr>
+              <a:xfrm>
+                <a:off x="12942" y="3528"/>
+                <a:ext cx="2245" cy="1127"/>
+              </a:xfrm>
+              <a:prstGeom prst="rect">
+                <a:avLst/>
+              </a:prstGeom>
+              <a:ln w="19050" cmpd="sng">
+                <a:solidFill>
+                  <a:schemeClr val="tx1"/>
+                </a:solidFill>
+                <a:prstDash val="lgDash"/>
+              </a:ln>
+            </p:spPr>
+            <p:style>
+              <a:lnRef idx="2">
+                <a:schemeClr val="accent6"/>
+              </a:lnRef>
+              <a:fillRef idx="1">
+                <a:schemeClr val="lt1"/>
+              </a:fillRef>
+              <a:effectRef idx="0">
+                <a:schemeClr val="accent6"/>
+              </a:effectRef>
+              <a:fontRef idx="minor">
+                <a:schemeClr val="dk1"/>
+              </a:fontRef>
+            </p:style>
+            <p:txBody>
+              <a:bodyPr rtlCol="0" anchor="ctr"/>
+              <a:lstStyle/>
+              <a:p>
+                <a:pPr algn="ctr"/>
+                <a:endParaRPr lang="zh-CN" altLang="en-US" sz="900"/>
+              </a:p>
+            </p:txBody>
+          </p:sp>
+          <p:grpSp>
+            <p:nvGrpSpPr>
+              <p:cNvPr id="164" name="组合 163"/>
+              <p:cNvGrpSpPr/>
+              <p:nvPr/>
+            </p:nvGrpSpPr>
+            <p:grpSpPr>
+              <a:xfrm>
+                <a:off x="13028" y="3528"/>
+                <a:ext cx="973" cy="962"/>
+                <a:chOff x="12407" y="2170"/>
+                <a:chExt cx="973" cy="962"/>
+              </a:xfrm>
+            </p:grpSpPr>
+            <p:pic>
+              <p:nvPicPr>
+                <p:cNvPr id="162" name="图片 161" descr="检查结果"/>
+                <p:cNvPicPr>
+                  <a:picLocks noChangeAspect="1"/>
+                </p:cNvPicPr>
+                <p:nvPr/>
+              </p:nvPicPr>
+              <p:blipFill>
+                <a:blip r:embed="rId13"/>
+                <a:stretch>
+                  <a:fillRect/>
+                </a:stretch>
+              </p:blipFill>
+              <p:spPr>
+                <a:xfrm>
+                  <a:off x="12407" y="2282"/>
+                  <a:ext cx="850" cy="850"/>
+                </a:xfrm>
+                <a:prstGeom prst="rect">
+                  <a:avLst/>
+                </a:prstGeom>
+              </p:spPr>
+            </p:pic>
+            <p:pic>
+              <p:nvPicPr>
+                <p:cNvPr id="163" name="图片 162" descr="标签"/>
+                <p:cNvPicPr>
+                  <a:picLocks noChangeAspect="1"/>
+                </p:cNvPicPr>
+                <p:nvPr/>
+              </p:nvPicPr>
+              <p:blipFill>
+                <a:blip r:embed="rId9"/>
+                <a:stretch>
+                  <a:fillRect/>
+                </a:stretch>
+              </p:blipFill>
+              <p:spPr>
+                <a:xfrm>
+                  <a:off x="12814" y="2170"/>
+                  <a:ext cx="567" cy="567"/>
+                </a:xfrm>
+                <a:prstGeom prst="rect">
+                  <a:avLst/>
+                </a:prstGeom>
+              </p:spPr>
+            </p:pic>
+          </p:grpSp>
+          <p:grpSp>
+            <p:nvGrpSpPr>
+              <p:cNvPr id="165" name="组合 164"/>
+              <p:cNvGrpSpPr/>
+              <p:nvPr/>
+            </p:nvGrpSpPr>
+            <p:grpSpPr>
+              <a:xfrm>
+                <a:off x="14157" y="3498"/>
+                <a:ext cx="947" cy="1078"/>
+                <a:chOff x="16104" y="3545"/>
+                <a:chExt cx="947" cy="1078"/>
+              </a:xfrm>
+            </p:grpSpPr>
+            <p:grpSp>
+              <p:nvGrpSpPr>
+                <p:cNvPr id="166" name="组合 165"/>
+                <p:cNvGrpSpPr/>
+                <p:nvPr/>
+              </p:nvGrpSpPr>
+              <p:grpSpPr>
+                <a:xfrm>
+                  <a:off x="16104" y="3681"/>
+                  <a:ext cx="947" cy="942"/>
+                  <a:chOff x="10250" y="5524"/>
+                  <a:chExt cx="947" cy="942"/>
+                </a:xfrm>
+              </p:grpSpPr>
+              <p:pic>
+                <p:nvPicPr>
+                  <p:cNvPr id="167" name="图片 166" descr="检查结果 (1)"/>
+                  <p:cNvPicPr>
+                    <a:picLocks noChangeAspect="1"/>
+                  </p:cNvPicPr>
+                  <p:nvPr/>
+                </p:nvPicPr>
+                <p:blipFill>
+                  <a:blip r:embed="rId12"/>
+                  <a:stretch>
+                    <a:fillRect/>
+                  </a:stretch>
+                </p:blipFill>
+                <p:spPr>
+                  <a:xfrm>
+                    <a:off x="10250" y="5524"/>
+                    <a:ext cx="850" cy="850"/>
+                  </a:xfrm>
+                  <a:prstGeom prst="rect">
+                    <a:avLst/>
+                  </a:prstGeom>
+                </p:spPr>
+              </p:pic>
+              <p:pic>
+                <p:nvPicPr>
+                  <p:cNvPr id="168" name="图片 167" descr="病毒 (1)"/>
+                  <p:cNvPicPr>
+                    <a:picLocks noChangeAspect="1"/>
+                  </p:cNvPicPr>
+                  <p:nvPr/>
+                </p:nvPicPr>
+                <p:blipFill>
+                  <a:blip r:embed="rId11"/>
+                  <a:stretch>
+                    <a:fillRect/>
+                  </a:stretch>
+                </p:blipFill>
+                <p:spPr>
+                  <a:xfrm>
+                    <a:off x="10630" y="5899"/>
+                    <a:ext cx="567" cy="567"/>
+                  </a:xfrm>
+                  <a:prstGeom prst="rect">
+                    <a:avLst/>
+                  </a:prstGeom>
+                </p:spPr>
+              </p:pic>
+            </p:grpSp>
+            <p:pic>
+              <p:nvPicPr>
+                <p:cNvPr id="169" name="图片 168" descr="标签"/>
+                <p:cNvPicPr>
+                  <a:picLocks noChangeAspect="1"/>
+                </p:cNvPicPr>
+                <p:nvPr/>
+              </p:nvPicPr>
+              <p:blipFill>
+                <a:blip r:embed="rId9"/>
+                <a:stretch>
+                  <a:fillRect/>
+                </a:stretch>
+              </p:blipFill>
+              <p:spPr>
+                <a:xfrm>
+                  <a:off x="16484" y="3545"/>
+                  <a:ext cx="567" cy="567"/>
+                </a:xfrm>
+                <a:prstGeom prst="rect">
+                  <a:avLst/>
+                </a:prstGeom>
+              </p:spPr>
+            </p:pic>
+          </p:grpSp>
+        </p:grpSp>
+        <p:sp>
+          <p:nvSpPr>
+            <p:cNvPr id="107" name="文本框 106">
               <a:extLst>
                 <a:ext uri="{FF2B5EF4-FFF2-40B4-BE49-F238E27FC236}">
-                  <a16:creationId xmlns:a16="http://schemas.microsoft.com/office/drawing/2014/main" id="{21D67B3C-78D2-462D-A3FE-C2A12AFBC75F}"/>
+                  <a16:creationId xmlns:a16="http://schemas.microsoft.com/office/drawing/2014/main" id="{4CE6377E-2F41-4F17-ACDB-6AA634B95866}"/>
+                </a:ext>
+              </a:extLst>
+            </p:cNvPr>
+            <p:cNvSpPr txBox="1"/>
+            <p:nvPr/>
+          </p:nvSpPr>
+          <p:spPr>
+            <a:xfrm>
+              <a:off x="7790748" y="2912571"/>
+              <a:ext cx="594161" cy="230832"/>
+            </a:xfrm>
+            <a:prstGeom prst="rect">
+              <a:avLst/>
+            </a:prstGeom>
+            <a:noFill/>
+          </p:spPr>
+          <p:txBody>
+            <a:bodyPr wrap="square" rtlCol="0">
+              <a:spAutoFit/>
+            </a:bodyPr>
+            <a:lstStyle/>
+            <a:p>
+              <a:pPr algn="ctr"/>
+              <a:r>
+                <a:rPr lang="en-US" altLang="zh-CN" sz="900" b="1" dirty="0"/>
+                <a:t>labels</a:t>
+              </a:r>
+            </a:p>
+          </p:txBody>
+        </p:sp>
+      </p:grpSp>
+      <p:cxnSp>
+        <p:nvCxnSpPr>
+          <p:cNvPr id="68" name="连接符: 曲线 67">
+            <a:extLst>
+              <a:ext uri="{FF2B5EF4-FFF2-40B4-BE49-F238E27FC236}">
+                <a16:creationId xmlns:a16="http://schemas.microsoft.com/office/drawing/2014/main" id="{89DE7BCE-DE29-4B16-94F5-CB978CF522BC}"/>
+              </a:ext>
+            </a:extLst>
+          </p:cNvPr>
+          <p:cNvCxnSpPr>
+            <a:cxnSpLocks/>
+            <a:stCxn id="120" idx="3"/>
+            <a:endCxn id="162" idx="0"/>
+          </p:cNvCxnSpPr>
+          <p:nvPr/>
+        </p:nvCxnSpPr>
+        <p:spPr>
+          <a:xfrm>
+            <a:off x="6457196" y="2042988"/>
+            <a:ext cx="1562378" cy="1058797"/>
+          </a:xfrm>
+          <a:prstGeom prst="curvedConnector2">
+            <a:avLst/>
+          </a:prstGeom>
+          <a:ln>
+            <a:tailEnd type="triangle"/>
+          </a:ln>
+        </p:spPr>
+        <p:style>
+          <a:lnRef idx="3">
+            <a:schemeClr val="dk1"/>
+          </a:lnRef>
+          <a:fillRef idx="0">
+            <a:schemeClr val="dk1"/>
+          </a:fillRef>
+          <a:effectRef idx="2">
+            <a:schemeClr val="dk1"/>
+          </a:effectRef>
+          <a:fontRef idx="minor">
+            <a:schemeClr val="tx1"/>
+          </a:fontRef>
+        </p:style>
+      </p:cxnSp>
+      <p:cxnSp>
+        <p:nvCxnSpPr>
+          <p:cNvPr id="128" name="连接符: 曲线 127">
+            <a:extLst>
+              <a:ext uri="{FF2B5EF4-FFF2-40B4-BE49-F238E27FC236}">
+                <a16:creationId xmlns:a16="http://schemas.microsoft.com/office/drawing/2014/main" id="{8C5C9569-A67C-4E40-B261-6049C6726529}"/>
+              </a:ext>
+            </a:extLst>
+          </p:cNvPr>
+          <p:cNvCxnSpPr>
+            <a:cxnSpLocks/>
+            <a:stCxn id="139" idx="2"/>
+            <a:endCxn id="36" idx="1"/>
+          </p:cNvCxnSpPr>
+          <p:nvPr/>
+        </p:nvCxnSpPr>
+        <p:spPr>
+          <a:xfrm rot="16200000" flipH="1">
+            <a:off x="7099673" y="3809215"/>
+            <a:ext cx="751796" cy="459682"/>
+          </a:xfrm>
+          <a:prstGeom prst="curvedConnector2">
+            <a:avLst/>
+          </a:prstGeom>
+          <a:ln>
+            <a:tailEnd type="triangle"/>
+          </a:ln>
+        </p:spPr>
+        <p:style>
+          <a:lnRef idx="3">
+            <a:schemeClr val="dk1"/>
+          </a:lnRef>
+          <a:fillRef idx="0">
+            <a:schemeClr val="dk1"/>
+          </a:fillRef>
+          <a:effectRef idx="2">
+            <a:schemeClr val="dk1"/>
+          </a:effectRef>
+          <a:fontRef idx="minor">
+            <a:schemeClr val="tx1"/>
+          </a:fontRef>
+        </p:style>
+      </p:cxnSp>
+      <p:cxnSp>
+        <p:nvCxnSpPr>
+          <p:cNvPr id="129" name="直接箭头连接符 128">
+            <a:extLst>
+              <a:ext uri="{FF2B5EF4-FFF2-40B4-BE49-F238E27FC236}">
+                <a16:creationId xmlns:a16="http://schemas.microsoft.com/office/drawing/2014/main" id="{F54C2717-6E16-4C26-8B9A-EDCBB710F309}"/>
+              </a:ext>
+            </a:extLst>
+          </p:cNvPr>
+          <p:cNvCxnSpPr>
+            <a:cxnSpLocks/>
+            <a:stCxn id="45" idx="0"/>
+            <a:endCxn id="167" idx="2"/>
+          </p:cNvCxnSpPr>
+          <p:nvPr/>
+        </p:nvCxnSpPr>
+        <p:spPr>
+          <a:xfrm flipV="1">
+            <a:off x="8732207" y="3637725"/>
+            <a:ext cx="4282" cy="513704"/>
+          </a:xfrm>
+          <a:prstGeom prst="straightConnector1">
+            <a:avLst/>
+          </a:prstGeom>
+          <a:ln w="19050" cmpd="sng">
+            <a:solidFill>
+              <a:schemeClr val="tx1"/>
+            </a:solidFill>
+            <a:prstDash val="solid"/>
+            <a:tailEnd type="triangle" w="med" len="med"/>
+          </a:ln>
+        </p:spPr>
+        <p:style>
+          <a:lnRef idx="3">
+            <a:schemeClr val="dk1"/>
+          </a:lnRef>
+          <a:fillRef idx="0">
+            <a:schemeClr val="dk1"/>
+          </a:fillRef>
+          <a:effectRef idx="2">
+            <a:schemeClr val="dk1"/>
+          </a:effectRef>
+          <a:fontRef idx="minor">
+            <a:schemeClr val="tx1"/>
+          </a:fontRef>
+        </p:style>
+      </p:cxnSp>
+      <p:grpSp>
+        <p:nvGrpSpPr>
+          <p:cNvPr id="184" name="组合 183">
+            <a:extLst>
+              <a:ext uri="{FF2B5EF4-FFF2-40B4-BE49-F238E27FC236}">
+                <a16:creationId xmlns:a16="http://schemas.microsoft.com/office/drawing/2014/main" id="{8A45A327-FF4D-426E-9FAD-9FD285227E6D}"/>
+              </a:ext>
+            </a:extLst>
+          </p:cNvPr>
+          <p:cNvGrpSpPr/>
+          <p:nvPr/>
+        </p:nvGrpSpPr>
+        <p:grpSpPr>
+          <a:xfrm>
+            <a:off x="1765275" y="1688980"/>
+            <a:ext cx="1883073" cy="369108"/>
+            <a:chOff x="1454908" y="1037506"/>
+            <a:chExt cx="1883073" cy="369108"/>
+          </a:xfrm>
+        </p:grpSpPr>
+        <p:grpSp>
+          <p:nvGrpSpPr>
+            <p:cNvPr id="10" name="组合 9"/>
+            <p:cNvGrpSpPr/>
+            <p:nvPr/>
+          </p:nvGrpSpPr>
+          <p:grpSpPr>
+            <a:xfrm>
+              <a:off x="1454908" y="1037506"/>
+              <a:ext cx="1883073" cy="369108"/>
+              <a:chOff x="3913" y="9631"/>
+              <a:chExt cx="2476" cy="802"/>
+            </a:xfrm>
+          </p:grpSpPr>
+          <p:sp>
+            <p:nvSpPr>
+              <p:cNvPr id="12" name="矩形 11"/>
+              <p:cNvSpPr/>
+              <p:nvPr/>
+            </p:nvSpPr>
+            <p:spPr>
+              <a:xfrm>
+                <a:off x="3951" y="9722"/>
+                <a:ext cx="2438" cy="670"/>
+              </a:xfrm>
+              <a:prstGeom prst="rect">
+                <a:avLst/>
+              </a:prstGeom>
+              <a:solidFill>
+                <a:schemeClr val="bg1">
+                  <a:lumMod val="95000"/>
+                </a:schemeClr>
+              </a:solidFill>
+              <a:ln>
+                <a:noFill/>
+              </a:ln>
+            </p:spPr>
+            <p:style>
+              <a:lnRef idx="2">
+                <a:schemeClr val="accent1">
+                  <a:shade val="50000"/>
+                </a:schemeClr>
+              </a:lnRef>
+              <a:fillRef idx="1">
+                <a:schemeClr val="accent1"/>
+              </a:fillRef>
+              <a:effectRef idx="0">
+                <a:schemeClr val="accent1"/>
+              </a:effectRef>
+              <a:fontRef idx="minor">
+                <a:schemeClr val="lt1"/>
+              </a:fontRef>
+            </p:style>
+            <p:txBody>
+              <a:bodyPr rtlCol="0" anchor="ctr"/>
+              <a:lstStyle/>
+              <a:p>
+                <a:pPr algn="ctr"/>
+                <a:endParaRPr lang="zh-CN" altLang="en-US" sz="900"/>
+              </a:p>
+            </p:txBody>
+          </p:sp>
+          <p:sp>
+            <p:nvSpPr>
+              <p:cNvPr id="17" name="文本框 16"/>
+              <p:cNvSpPr txBox="1"/>
+              <p:nvPr/>
+            </p:nvSpPr>
+            <p:spPr>
+              <a:xfrm>
+                <a:off x="3913" y="9631"/>
+                <a:ext cx="2391" cy="802"/>
+              </a:xfrm>
+              <a:prstGeom prst="rect">
+                <a:avLst/>
+              </a:prstGeom>
+              <a:noFill/>
+              <a:ln w="28575" cmpd="sng">
+                <a:noFill/>
+                <a:prstDash val="solid"/>
+              </a:ln>
+            </p:spPr>
+            <p:txBody>
+              <a:bodyPr wrap="square" rtlCol="0">
+                <a:spAutoFit/>
+              </a:bodyPr>
+              <a:lstStyle/>
+              <a:p>
+                <a:r>
+                  <a:rPr lang="en-US" altLang="zh-CN" sz="900" b="1" dirty="0"/>
+                  <a:t>Data Transmission:</a:t>
+                </a:r>
+              </a:p>
+              <a:p>
+                <a:r>
+                  <a:rPr lang="en-US" altLang="zh-CN" sz="900" b="1" dirty="0"/>
+                  <a:t>Labels Transmission:</a:t>
+                </a:r>
+              </a:p>
+            </p:txBody>
+          </p:sp>
+        </p:grpSp>
+        <p:cxnSp>
+          <p:nvCxnSpPr>
+            <p:cNvPr id="140" name="直接箭头连接符 139">
+              <a:extLst>
+                <a:ext uri="{FF2B5EF4-FFF2-40B4-BE49-F238E27FC236}">
+                  <a16:creationId xmlns:a16="http://schemas.microsoft.com/office/drawing/2014/main" id="{8931E891-1723-47B8-BBF9-98A464270C16}"/>
+                </a:ext>
+              </a:extLst>
+            </p:cNvPr>
+            <p:cNvCxnSpPr>
+              <a:cxnSpLocks/>
+            </p:cNvCxnSpPr>
+            <p:nvPr/>
+          </p:nvCxnSpPr>
+          <p:spPr>
+            <a:xfrm>
+              <a:off x="2582439" y="1294379"/>
+              <a:ext cx="720000" cy="0"/>
+            </a:xfrm>
+            <a:prstGeom prst="straightConnector1">
+              <a:avLst/>
+            </a:prstGeom>
+            <a:ln w="19050" cmpd="sng">
+              <a:solidFill>
+                <a:schemeClr val="tx1"/>
+              </a:solidFill>
+              <a:prstDash val="solid"/>
+              <a:tailEnd type="triangle" w="med" len="med"/>
+            </a:ln>
+          </p:spPr>
+          <p:style>
+            <a:lnRef idx="3">
+              <a:schemeClr val="dk1"/>
+            </a:lnRef>
+            <a:fillRef idx="0">
+              <a:schemeClr val="dk1"/>
+            </a:fillRef>
+            <a:effectRef idx="2">
+              <a:schemeClr val="dk1"/>
+            </a:effectRef>
+            <a:fontRef idx="minor">
+              <a:schemeClr val="tx1"/>
+            </a:fontRef>
+          </p:style>
+        </p:cxnSp>
+        <p:cxnSp>
+          <p:nvCxnSpPr>
+            <p:cNvPr id="141" name="直接箭头连接符 140">
+              <a:extLst>
+                <a:ext uri="{FF2B5EF4-FFF2-40B4-BE49-F238E27FC236}">
+                  <a16:creationId xmlns:a16="http://schemas.microsoft.com/office/drawing/2014/main" id="{01737B44-EBFE-4238-ADAC-3EEBAB2C0D33}"/>
+                </a:ext>
+              </a:extLst>
+            </p:cNvPr>
+            <p:cNvCxnSpPr>
+              <a:cxnSpLocks/>
+            </p:cNvCxnSpPr>
+            <p:nvPr/>
+          </p:nvCxnSpPr>
+          <p:spPr>
+            <a:xfrm>
+              <a:off x="2582439" y="1159157"/>
+              <a:ext cx="720000" cy="0"/>
+            </a:xfrm>
+            <a:prstGeom prst="straightConnector1">
+              <a:avLst/>
+            </a:prstGeom>
+            <a:ln w="19050" cmpd="sng">
+              <a:solidFill>
+                <a:schemeClr val="tx1"/>
+              </a:solidFill>
+              <a:prstDash val="dash"/>
+              <a:tailEnd type="triangle" w="med" len="med"/>
+            </a:ln>
+          </p:spPr>
+          <p:style>
+            <a:lnRef idx="3">
+              <a:schemeClr val="dk1"/>
+            </a:lnRef>
+            <a:fillRef idx="0">
+              <a:schemeClr val="dk1"/>
+            </a:fillRef>
+            <a:effectRef idx="2">
+              <a:schemeClr val="dk1"/>
+            </a:effectRef>
+            <a:fontRef idx="minor">
+              <a:schemeClr val="tx1"/>
+            </a:fontRef>
+          </p:style>
+        </p:cxnSp>
+      </p:grpSp>
+      <p:pic>
+        <p:nvPicPr>
+          <p:cNvPr id="135" name="图形 134">
+            <a:extLst>
+              <a:ext uri="{FF2B5EF4-FFF2-40B4-BE49-F238E27FC236}">
+                <a16:creationId xmlns:a16="http://schemas.microsoft.com/office/drawing/2014/main" id="{484649F5-5F4A-4AE5-BB47-7A2276B063FE}"/>
+              </a:ext>
+            </a:extLst>
+          </p:cNvPr>
+          <p:cNvPicPr>
+            <a:picLocks noChangeAspect="1"/>
+          </p:cNvPicPr>
+          <p:nvPr/>
+        </p:nvPicPr>
+        <p:blipFill>
+          <a:blip r:embed="rId14" cstate="print">
+            <a:extLst>
+              <a:ext uri="{28A0092B-C50C-407E-A947-70E740481C1C}">
+                <a14:useLocalDpi xmlns:a14="http://schemas.microsoft.com/office/drawing/2010/main" val="0"/>
+              </a:ext>
+              <a:ext uri="{96DAC541-7B7A-43D3-8B79-37D633B846F1}">
+                <asvg:svgBlip xmlns:asvg="http://schemas.microsoft.com/office/drawing/2016/SVG/main" r:embed="rId15"/>
+              </a:ext>
+            </a:extLst>
+          </a:blip>
+          <a:stretch>
+            <a:fillRect/>
+          </a:stretch>
+        </p:blipFill>
+        <p:spPr>
+          <a:xfrm>
+            <a:off x="8084207" y="1855090"/>
+            <a:ext cx="648000" cy="648000"/>
+          </a:xfrm>
+          <a:prstGeom prst="rect">
+            <a:avLst/>
+          </a:prstGeom>
+        </p:spPr>
+      </p:pic>
+      <p:cxnSp>
+        <p:nvCxnSpPr>
+          <p:cNvPr id="179" name="直接箭头连接符 178">
+            <a:extLst>
+              <a:ext uri="{FF2B5EF4-FFF2-40B4-BE49-F238E27FC236}">
+                <a16:creationId xmlns:a16="http://schemas.microsoft.com/office/drawing/2014/main" id="{71958C9A-F7DE-449F-B86A-8B6DC9C5F987}"/>
+              </a:ext>
+            </a:extLst>
+          </p:cNvPr>
+          <p:cNvCxnSpPr>
+            <a:cxnSpLocks/>
+            <a:stCxn id="50" idx="0"/>
+            <a:endCxn id="183" idx="2"/>
+          </p:cNvCxnSpPr>
+          <p:nvPr/>
+        </p:nvCxnSpPr>
+        <p:spPr>
+          <a:xfrm flipH="1" flipV="1">
+            <a:off x="8398250" y="2680890"/>
+            <a:ext cx="9627" cy="349775"/>
+          </a:xfrm>
+          <a:prstGeom prst="straightConnector1">
+            <a:avLst/>
+          </a:prstGeom>
+          <a:ln w="19050" cmpd="sng">
+            <a:solidFill>
+              <a:schemeClr val="tx1"/>
+            </a:solidFill>
+            <a:prstDash val="solid"/>
+            <a:tailEnd type="triangle" w="med" len="med"/>
+          </a:ln>
+        </p:spPr>
+        <p:style>
+          <a:lnRef idx="3">
+            <a:schemeClr val="dk1"/>
+          </a:lnRef>
+          <a:fillRef idx="0">
+            <a:schemeClr val="dk1"/>
+          </a:fillRef>
+          <a:effectRef idx="2">
+            <a:schemeClr val="dk1"/>
+          </a:effectRef>
+          <a:fontRef idx="minor">
+            <a:schemeClr val="tx1"/>
+          </a:fontRef>
+        </p:style>
+      </p:cxnSp>
+      <p:sp>
+        <p:nvSpPr>
+          <p:cNvPr id="183" name="文本框 182">
+            <a:extLst>
+              <a:ext uri="{FF2B5EF4-FFF2-40B4-BE49-F238E27FC236}">
+                <a16:creationId xmlns:a16="http://schemas.microsoft.com/office/drawing/2014/main" id="{6C61C433-D87A-478A-9536-8C783E21F541}"/>
+              </a:ext>
+            </a:extLst>
+          </p:cNvPr>
+          <p:cNvSpPr txBox="1"/>
+          <p:nvPr/>
+        </p:nvSpPr>
+        <p:spPr>
+          <a:xfrm>
+            <a:off x="7925847" y="2311558"/>
+            <a:ext cx="944806" cy="369332"/>
+          </a:xfrm>
+          <a:prstGeom prst="rect">
+            <a:avLst/>
+          </a:prstGeom>
+          <a:noFill/>
+        </p:spPr>
+        <p:txBody>
+          <a:bodyPr wrap="square" rtlCol="0">
+            <a:spAutoFit/>
+          </a:bodyPr>
+          <a:lstStyle/>
+          <a:p>
+            <a:pPr algn="ctr"/>
+            <a:r>
+              <a:rPr lang="en-US" altLang="zh-CN" sz="900" b="1" dirty="0"/>
+              <a:t>Byzantine Identifying</a:t>
+            </a:r>
+          </a:p>
+        </p:txBody>
+      </p:sp>
+      <p:sp>
+        <p:nvSpPr>
+          <p:cNvPr id="2" name="矩形 1">
+            <a:extLst>
+              <a:ext uri="{FF2B5EF4-FFF2-40B4-BE49-F238E27FC236}">
+                <a16:creationId xmlns:a16="http://schemas.microsoft.com/office/drawing/2014/main" id="{21D67B3C-78D2-462D-A3FE-C2A12AFBC75F}"/>
+              </a:ext>
+            </a:extLst>
+          </p:cNvPr>
+          <p:cNvSpPr/>
+          <p:nvPr/>
+        </p:nvSpPr>
+        <p:spPr>
+          <a:xfrm>
+            <a:off x="6823903" y="1905509"/>
+            <a:ext cx="2356458" cy="3221939"/>
+          </a:xfrm>
+          <a:prstGeom prst="rect">
+            <a:avLst/>
+          </a:prstGeom>
+          <a:noFill/>
+          <a:ln w="19050">
+            <a:prstDash val="dash"/>
+          </a:ln>
+        </p:spPr>
+        <p:style>
+          <a:lnRef idx="2">
+            <a:schemeClr val="accent1"/>
+          </a:lnRef>
+          <a:fillRef idx="1">
+            <a:schemeClr val="lt1"/>
+          </a:fillRef>
+          <a:effectRef idx="0">
+            <a:schemeClr val="accent1"/>
+          </a:effectRef>
+          <a:fontRef idx="minor">
+            <a:schemeClr val="dk1"/>
+          </a:fontRef>
+        </p:style>
+        <p:txBody>
+          <a:bodyPr rtlCol="0" anchor="ctr"/>
+          <a:lstStyle/>
+          <a:p>
+            <a:pPr algn="ctr"/>
+            <a:endParaRPr lang="zh-CN" altLang="en-US"/>
+          </a:p>
+        </p:txBody>
+      </p:sp>
+      <p:sp>
+        <p:nvSpPr>
+          <p:cNvPr id="99" name="矩形 98">
+            <a:extLst>
+              <a:ext uri="{FF2B5EF4-FFF2-40B4-BE49-F238E27FC236}">
+                <a16:creationId xmlns:a16="http://schemas.microsoft.com/office/drawing/2014/main" id="{84F67526-E2E1-47E5-95E0-013C9F4B98DF}"/>
+              </a:ext>
+            </a:extLst>
+          </p:cNvPr>
+          <p:cNvSpPr/>
+          <p:nvPr/>
+        </p:nvSpPr>
+        <p:spPr>
+          <a:xfrm>
+            <a:off x="1795005" y="2147999"/>
+            <a:ext cx="2844635" cy="2979449"/>
+          </a:xfrm>
+          <a:prstGeom prst="rect">
+            <a:avLst/>
+          </a:prstGeom>
+          <a:noFill/>
+          <a:ln w="19050">
+            <a:solidFill>
+              <a:schemeClr val="accent2"/>
+            </a:solidFill>
+            <a:prstDash val="dash"/>
+          </a:ln>
+        </p:spPr>
+        <p:style>
+          <a:lnRef idx="2">
+            <a:schemeClr val="accent1"/>
+          </a:lnRef>
+          <a:fillRef idx="1">
+            <a:schemeClr val="lt1"/>
+          </a:fillRef>
+          <a:effectRef idx="0">
+            <a:schemeClr val="accent1"/>
+          </a:effectRef>
+          <a:fontRef idx="minor">
+            <a:schemeClr val="dk1"/>
+          </a:fontRef>
+        </p:style>
+        <p:txBody>
+          <a:bodyPr rtlCol="0" anchor="ctr"/>
+          <a:lstStyle/>
+          <a:p>
+            <a:pPr algn="ctr"/>
+            <a:endParaRPr lang="zh-CN" altLang="en-US"/>
+          </a:p>
+        </p:txBody>
+      </p:sp>
+      <p:grpSp>
+        <p:nvGrpSpPr>
+          <p:cNvPr id="98" name="组合 97">
+            <a:extLst>
+              <a:ext uri="{FF2B5EF4-FFF2-40B4-BE49-F238E27FC236}">
+                <a16:creationId xmlns:a16="http://schemas.microsoft.com/office/drawing/2014/main" id="{859E3B7D-7601-4ED2-9B3D-0FF889551167}"/>
+              </a:ext>
+            </a:extLst>
+          </p:cNvPr>
+          <p:cNvGrpSpPr/>
+          <p:nvPr/>
+        </p:nvGrpSpPr>
+        <p:grpSpPr>
+          <a:xfrm>
+            <a:off x="3753530" y="2639033"/>
+            <a:ext cx="720000" cy="720000"/>
+            <a:chOff x="7679563" y="1172136"/>
+            <a:chExt cx="976750" cy="986490"/>
+          </a:xfrm>
+        </p:grpSpPr>
+        <p:sp>
+          <p:nvSpPr>
+            <p:cNvPr id="100" name="流程图: 接点 99">
+              <a:extLst>
+                <a:ext uri="{FF2B5EF4-FFF2-40B4-BE49-F238E27FC236}">
+                  <a16:creationId xmlns:a16="http://schemas.microsoft.com/office/drawing/2014/main" id="{94BA0680-889F-482B-AB39-01269A04D199}"/>
                 </a:ext>
               </a:extLst>
             </p:cNvPr>
@@ -5463,26 +5538,22 @@
           </p:nvSpPr>
           <p:spPr>
             <a:xfrm>
-              <a:off x="6823903" y="1905509"/>
-              <a:ext cx="2356458" cy="3221939"/>
+              <a:off x="7679563" y="1307746"/>
+              <a:ext cx="180000" cy="180000"/>
             </a:xfrm>
-            <a:prstGeom prst="rect">
+            <a:prstGeom prst="flowChartConnector">
               <a:avLst/>
             </a:prstGeom>
-            <a:noFill/>
-            <a:ln w="19050">
-              <a:prstDash val="dash"/>
-            </a:ln>
           </p:spPr>
           <p:style>
-            <a:lnRef idx="2">
-              <a:schemeClr val="accent1"/>
+            <a:lnRef idx="1">
+              <a:schemeClr val="dk1"/>
             </a:lnRef>
-            <a:fillRef idx="1">
-              <a:schemeClr val="lt1"/>
+            <a:fillRef idx="2">
+              <a:schemeClr val="dk1"/>
             </a:fillRef>
-            <a:effectRef idx="0">
-              <a:schemeClr val="accent1"/>
+            <a:effectRef idx="1">
+              <a:schemeClr val="dk1"/>
             </a:effectRef>
             <a:fontRef idx="minor">
               <a:schemeClr val="dk1"/>
@@ -5499,10 +5570,10 @@
         </p:sp>
         <p:sp>
           <p:nvSpPr>
-            <p:cNvPr id="99" name="矩形 98">
+            <p:cNvPr id="101" name="流程图: 接点 100">
               <a:extLst>
                 <a:ext uri="{FF2B5EF4-FFF2-40B4-BE49-F238E27FC236}">
-                  <a16:creationId xmlns:a16="http://schemas.microsoft.com/office/drawing/2014/main" id="{84F67526-E2E1-47E5-95E0-013C9F4B98DF}"/>
+                  <a16:creationId xmlns:a16="http://schemas.microsoft.com/office/drawing/2014/main" id="{2D252386-C75A-4BEB-89F4-CDC857FC97F9}"/>
                 </a:ext>
               </a:extLst>
             </p:cNvPr>
@@ -5511,29 +5582,22 @@
           </p:nvSpPr>
           <p:spPr>
             <a:xfrm>
-              <a:off x="1795005" y="2147999"/>
-              <a:ext cx="2844635" cy="2979449"/>
+              <a:off x="7679563" y="1576576"/>
+              <a:ext cx="180000" cy="180000"/>
             </a:xfrm>
-            <a:prstGeom prst="rect">
+            <a:prstGeom prst="flowChartConnector">
               <a:avLst/>
             </a:prstGeom>
-            <a:noFill/>
-            <a:ln w="19050">
-              <a:solidFill>
-                <a:schemeClr val="accent2"/>
-              </a:solidFill>
-              <a:prstDash val="dash"/>
-            </a:ln>
           </p:spPr>
           <p:style>
-            <a:lnRef idx="2">
-              <a:schemeClr val="accent1"/>
+            <a:lnRef idx="1">
+              <a:schemeClr val="dk1"/>
             </a:lnRef>
-            <a:fillRef idx="1">
-              <a:schemeClr val="lt1"/>
+            <a:fillRef idx="2">
+              <a:schemeClr val="dk1"/>
             </a:fillRef>
-            <a:effectRef idx="0">
-              <a:schemeClr val="accent1"/>
+            <a:effectRef idx="1">
+              <a:schemeClr val="dk1"/>
             </a:effectRef>
             <a:fontRef idx="minor">
               <a:schemeClr val="dk1"/>
@@ -5548,6 +5612,1318 @@
             </a:p>
           </p:txBody>
         </p:sp>
+        <p:sp>
+          <p:nvSpPr>
+            <p:cNvPr id="102" name="流程图: 接点 101">
+              <a:extLst>
+                <a:ext uri="{FF2B5EF4-FFF2-40B4-BE49-F238E27FC236}">
+                  <a16:creationId xmlns:a16="http://schemas.microsoft.com/office/drawing/2014/main" id="{D16F2836-BAF0-4EC5-9052-71B7D7011798}"/>
+                </a:ext>
+              </a:extLst>
+            </p:cNvPr>
+            <p:cNvSpPr/>
+            <p:nvPr/>
+          </p:nvSpPr>
+          <p:spPr>
+            <a:xfrm>
+              <a:off x="7679563" y="1845406"/>
+              <a:ext cx="180000" cy="180000"/>
+            </a:xfrm>
+            <a:prstGeom prst="flowChartConnector">
+              <a:avLst/>
+            </a:prstGeom>
+          </p:spPr>
+          <p:style>
+            <a:lnRef idx="1">
+              <a:schemeClr val="dk1"/>
+            </a:lnRef>
+            <a:fillRef idx="2">
+              <a:schemeClr val="dk1"/>
+            </a:fillRef>
+            <a:effectRef idx="1">
+              <a:schemeClr val="dk1"/>
+            </a:effectRef>
+            <a:fontRef idx="minor">
+              <a:schemeClr val="dk1"/>
+            </a:fontRef>
+          </p:style>
+          <p:txBody>
+            <a:bodyPr rtlCol="0" anchor="ctr"/>
+            <a:lstStyle/>
+            <a:p>
+              <a:pPr algn="ctr"/>
+              <a:endParaRPr lang="zh-CN" altLang="en-US"/>
+            </a:p>
+          </p:txBody>
+        </p:sp>
+        <p:sp>
+          <p:nvSpPr>
+            <p:cNvPr id="103" name="流程图: 接点 102">
+              <a:extLst>
+                <a:ext uri="{FF2B5EF4-FFF2-40B4-BE49-F238E27FC236}">
+                  <a16:creationId xmlns:a16="http://schemas.microsoft.com/office/drawing/2014/main" id="{CC9EDD3D-1DCF-4097-A31B-B4FA9D31E804}"/>
+                </a:ext>
+              </a:extLst>
+            </p:cNvPr>
+            <p:cNvSpPr/>
+            <p:nvPr/>
+          </p:nvSpPr>
+          <p:spPr>
+            <a:xfrm>
+              <a:off x="8087940" y="1978626"/>
+              <a:ext cx="180000" cy="180000"/>
+            </a:xfrm>
+            <a:prstGeom prst="flowChartConnector">
+              <a:avLst/>
+            </a:prstGeom>
+          </p:spPr>
+          <p:style>
+            <a:lnRef idx="1">
+              <a:schemeClr val="dk1"/>
+            </a:lnRef>
+            <a:fillRef idx="2">
+              <a:schemeClr val="dk1"/>
+            </a:fillRef>
+            <a:effectRef idx="1">
+              <a:schemeClr val="dk1"/>
+            </a:effectRef>
+            <a:fontRef idx="minor">
+              <a:schemeClr val="dk1"/>
+            </a:fontRef>
+          </p:style>
+          <p:txBody>
+            <a:bodyPr rtlCol="0" anchor="ctr"/>
+            <a:lstStyle/>
+            <a:p>
+              <a:pPr algn="ctr"/>
+              <a:endParaRPr lang="zh-CN" altLang="en-US"/>
+            </a:p>
+          </p:txBody>
+        </p:sp>
+        <p:sp>
+          <p:nvSpPr>
+            <p:cNvPr id="104" name="流程图: 接点 103">
+              <a:extLst>
+                <a:ext uri="{FF2B5EF4-FFF2-40B4-BE49-F238E27FC236}">
+                  <a16:creationId xmlns:a16="http://schemas.microsoft.com/office/drawing/2014/main" id="{5DC183A2-43B6-4123-9C6A-9B011E243694}"/>
+                </a:ext>
+              </a:extLst>
+            </p:cNvPr>
+            <p:cNvSpPr/>
+            <p:nvPr/>
+          </p:nvSpPr>
+          <p:spPr>
+            <a:xfrm>
+              <a:off x="8087940" y="1172136"/>
+              <a:ext cx="180000" cy="180000"/>
+            </a:xfrm>
+            <a:prstGeom prst="flowChartConnector">
+              <a:avLst/>
+            </a:prstGeom>
+          </p:spPr>
+          <p:style>
+            <a:lnRef idx="1">
+              <a:schemeClr val="dk1"/>
+            </a:lnRef>
+            <a:fillRef idx="2">
+              <a:schemeClr val="dk1"/>
+            </a:fillRef>
+            <a:effectRef idx="1">
+              <a:schemeClr val="dk1"/>
+            </a:effectRef>
+            <a:fontRef idx="minor">
+              <a:schemeClr val="dk1"/>
+            </a:fontRef>
+          </p:style>
+          <p:txBody>
+            <a:bodyPr rtlCol="0" anchor="ctr"/>
+            <a:lstStyle/>
+            <a:p>
+              <a:pPr algn="ctr"/>
+              <a:endParaRPr lang="zh-CN" altLang="en-US"/>
+            </a:p>
+          </p:txBody>
+        </p:sp>
+        <p:sp>
+          <p:nvSpPr>
+            <p:cNvPr id="105" name="流程图: 接点 104">
+              <a:extLst>
+                <a:ext uri="{FF2B5EF4-FFF2-40B4-BE49-F238E27FC236}">
+                  <a16:creationId xmlns:a16="http://schemas.microsoft.com/office/drawing/2014/main" id="{11DF2028-4E4E-4D1B-95DD-369027720327}"/>
+                </a:ext>
+              </a:extLst>
+            </p:cNvPr>
+            <p:cNvSpPr/>
+            <p:nvPr/>
+          </p:nvSpPr>
+          <p:spPr>
+            <a:xfrm>
+              <a:off x="8087940" y="1440966"/>
+              <a:ext cx="180000" cy="180000"/>
+            </a:xfrm>
+            <a:prstGeom prst="flowChartConnector">
+              <a:avLst/>
+            </a:prstGeom>
+          </p:spPr>
+          <p:style>
+            <a:lnRef idx="1">
+              <a:schemeClr val="dk1"/>
+            </a:lnRef>
+            <a:fillRef idx="2">
+              <a:schemeClr val="dk1"/>
+            </a:fillRef>
+            <a:effectRef idx="1">
+              <a:schemeClr val="dk1"/>
+            </a:effectRef>
+            <a:fontRef idx="minor">
+              <a:schemeClr val="dk1"/>
+            </a:fontRef>
+          </p:style>
+          <p:txBody>
+            <a:bodyPr rtlCol="0" anchor="ctr"/>
+            <a:lstStyle/>
+            <a:p>
+              <a:pPr algn="ctr"/>
+              <a:endParaRPr lang="zh-CN" altLang="en-US"/>
+            </a:p>
+          </p:txBody>
+        </p:sp>
+        <p:sp>
+          <p:nvSpPr>
+            <p:cNvPr id="106" name="流程图: 接点 105">
+              <a:extLst>
+                <a:ext uri="{FF2B5EF4-FFF2-40B4-BE49-F238E27FC236}">
+                  <a16:creationId xmlns:a16="http://schemas.microsoft.com/office/drawing/2014/main" id="{71F0E669-A1C8-4C4B-9CB0-96F5A9F89B17}"/>
+                </a:ext>
+              </a:extLst>
+            </p:cNvPr>
+            <p:cNvSpPr/>
+            <p:nvPr/>
+          </p:nvSpPr>
+          <p:spPr>
+            <a:xfrm>
+              <a:off x="8087940" y="1709796"/>
+              <a:ext cx="180000" cy="180000"/>
+            </a:xfrm>
+            <a:prstGeom prst="flowChartConnector">
+              <a:avLst/>
+            </a:prstGeom>
+          </p:spPr>
+          <p:style>
+            <a:lnRef idx="1">
+              <a:schemeClr val="dk1"/>
+            </a:lnRef>
+            <a:fillRef idx="2">
+              <a:schemeClr val="dk1"/>
+            </a:fillRef>
+            <a:effectRef idx="1">
+              <a:schemeClr val="dk1"/>
+            </a:effectRef>
+            <a:fontRef idx="minor">
+              <a:schemeClr val="dk1"/>
+            </a:fontRef>
+          </p:style>
+          <p:txBody>
+            <a:bodyPr rtlCol="0" anchor="ctr"/>
+            <a:lstStyle/>
+            <a:p>
+              <a:pPr algn="ctr"/>
+              <a:endParaRPr lang="zh-CN" altLang="en-US"/>
+            </a:p>
+          </p:txBody>
+        </p:sp>
+        <p:sp>
+          <p:nvSpPr>
+            <p:cNvPr id="108" name="流程图: 接点 107">
+              <a:extLst>
+                <a:ext uri="{FF2B5EF4-FFF2-40B4-BE49-F238E27FC236}">
+                  <a16:creationId xmlns:a16="http://schemas.microsoft.com/office/drawing/2014/main" id="{6EA89174-F5AD-4898-B7EE-33B39E063C08}"/>
+                </a:ext>
+              </a:extLst>
+            </p:cNvPr>
+            <p:cNvSpPr/>
+            <p:nvPr/>
+          </p:nvSpPr>
+          <p:spPr>
+            <a:xfrm>
+              <a:off x="8476313" y="1311307"/>
+              <a:ext cx="180000" cy="180000"/>
+            </a:xfrm>
+            <a:prstGeom prst="flowChartConnector">
+              <a:avLst/>
+            </a:prstGeom>
+          </p:spPr>
+          <p:style>
+            <a:lnRef idx="1">
+              <a:schemeClr val="dk1"/>
+            </a:lnRef>
+            <a:fillRef idx="2">
+              <a:schemeClr val="dk1"/>
+            </a:fillRef>
+            <a:effectRef idx="1">
+              <a:schemeClr val="dk1"/>
+            </a:effectRef>
+            <a:fontRef idx="minor">
+              <a:schemeClr val="dk1"/>
+            </a:fontRef>
+          </p:style>
+          <p:txBody>
+            <a:bodyPr rtlCol="0" anchor="ctr"/>
+            <a:lstStyle/>
+            <a:p>
+              <a:pPr algn="ctr"/>
+              <a:endParaRPr lang="zh-CN" altLang="en-US"/>
+            </a:p>
+          </p:txBody>
+        </p:sp>
+        <p:sp>
+          <p:nvSpPr>
+            <p:cNvPr id="109" name="流程图: 接点 108">
+              <a:extLst>
+                <a:ext uri="{FF2B5EF4-FFF2-40B4-BE49-F238E27FC236}">
+                  <a16:creationId xmlns:a16="http://schemas.microsoft.com/office/drawing/2014/main" id="{EC57A7AA-E797-4535-AE71-872AE3404E9F}"/>
+                </a:ext>
+              </a:extLst>
+            </p:cNvPr>
+            <p:cNvSpPr/>
+            <p:nvPr/>
+          </p:nvSpPr>
+          <p:spPr>
+            <a:xfrm>
+              <a:off x="8476313" y="1848967"/>
+              <a:ext cx="180000" cy="180000"/>
+            </a:xfrm>
+            <a:prstGeom prst="flowChartConnector">
+              <a:avLst/>
+            </a:prstGeom>
+          </p:spPr>
+          <p:style>
+            <a:lnRef idx="1">
+              <a:schemeClr val="dk1"/>
+            </a:lnRef>
+            <a:fillRef idx="2">
+              <a:schemeClr val="dk1"/>
+            </a:fillRef>
+            <a:effectRef idx="1">
+              <a:schemeClr val="dk1"/>
+            </a:effectRef>
+            <a:fontRef idx="minor">
+              <a:schemeClr val="dk1"/>
+            </a:fontRef>
+          </p:style>
+          <p:txBody>
+            <a:bodyPr rtlCol="0" anchor="ctr"/>
+            <a:lstStyle/>
+            <a:p>
+              <a:pPr algn="ctr"/>
+              <a:endParaRPr lang="zh-CN" altLang="en-US"/>
+            </a:p>
+          </p:txBody>
+        </p:sp>
+        <p:cxnSp>
+          <p:nvCxnSpPr>
+            <p:cNvPr id="110" name="直接连接符 109">
+              <a:extLst>
+                <a:ext uri="{FF2B5EF4-FFF2-40B4-BE49-F238E27FC236}">
+                  <a16:creationId xmlns:a16="http://schemas.microsoft.com/office/drawing/2014/main" id="{30DECB68-CC9D-4794-940A-5CDEDDD89242}"/>
+                </a:ext>
+              </a:extLst>
+            </p:cNvPr>
+            <p:cNvCxnSpPr>
+              <a:cxnSpLocks/>
+              <a:stCxn id="100" idx="6"/>
+              <a:endCxn id="104" idx="2"/>
+            </p:cNvCxnSpPr>
+            <p:nvPr/>
+          </p:nvCxnSpPr>
+          <p:spPr>
+            <a:xfrm flipV="1">
+              <a:off x="7859563" y="1262136"/>
+              <a:ext cx="228377" cy="135610"/>
+            </a:xfrm>
+            <a:prstGeom prst="line">
+              <a:avLst/>
+            </a:prstGeom>
+          </p:spPr>
+          <p:style>
+            <a:lnRef idx="1">
+              <a:schemeClr val="dk1"/>
+            </a:lnRef>
+            <a:fillRef idx="2">
+              <a:schemeClr val="dk1"/>
+            </a:fillRef>
+            <a:effectRef idx="1">
+              <a:schemeClr val="dk1"/>
+            </a:effectRef>
+            <a:fontRef idx="minor">
+              <a:schemeClr val="dk1"/>
+            </a:fontRef>
+          </p:style>
+        </p:cxnSp>
+        <p:cxnSp>
+          <p:nvCxnSpPr>
+            <p:cNvPr id="112" name="直接连接符 111">
+              <a:extLst>
+                <a:ext uri="{FF2B5EF4-FFF2-40B4-BE49-F238E27FC236}">
+                  <a16:creationId xmlns:a16="http://schemas.microsoft.com/office/drawing/2014/main" id="{06DD85DF-2F82-424D-962F-4E5278B4E7B5}"/>
+                </a:ext>
+              </a:extLst>
+            </p:cNvPr>
+            <p:cNvCxnSpPr>
+              <a:cxnSpLocks/>
+              <a:stCxn id="100" idx="6"/>
+              <a:endCxn id="105" idx="2"/>
+            </p:cNvCxnSpPr>
+            <p:nvPr/>
+          </p:nvCxnSpPr>
+          <p:spPr>
+            <a:xfrm>
+              <a:off x="7859563" y="1397746"/>
+              <a:ext cx="228377" cy="133220"/>
+            </a:xfrm>
+            <a:prstGeom prst="line">
+              <a:avLst/>
+            </a:prstGeom>
+          </p:spPr>
+          <p:style>
+            <a:lnRef idx="1">
+              <a:schemeClr val="dk1"/>
+            </a:lnRef>
+            <a:fillRef idx="2">
+              <a:schemeClr val="dk1"/>
+            </a:fillRef>
+            <a:effectRef idx="1">
+              <a:schemeClr val="dk1"/>
+            </a:effectRef>
+            <a:fontRef idx="minor">
+              <a:schemeClr val="dk1"/>
+            </a:fontRef>
+          </p:style>
+        </p:cxnSp>
+        <p:cxnSp>
+          <p:nvCxnSpPr>
+            <p:cNvPr id="114" name="直接连接符 113">
+              <a:extLst>
+                <a:ext uri="{FF2B5EF4-FFF2-40B4-BE49-F238E27FC236}">
+                  <a16:creationId xmlns:a16="http://schemas.microsoft.com/office/drawing/2014/main" id="{02B596F3-1A79-4D03-8D5D-3576FB17BD91}"/>
+                </a:ext>
+              </a:extLst>
+            </p:cNvPr>
+            <p:cNvCxnSpPr>
+              <a:cxnSpLocks/>
+              <a:stCxn id="100" idx="6"/>
+              <a:endCxn id="106" idx="2"/>
+            </p:cNvCxnSpPr>
+            <p:nvPr/>
+          </p:nvCxnSpPr>
+          <p:spPr>
+            <a:xfrm>
+              <a:off x="7859563" y="1397746"/>
+              <a:ext cx="228377" cy="402050"/>
+            </a:xfrm>
+            <a:prstGeom prst="line">
+              <a:avLst/>
+            </a:prstGeom>
+          </p:spPr>
+          <p:style>
+            <a:lnRef idx="1">
+              <a:schemeClr val="dk1"/>
+            </a:lnRef>
+            <a:fillRef idx="2">
+              <a:schemeClr val="dk1"/>
+            </a:fillRef>
+            <a:effectRef idx="1">
+              <a:schemeClr val="dk1"/>
+            </a:effectRef>
+            <a:fontRef idx="minor">
+              <a:schemeClr val="dk1"/>
+            </a:fontRef>
+          </p:style>
+        </p:cxnSp>
+        <p:cxnSp>
+          <p:nvCxnSpPr>
+            <p:cNvPr id="115" name="直接连接符 114">
+              <a:extLst>
+                <a:ext uri="{FF2B5EF4-FFF2-40B4-BE49-F238E27FC236}">
+                  <a16:creationId xmlns:a16="http://schemas.microsoft.com/office/drawing/2014/main" id="{B7C9CEC8-E736-49A0-AD3F-AD776457CAD8}"/>
+                </a:ext>
+              </a:extLst>
+            </p:cNvPr>
+            <p:cNvCxnSpPr>
+              <a:cxnSpLocks/>
+              <a:stCxn id="100" idx="6"/>
+              <a:endCxn id="103" idx="2"/>
+            </p:cNvCxnSpPr>
+            <p:nvPr/>
+          </p:nvCxnSpPr>
+          <p:spPr>
+            <a:xfrm>
+              <a:off x="7859563" y="1397746"/>
+              <a:ext cx="228377" cy="670880"/>
+            </a:xfrm>
+            <a:prstGeom prst="line">
+              <a:avLst/>
+            </a:prstGeom>
+          </p:spPr>
+          <p:style>
+            <a:lnRef idx="1">
+              <a:schemeClr val="dk1"/>
+            </a:lnRef>
+            <a:fillRef idx="2">
+              <a:schemeClr val="dk1"/>
+            </a:fillRef>
+            <a:effectRef idx="1">
+              <a:schemeClr val="dk1"/>
+            </a:effectRef>
+            <a:fontRef idx="minor">
+              <a:schemeClr val="dk1"/>
+            </a:fontRef>
+          </p:style>
+        </p:cxnSp>
+        <p:cxnSp>
+          <p:nvCxnSpPr>
+            <p:cNvPr id="117" name="直接连接符 116">
+              <a:extLst>
+                <a:ext uri="{FF2B5EF4-FFF2-40B4-BE49-F238E27FC236}">
+                  <a16:creationId xmlns:a16="http://schemas.microsoft.com/office/drawing/2014/main" id="{4072872D-89E6-4AD3-9867-BBB464FC73AD}"/>
+                </a:ext>
+              </a:extLst>
+            </p:cNvPr>
+            <p:cNvCxnSpPr>
+              <a:cxnSpLocks/>
+              <a:stCxn id="101" idx="6"/>
+              <a:endCxn id="104" idx="2"/>
+            </p:cNvCxnSpPr>
+            <p:nvPr/>
+          </p:nvCxnSpPr>
+          <p:spPr>
+            <a:xfrm flipV="1">
+              <a:off x="7859563" y="1262136"/>
+              <a:ext cx="228377" cy="404440"/>
+            </a:xfrm>
+            <a:prstGeom prst="line">
+              <a:avLst/>
+            </a:prstGeom>
+          </p:spPr>
+          <p:style>
+            <a:lnRef idx="1">
+              <a:schemeClr val="dk1"/>
+            </a:lnRef>
+            <a:fillRef idx="2">
+              <a:schemeClr val="dk1"/>
+            </a:fillRef>
+            <a:effectRef idx="1">
+              <a:schemeClr val="dk1"/>
+            </a:effectRef>
+            <a:fontRef idx="minor">
+              <a:schemeClr val="dk1"/>
+            </a:fontRef>
+          </p:style>
+        </p:cxnSp>
+        <p:cxnSp>
+          <p:nvCxnSpPr>
+            <p:cNvPr id="118" name="直接连接符 117">
+              <a:extLst>
+                <a:ext uri="{FF2B5EF4-FFF2-40B4-BE49-F238E27FC236}">
+                  <a16:creationId xmlns:a16="http://schemas.microsoft.com/office/drawing/2014/main" id="{9DEA91ED-0FB6-49EB-9015-1F9552331DED}"/>
+                </a:ext>
+              </a:extLst>
+            </p:cNvPr>
+            <p:cNvCxnSpPr>
+              <a:cxnSpLocks/>
+              <a:stCxn id="101" idx="6"/>
+              <a:endCxn id="105" idx="2"/>
+            </p:cNvCxnSpPr>
+            <p:nvPr/>
+          </p:nvCxnSpPr>
+          <p:spPr>
+            <a:xfrm flipV="1">
+              <a:off x="7859563" y="1530966"/>
+              <a:ext cx="228377" cy="135610"/>
+            </a:xfrm>
+            <a:prstGeom prst="line">
+              <a:avLst/>
+            </a:prstGeom>
+          </p:spPr>
+          <p:style>
+            <a:lnRef idx="1">
+              <a:schemeClr val="dk1"/>
+            </a:lnRef>
+            <a:fillRef idx="2">
+              <a:schemeClr val="dk1"/>
+            </a:fillRef>
+            <a:effectRef idx="1">
+              <a:schemeClr val="dk1"/>
+            </a:effectRef>
+            <a:fontRef idx="minor">
+              <a:schemeClr val="dk1"/>
+            </a:fontRef>
+          </p:style>
+        </p:cxnSp>
+        <p:cxnSp>
+          <p:nvCxnSpPr>
+            <p:cNvPr id="132" name="直接连接符 131">
+              <a:extLst>
+                <a:ext uri="{FF2B5EF4-FFF2-40B4-BE49-F238E27FC236}">
+                  <a16:creationId xmlns:a16="http://schemas.microsoft.com/office/drawing/2014/main" id="{7990A0B0-CAC4-4EC3-94E4-3AA39E97C7BE}"/>
+                </a:ext>
+              </a:extLst>
+            </p:cNvPr>
+            <p:cNvCxnSpPr>
+              <a:cxnSpLocks/>
+              <a:stCxn id="101" idx="6"/>
+              <a:endCxn id="106" idx="2"/>
+            </p:cNvCxnSpPr>
+            <p:nvPr/>
+          </p:nvCxnSpPr>
+          <p:spPr>
+            <a:xfrm>
+              <a:off x="7859563" y="1666576"/>
+              <a:ext cx="228377" cy="133220"/>
+            </a:xfrm>
+            <a:prstGeom prst="line">
+              <a:avLst/>
+            </a:prstGeom>
+          </p:spPr>
+          <p:style>
+            <a:lnRef idx="1">
+              <a:schemeClr val="dk1"/>
+            </a:lnRef>
+            <a:fillRef idx="2">
+              <a:schemeClr val="dk1"/>
+            </a:fillRef>
+            <a:effectRef idx="1">
+              <a:schemeClr val="dk1"/>
+            </a:effectRef>
+            <a:fontRef idx="minor">
+              <a:schemeClr val="dk1"/>
+            </a:fontRef>
+          </p:style>
+        </p:cxnSp>
+        <p:cxnSp>
+          <p:nvCxnSpPr>
+            <p:cNvPr id="137" name="直接连接符 136">
+              <a:extLst>
+                <a:ext uri="{FF2B5EF4-FFF2-40B4-BE49-F238E27FC236}">
+                  <a16:creationId xmlns:a16="http://schemas.microsoft.com/office/drawing/2014/main" id="{C31D5E22-66D7-475F-A4B3-3B550716155D}"/>
+                </a:ext>
+              </a:extLst>
+            </p:cNvPr>
+            <p:cNvCxnSpPr>
+              <a:cxnSpLocks/>
+              <a:stCxn id="101" idx="6"/>
+              <a:endCxn id="103" idx="2"/>
+            </p:cNvCxnSpPr>
+            <p:nvPr/>
+          </p:nvCxnSpPr>
+          <p:spPr>
+            <a:xfrm>
+              <a:off x="7859563" y="1666576"/>
+              <a:ext cx="228377" cy="402050"/>
+            </a:xfrm>
+            <a:prstGeom prst="line">
+              <a:avLst/>
+            </a:prstGeom>
+          </p:spPr>
+          <p:style>
+            <a:lnRef idx="1">
+              <a:schemeClr val="dk1"/>
+            </a:lnRef>
+            <a:fillRef idx="2">
+              <a:schemeClr val="dk1"/>
+            </a:fillRef>
+            <a:effectRef idx="1">
+              <a:schemeClr val="dk1"/>
+            </a:effectRef>
+            <a:fontRef idx="minor">
+              <a:schemeClr val="dk1"/>
+            </a:fontRef>
+          </p:style>
+        </p:cxnSp>
+        <p:cxnSp>
+          <p:nvCxnSpPr>
+            <p:cNvPr id="142" name="直接连接符 141">
+              <a:extLst>
+                <a:ext uri="{FF2B5EF4-FFF2-40B4-BE49-F238E27FC236}">
+                  <a16:creationId xmlns:a16="http://schemas.microsoft.com/office/drawing/2014/main" id="{1A867E91-858B-49A7-8996-46E7F37832D3}"/>
+                </a:ext>
+              </a:extLst>
+            </p:cNvPr>
+            <p:cNvCxnSpPr>
+              <a:cxnSpLocks/>
+              <a:stCxn id="102" idx="6"/>
+              <a:endCxn id="104" idx="2"/>
+            </p:cNvCxnSpPr>
+            <p:nvPr/>
+          </p:nvCxnSpPr>
+          <p:spPr>
+            <a:xfrm flipV="1">
+              <a:off x="7859563" y="1262136"/>
+              <a:ext cx="228377" cy="673270"/>
+            </a:xfrm>
+            <a:prstGeom prst="line">
+              <a:avLst/>
+            </a:prstGeom>
+          </p:spPr>
+          <p:style>
+            <a:lnRef idx="1">
+              <a:schemeClr val="dk1"/>
+            </a:lnRef>
+            <a:fillRef idx="2">
+              <a:schemeClr val="dk1"/>
+            </a:fillRef>
+            <a:effectRef idx="1">
+              <a:schemeClr val="dk1"/>
+            </a:effectRef>
+            <a:fontRef idx="minor">
+              <a:schemeClr val="dk1"/>
+            </a:fontRef>
+          </p:style>
+        </p:cxnSp>
+        <p:cxnSp>
+          <p:nvCxnSpPr>
+            <p:cNvPr id="144" name="直接连接符 143">
+              <a:extLst>
+                <a:ext uri="{FF2B5EF4-FFF2-40B4-BE49-F238E27FC236}">
+                  <a16:creationId xmlns:a16="http://schemas.microsoft.com/office/drawing/2014/main" id="{1926B53B-BB97-4514-A434-96F4E6081F27}"/>
+                </a:ext>
+              </a:extLst>
+            </p:cNvPr>
+            <p:cNvCxnSpPr>
+              <a:cxnSpLocks/>
+              <a:stCxn id="102" idx="6"/>
+              <a:endCxn id="105" idx="2"/>
+            </p:cNvCxnSpPr>
+            <p:nvPr/>
+          </p:nvCxnSpPr>
+          <p:spPr>
+            <a:xfrm flipV="1">
+              <a:off x="7859563" y="1530966"/>
+              <a:ext cx="228377" cy="404440"/>
+            </a:xfrm>
+            <a:prstGeom prst="line">
+              <a:avLst/>
+            </a:prstGeom>
+          </p:spPr>
+          <p:style>
+            <a:lnRef idx="1">
+              <a:schemeClr val="dk1"/>
+            </a:lnRef>
+            <a:fillRef idx="2">
+              <a:schemeClr val="dk1"/>
+            </a:fillRef>
+            <a:effectRef idx="1">
+              <a:schemeClr val="dk1"/>
+            </a:effectRef>
+            <a:fontRef idx="minor">
+              <a:schemeClr val="dk1"/>
+            </a:fontRef>
+          </p:style>
+        </p:cxnSp>
+        <p:cxnSp>
+          <p:nvCxnSpPr>
+            <p:cNvPr id="145" name="直接连接符 144">
+              <a:extLst>
+                <a:ext uri="{FF2B5EF4-FFF2-40B4-BE49-F238E27FC236}">
+                  <a16:creationId xmlns:a16="http://schemas.microsoft.com/office/drawing/2014/main" id="{409D77AC-4638-4BAB-B49C-2B20748E875F}"/>
+                </a:ext>
+              </a:extLst>
+            </p:cNvPr>
+            <p:cNvCxnSpPr>
+              <a:cxnSpLocks/>
+              <a:stCxn id="102" idx="6"/>
+              <a:endCxn id="106" idx="2"/>
+            </p:cNvCxnSpPr>
+            <p:nvPr/>
+          </p:nvCxnSpPr>
+          <p:spPr>
+            <a:xfrm flipV="1">
+              <a:off x="7859563" y="1799796"/>
+              <a:ext cx="228377" cy="135610"/>
+            </a:xfrm>
+            <a:prstGeom prst="line">
+              <a:avLst/>
+            </a:prstGeom>
+          </p:spPr>
+          <p:style>
+            <a:lnRef idx="1">
+              <a:schemeClr val="dk1"/>
+            </a:lnRef>
+            <a:fillRef idx="2">
+              <a:schemeClr val="dk1"/>
+            </a:fillRef>
+            <a:effectRef idx="1">
+              <a:schemeClr val="dk1"/>
+            </a:effectRef>
+            <a:fontRef idx="minor">
+              <a:schemeClr val="dk1"/>
+            </a:fontRef>
+          </p:style>
+        </p:cxnSp>
+        <p:cxnSp>
+          <p:nvCxnSpPr>
+            <p:cNvPr id="146" name="直接连接符 145">
+              <a:extLst>
+                <a:ext uri="{FF2B5EF4-FFF2-40B4-BE49-F238E27FC236}">
+                  <a16:creationId xmlns:a16="http://schemas.microsoft.com/office/drawing/2014/main" id="{53C4E2CE-4875-4861-84D7-BF14E3A1D2BF}"/>
+                </a:ext>
+              </a:extLst>
+            </p:cNvPr>
+            <p:cNvCxnSpPr>
+              <a:cxnSpLocks/>
+              <a:stCxn id="102" idx="6"/>
+              <a:endCxn id="103" idx="2"/>
+            </p:cNvCxnSpPr>
+            <p:nvPr/>
+          </p:nvCxnSpPr>
+          <p:spPr>
+            <a:xfrm>
+              <a:off x="7859563" y="1935406"/>
+              <a:ext cx="228377" cy="133220"/>
+            </a:xfrm>
+            <a:prstGeom prst="line">
+              <a:avLst/>
+            </a:prstGeom>
+          </p:spPr>
+          <p:style>
+            <a:lnRef idx="1">
+              <a:schemeClr val="dk1"/>
+            </a:lnRef>
+            <a:fillRef idx="2">
+              <a:schemeClr val="dk1"/>
+            </a:fillRef>
+            <a:effectRef idx="1">
+              <a:schemeClr val="dk1"/>
+            </a:effectRef>
+            <a:fontRef idx="minor">
+              <a:schemeClr val="dk1"/>
+            </a:fontRef>
+          </p:style>
+        </p:cxnSp>
+        <p:cxnSp>
+          <p:nvCxnSpPr>
+            <p:cNvPr id="148" name="直接连接符 147">
+              <a:extLst>
+                <a:ext uri="{FF2B5EF4-FFF2-40B4-BE49-F238E27FC236}">
+                  <a16:creationId xmlns:a16="http://schemas.microsoft.com/office/drawing/2014/main" id="{149B56A8-99BA-4ADF-842A-53C92BCBF59A}"/>
+                </a:ext>
+              </a:extLst>
+            </p:cNvPr>
+            <p:cNvCxnSpPr>
+              <a:cxnSpLocks/>
+              <a:stCxn id="104" idx="6"/>
+              <a:endCxn id="108" idx="2"/>
+            </p:cNvCxnSpPr>
+            <p:nvPr/>
+          </p:nvCxnSpPr>
+          <p:spPr>
+            <a:xfrm>
+              <a:off x="8267940" y="1262136"/>
+              <a:ext cx="208373" cy="139171"/>
+            </a:xfrm>
+            <a:prstGeom prst="line">
+              <a:avLst/>
+            </a:prstGeom>
+          </p:spPr>
+          <p:style>
+            <a:lnRef idx="1">
+              <a:schemeClr val="dk1"/>
+            </a:lnRef>
+            <a:fillRef idx="2">
+              <a:schemeClr val="dk1"/>
+            </a:fillRef>
+            <a:effectRef idx="1">
+              <a:schemeClr val="dk1"/>
+            </a:effectRef>
+            <a:fontRef idx="minor">
+              <a:schemeClr val="dk1"/>
+            </a:fontRef>
+          </p:style>
+        </p:cxnSp>
+        <p:cxnSp>
+          <p:nvCxnSpPr>
+            <p:cNvPr id="149" name="直接连接符 148">
+              <a:extLst>
+                <a:ext uri="{FF2B5EF4-FFF2-40B4-BE49-F238E27FC236}">
+                  <a16:creationId xmlns:a16="http://schemas.microsoft.com/office/drawing/2014/main" id="{0FE96ECE-461F-43C6-8A25-686EC13DF5B0}"/>
+                </a:ext>
+              </a:extLst>
+            </p:cNvPr>
+            <p:cNvCxnSpPr>
+              <a:cxnSpLocks/>
+              <a:stCxn id="105" idx="6"/>
+              <a:endCxn id="108" idx="2"/>
+            </p:cNvCxnSpPr>
+            <p:nvPr/>
+          </p:nvCxnSpPr>
+          <p:spPr>
+            <a:xfrm flipV="1">
+              <a:off x="8267940" y="1401307"/>
+              <a:ext cx="208373" cy="129659"/>
+            </a:xfrm>
+            <a:prstGeom prst="line">
+              <a:avLst/>
+            </a:prstGeom>
+          </p:spPr>
+          <p:style>
+            <a:lnRef idx="1">
+              <a:schemeClr val="dk1"/>
+            </a:lnRef>
+            <a:fillRef idx="2">
+              <a:schemeClr val="dk1"/>
+            </a:fillRef>
+            <a:effectRef idx="1">
+              <a:schemeClr val="dk1"/>
+            </a:effectRef>
+            <a:fontRef idx="minor">
+              <a:schemeClr val="dk1"/>
+            </a:fontRef>
+          </p:style>
+        </p:cxnSp>
+        <p:cxnSp>
+          <p:nvCxnSpPr>
+            <p:cNvPr id="158" name="直接连接符 157">
+              <a:extLst>
+                <a:ext uri="{FF2B5EF4-FFF2-40B4-BE49-F238E27FC236}">
+                  <a16:creationId xmlns:a16="http://schemas.microsoft.com/office/drawing/2014/main" id="{0CB026B2-2A26-437D-86E8-F25754E819CA}"/>
+                </a:ext>
+              </a:extLst>
+            </p:cNvPr>
+            <p:cNvCxnSpPr>
+              <a:cxnSpLocks/>
+              <a:stCxn id="106" idx="6"/>
+              <a:endCxn id="108" idx="2"/>
+            </p:cNvCxnSpPr>
+            <p:nvPr/>
+          </p:nvCxnSpPr>
+          <p:spPr>
+            <a:xfrm flipV="1">
+              <a:off x="8267940" y="1401307"/>
+              <a:ext cx="208373" cy="398489"/>
+            </a:xfrm>
+            <a:prstGeom prst="line">
+              <a:avLst/>
+            </a:prstGeom>
+          </p:spPr>
+          <p:style>
+            <a:lnRef idx="1">
+              <a:schemeClr val="dk1"/>
+            </a:lnRef>
+            <a:fillRef idx="2">
+              <a:schemeClr val="dk1"/>
+            </a:fillRef>
+            <a:effectRef idx="1">
+              <a:schemeClr val="dk1"/>
+            </a:effectRef>
+            <a:fontRef idx="minor">
+              <a:schemeClr val="dk1"/>
+            </a:fontRef>
+          </p:style>
+        </p:cxnSp>
+        <p:cxnSp>
+          <p:nvCxnSpPr>
+            <p:cNvPr id="159" name="直接连接符 158">
+              <a:extLst>
+                <a:ext uri="{FF2B5EF4-FFF2-40B4-BE49-F238E27FC236}">
+                  <a16:creationId xmlns:a16="http://schemas.microsoft.com/office/drawing/2014/main" id="{FC96A527-C84E-4DED-B714-3EA650C03522}"/>
+                </a:ext>
+              </a:extLst>
+            </p:cNvPr>
+            <p:cNvCxnSpPr>
+              <a:cxnSpLocks/>
+              <a:stCxn id="103" idx="6"/>
+              <a:endCxn id="108" idx="2"/>
+            </p:cNvCxnSpPr>
+            <p:nvPr/>
+          </p:nvCxnSpPr>
+          <p:spPr>
+            <a:xfrm flipV="1">
+              <a:off x="8267940" y="1401307"/>
+              <a:ext cx="208373" cy="667319"/>
+            </a:xfrm>
+            <a:prstGeom prst="line">
+              <a:avLst/>
+            </a:prstGeom>
+          </p:spPr>
+          <p:style>
+            <a:lnRef idx="1">
+              <a:schemeClr val="dk1"/>
+            </a:lnRef>
+            <a:fillRef idx="2">
+              <a:schemeClr val="dk1"/>
+            </a:fillRef>
+            <a:effectRef idx="1">
+              <a:schemeClr val="dk1"/>
+            </a:effectRef>
+            <a:fontRef idx="minor">
+              <a:schemeClr val="dk1"/>
+            </a:fontRef>
+          </p:style>
+        </p:cxnSp>
+        <p:cxnSp>
+          <p:nvCxnSpPr>
+            <p:cNvPr id="161" name="直接连接符 160">
+              <a:extLst>
+                <a:ext uri="{FF2B5EF4-FFF2-40B4-BE49-F238E27FC236}">
+                  <a16:creationId xmlns:a16="http://schemas.microsoft.com/office/drawing/2014/main" id="{2B268310-A8A9-4226-BBFD-C9466EFC0797}"/>
+                </a:ext>
+              </a:extLst>
+            </p:cNvPr>
+            <p:cNvCxnSpPr>
+              <a:cxnSpLocks/>
+              <a:stCxn id="109" idx="2"/>
+              <a:endCxn id="104" idx="6"/>
+            </p:cNvCxnSpPr>
+            <p:nvPr/>
+          </p:nvCxnSpPr>
+          <p:spPr>
+            <a:xfrm flipH="1" flipV="1">
+              <a:off x="8267940" y="1262136"/>
+              <a:ext cx="208373" cy="676831"/>
+            </a:xfrm>
+            <a:prstGeom prst="line">
+              <a:avLst/>
+            </a:prstGeom>
+          </p:spPr>
+          <p:style>
+            <a:lnRef idx="1">
+              <a:schemeClr val="dk1"/>
+            </a:lnRef>
+            <a:fillRef idx="2">
+              <a:schemeClr val="dk1"/>
+            </a:fillRef>
+            <a:effectRef idx="1">
+              <a:schemeClr val="dk1"/>
+            </a:effectRef>
+            <a:fontRef idx="minor">
+              <a:schemeClr val="dk1"/>
+            </a:fontRef>
+          </p:style>
+        </p:cxnSp>
+        <p:cxnSp>
+          <p:nvCxnSpPr>
+            <p:cNvPr id="171" name="直接连接符 170">
+              <a:extLst>
+                <a:ext uri="{FF2B5EF4-FFF2-40B4-BE49-F238E27FC236}">
+                  <a16:creationId xmlns:a16="http://schemas.microsoft.com/office/drawing/2014/main" id="{3CBBC026-F876-4B31-9368-8042A4ABC6EB}"/>
+                </a:ext>
+              </a:extLst>
+            </p:cNvPr>
+            <p:cNvCxnSpPr>
+              <a:cxnSpLocks/>
+              <a:stCxn id="109" idx="2"/>
+              <a:endCxn id="105" idx="6"/>
+            </p:cNvCxnSpPr>
+            <p:nvPr/>
+          </p:nvCxnSpPr>
+          <p:spPr>
+            <a:xfrm flipH="1" flipV="1">
+              <a:off x="8267940" y="1530966"/>
+              <a:ext cx="208373" cy="408001"/>
+            </a:xfrm>
+            <a:prstGeom prst="line">
+              <a:avLst/>
+            </a:prstGeom>
+          </p:spPr>
+          <p:style>
+            <a:lnRef idx="1">
+              <a:schemeClr val="dk1"/>
+            </a:lnRef>
+            <a:fillRef idx="2">
+              <a:schemeClr val="dk1"/>
+            </a:fillRef>
+            <a:effectRef idx="1">
+              <a:schemeClr val="dk1"/>
+            </a:effectRef>
+            <a:fontRef idx="minor">
+              <a:schemeClr val="dk1"/>
+            </a:fontRef>
+          </p:style>
+        </p:cxnSp>
+        <p:cxnSp>
+          <p:nvCxnSpPr>
+            <p:cNvPr id="172" name="直接连接符 171">
+              <a:extLst>
+                <a:ext uri="{FF2B5EF4-FFF2-40B4-BE49-F238E27FC236}">
+                  <a16:creationId xmlns:a16="http://schemas.microsoft.com/office/drawing/2014/main" id="{F79E8CED-98DE-41ED-98A5-CD02A0A3888D}"/>
+                </a:ext>
+              </a:extLst>
+            </p:cNvPr>
+            <p:cNvCxnSpPr>
+              <a:cxnSpLocks/>
+              <a:stCxn id="109" idx="2"/>
+              <a:endCxn id="106" idx="6"/>
+            </p:cNvCxnSpPr>
+            <p:nvPr/>
+          </p:nvCxnSpPr>
+          <p:spPr>
+            <a:xfrm flipH="1" flipV="1">
+              <a:off x="8267940" y="1799796"/>
+              <a:ext cx="208373" cy="139171"/>
+            </a:xfrm>
+            <a:prstGeom prst="line">
+              <a:avLst/>
+            </a:prstGeom>
+          </p:spPr>
+          <p:style>
+            <a:lnRef idx="1">
+              <a:schemeClr val="dk1"/>
+            </a:lnRef>
+            <a:fillRef idx="2">
+              <a:schemeClr val="dk1"/>
+            </a:fillRef>
+            <a:effectRef idx="1">
+              <a:schemeClr val="dk1"/>
+            </a:effectRef>
+            <a:fontRef idx="minor">
+              <a:schemeClr val="dk1"/>
+            </a:fontRef>
+          </p:style>
+        </p:cxnSp>
+        <p:cxnSp>
+          <p:nvCxnSpPr>
+            <p:cNvPr id="173" name="直接连接符 172">
+              <a:extLst>
+                <a:ext uri="{FF2B5EF4-FFF2-40B4-BE49-F238E27FC236}">
+                  <a16:creationId xmlns:a16="http://schemas.microsoft.com/office/drawing/2014/main" id="{BC7D258E-8223-4F89-939D-9CE7DD36BF7B}"/>
+                </a:ext>
+              </a:extLst>
+            </p:cNvPr>
+            <p:cNvCxnSpPr>
+              <a:cxnSpLocks/>
+              <a:stCxn id="109" idx="2"/>
+              <a:endCxn id="103" idx="6"/>
+            </p:cNvCxnSpPr>
+            <p:nvPr/>
+          </p:nvCxnSpPr>
+          <p:spPr>
+            <a:xfrm flipH="1">
+              <a:off x="8267940" y="1938967"/>
+              <a:ext cx="208373" cy="129659"/>
+            </a:xfrm>
+            <a:prstGeom prst="line">
+              <a:avLst/>
+            </a:prstGeom>
+          </p:spPr>
+          <p:style>
+            <a:lnRef idx="1">
+              <a:schemeClr val="dk1"/>
+            </a:lnRef>
+            <a:fillRef idx="2">
+              <a:schemeClr val="dk1"/>
+            </a:fillRef>
+            <a:effectRef idx="1">
+              <a:schemeClr val="dk1"/>
+            </a:effectRef>
+            <a:fontRef idx="minor">
+              <a:schemeClr val="dk1"/>
+            </a:fontRef>
+          </p:style>
+        </p:cxnSp>
+        <p:sp>
+          <p:nvSpPr>
+            <p:cNvPr id="175" name="流程图: 接点 174">
+              <a:extLst>
+                <a:ext uri="{FF2B5EF4-FFF2-40B4-BE49-F238E27FC236}">
+                  <a16:creationId xmlns:a16="http://schemas.microsoft.com/office/drawing/2014/main" id="{92AC3D7C-BC91-4F5C-A391-C42CDDFB6661}"/>
+                </a:ext>
+              </a:extLst>
+            </p:cNvPr>
+            <p:cNvSpPr/>
+            <p:nvPr/>
+          </p:nvSpPr>
+          <p:spPr>
+            <a:xfrm>
+              <a:off x="8476313" y="1576576"/>
+              <a:ext cx="180000" cy="180000"/>
+            </a:xfrm>
+            <a:prstGeom prst="flowChartConnector">
+              <a:avLst/>
+            </a:prstGeom>
+          </p:spPr>
+          <p:style>
+            <a:lnRef idx="1">
+              <a:schemeClr val="dk1"/>
+            </a:lnRef>
+            <a:fillRef idx="2">
+              <a:schemeClr val="dk1"/>
+            </a:fillRef>
+            <a:effectRef idx="1">
+              <a:schemeClr val="dk1"/>
+            </a:effectRef>
+            <a:fontRef idx="minor">
+              <a:schemeClr val="dk1"/>
+            </a:fontRef>
+          </p:style>
+          <p:txBody>
+            <a:bodyPr rtlCol="0" anchor="ctr"/>
+            <a:lstStyle/>
+            <a:p>
+              <a:pPr algn="ctr"/>
+              <a:endParaRPr lang="zh-CN" altLang="en-US"/>
+            </a:p>
+          </p:txBody>
+        </p:sp>
+        <p:cxnSp>
+          <p:nvCxnSpPr>
+            <p:cNvPr id="176" name="直接连接符 175">
+              <a:extLst>
+                <a:ext uri="{FF2B5EF4-FFF2-40B4-BE49-F238E27FC236}">
+                  <a16:creationId xmlns:a16="http://schemas.microsoft.com/office/drawing/2014/main" id="{AF9D0753-3DFB-47EA-968B-6ED603746B0E}"/>
+                </a:ext>
+              </a:extLst>
+            </p:cNvPr>
+            <p:cNvCxnSpPr>
+              <a:cxnSpLocks/>
+              <a:stCxn id="104" idx="6"/>
+              <a:endCxn id="175" idx="2"/>
+            </p:cNvCxnSpPr>
+            <p:nvPr/>
+          </p:nvCxnSpPr>
+          <p:spPr>
+            <a:xfrm>
+              <a:off x="8267940" y="1262136"/>
+              <a:ext cx="208373" cy="404440"/>
+            </a:xfrm>
+            <a:prstGeom prst="line">
+              <a:avLst/>
+            </a:prstGeom>
+          </p:spPr>
+          <p:style>
+            <a:lnRef idx="1">
+              <a:schemeClr val="dk1"/>
+            </a:lnRef>
+            <a:fillRef idx="2">
+              <a:schemeClr val="dk1"/>
+            </a:fillRef>
+            <a:effectRef idx="1">
+              <a:schemeClr val="dk1"/>
+            </a:effectRef>
+            <a:fontRef idx="minor">
+              <a:schemeClr val="dk1"/>
+            </a:fontRef>
+          </p:style>
+        </p:cxnSp>
+        <p:cxnSp>
+          <p:nvCxnSpPr>
+            <p:cNvPr id="177" name="直接连接符 176">
+              <a:extLst>
+                <a:ext uri="{FF2B5EF4-FFF2-40B4-BE49-F238E27FC236}">
+                  <a16:creationId xmlns:a16="http://schemas.microsoft.com/office/drawing/2014/main" id="{847889A8-8416-4DB3-AC06-516DA42F7A64}"/>
+                </a:ext>
+              </a:extLst>
+            </p:cNvPr>
+            <p:cNvCxnSpPr>
+              <a:cxnSpLocks/>
+              <a:stCxn id="103" idx="6"/>
+              <a:endCxn id="175" idx="2"/>
+            </p:cNvCxnSpPr>
+            <p:nvPr/>
+          </p:nvCxnSpPr>
+          <p:spPr>
+            <a:xfrm flipV="1">
+              <a:off x="8267940" y="1666576"/>
+              <a:ext cx="208373" cy="402050"/>
+            </a:xfrm>
+            <a:prstGeom prst="line">
+              <a:avLst/>
+            </a:prstGeom>
+          </p:spPr>
+          <p:style>
+            <a:lnRef idx="1">
+              <a:schemeClr val="dk1"/>
+            </a:lnRef>
+            <a:fillRef idx="2">
+              <a:schemeClr val="dk1"/>
+            </a:fillRef>
+            <a:effectRef idx="1">
+              <a:schemeClr val="dk1"/>
+            </a:effectRef>
+            <a:fontRef idx="minor">
+              <a:schemeClr val="dk1"/>
+            </a:fontRef>
+          </p:style>
+        </p:cxnSp>
+        <p:cxnSp>
+          <p:nvCxnSpPr>
+            <p:cNvPr id="178" name="直接连接符 177">
+              <a:extLst>
+                <a:ext uri="{FF2B5EF4-FFF2-40B4-BE49-F238E27FC236}">
+                  <a16:creationId xmlns:a16="http://schemas.microsoft.com/office/drawing/2014/main" id="{1492E919-DC87-41D0-A248-FE560050D357}"/>
+                </a:ext>
+              </a:extLst>
+            </p:cNvPr>
+            <p:cNvCxnSpPr>
+              <a:cxnSpLocks/>
+              <a:stCxn id="106" idx="6"/>
+              <a:endCxn id="175" idx="2"/>
+            </p:cNvCxnSpPr>
+            <p:nvPr/>
+          </p:nvCxnSpPr>
+          <p:spPr>
+            <a:xfrm flipV="1">
+              <a:off x="8267940" y="1666576"/>
+              <a:ext cx="208373" cy="133220"/>
+            </a:xfrm>
+            <a:prstGeom prst="line">
+              <a:avLst/>
+            </a:prstGeom>
+          </p:spPr>
+          <p:style>
+            <a:lnRef idx="1">
+              <a:schemeClr val="dk1"/>
+            </a:lnRef>
+            <a:fillRef idx="2">
+              <a:schemeClr val="dk1"/>
+            </a:fillRef>
+            <a:effectRef idx="1">
+              <a:schemeClr val="dk1"/>
+            </a:effectRef>
+            <a:fontRef idx="minor">
+              <a:schemeClr val="dk1"/>
+            </a:fontRef>
+          </p:style>
+        </p:cxnSp>
+        <p:cxnSp>
+          <p:nvCxnSpPr>
+            <p:cNvPr id="180" name="直接连接符 179">
+              <a:extLst>
+                <a:ext uri="{FF2B5EF4-FFF2-40B4-BE49-F238E27FC236}">
+                  <a16:creationId xmlns:a16="http://schemas.microsoft.com/office/drawing/2014/main" id="{D94AE3A7-0C15-45B0-BD0B-A41595E719C7}"/>
+                </a:ext>
+              </a:extLst>
+            </p:cNvPr>
+            <p:cNvCxnSpPr>
+              <a:cxnSpLocks/>
+              <a:stCxn id="105" idx="6"/>
+              <a:endCxn id="175" idx="2"/>
+            </p:cNvCxnSpPr>
+            <p:nvPr/>
+          </p:nvCxnSpPr>
+          <p:spPr>
+            <a:xfrm>
+              <a:off x="8267940" y="1530966"/>
+              <a:ext cx="208373" cy="135610"/>
+            </a:xfrm>
+            <a:prstGeom prst="line">
+              <a:avLst/>
+            </a:prstGeom>
+          </p:spPr>
+          <p:style>
+            <a:lnRef idx="1">
+              <a:schemeClr val="dk1"/>
+            </a:lnRef>
+            <a:fillRef idx="2">
+              <a:schemeClr val="dk1"/>
+            </a:fillRef>
+            <a:effectRef idx="1">
+              <a:schemeClr val="dk1"/>
+            </a:effectRef>
+            <a:fontRef idx="minor">
+              <a:schemeClr val="dk1"/>
+            </a:fontRef>
+          </p:style>
+        </p:cxnSp>
       </p:grpSp>
     </p:spTree>
     <p:extLst>

--- a/Manuscript/figures/Figure_FLPhish.pptx
+++ b/Manuscript/figures/Figure_FLPhish.pptx
@@ -241,7 +241,7 @@
           <a:p>
             <a:fld id="{D997B5FA-0921-464F-AAE1-844C04324D75}" type="datetimeFigureOut">
               <a:rPr lang="zh-CN" altLang="en-US" smtClean="0"/>
-              <a:t>2021-12-24</a:t>
+              <a:t>2022-01-01</a:t>
             </a:fld>
             <a:endParaRPr lang="zh-CN" altLang="en-US"/>
           </a:p>
@@ -404,7 +404,7 @@
           <a:p>
             <a:fld id="{D997B5FA-0921-464F-AAE1-844C04324D75}" type="datetimeFigureOut">
               <a:rPr lang="zh-CN" altLang="en-US" smtClean="0"/>
-              <a:t>2021-12-24</a:t>
+              <a:t>2022-01-01</a:t>
             </a:fld>
             <a:endParaRPr lang="zh-CN" altLang="en-US"/>
           </a:p>
@@ -577,7 +577,7 @@
           <a:p>
             <a:fld id="{D997B5FA-0921-464F-AAE1-844C04324D75}" type="datetimeFigureOut">
               <a:rPr lang="zh-CN" altLang="en-US" smtClean="0"/>
-              <a:t>2021-12-24</a:t>
+              <a:t>2022-01-01</a:t>
             </a:fld>
             <a:endParaRPr lang="zh-CN" altLang="en-US"/>
           </a:p>
@@ -740,7 +740,7 @@
           <a:p>
             <a:fld id="{D997B5FA-0921-464F-AAE1-844C04324D75}" type="datetimeFigureOut">
               <a:rPr lang="zh-CN" altLang="en-US" smtClean="0"/>
-              <a:t>2021-12-24</a:t>
+              <a:t>2022-01-01</a:t>
             </a:fld>
             <a:endParaRPr lang="zh-CN" altLang="en-US"/>
           </a:p>
@@ -980,7 +980,7 @@
           <a:p>
             <a:fld id="{D997B5FA-0921-464F-AAE1-844C04324D75}" type="datetimeFigureOut">
               <a:rPr lang="zh-CN" altLang="en-US" smtClean="0"/>
-              <a:t>2021-12-24</a:t>
+              <a:t>2022-01-01</a:t>
             </a:fld>
             <a:endParaRPr lang="zh-CN" altLang="en-US"/>
           </a:p>
@@ -1204,7 +1204,7 @@
           <a:p>
             <a:fld id="{D997B5FA-0921-464F-AAE1-844C04324D75}" type="datetimeFigureOut">
               <a:rPr lang="zh-CN" altLang="en-US" smtClean="0"/>
-              <a:t>2021-12-24</a:t>
+              <a:t>2022-01-01</a:t>
             </a:fld>
             <a:endParaRPr lang="zh-CN" altLang="en-US"/>
           </a:p>
@@ -1563,7 +1563,7 @@
           <a:p>
             <a:fld id="{D997B5FA-0921-464F-AAE1-844C04324D75}" type="datetimeFigureOut">
               <a:rPr lang="zh-CN" altLang="en-US" smtClean="0"/>
-              <a:t>2021-12-24</a:t>
+              <a:t>2022-01-01</a:t>
             </a:fld>
             <a:endParaRPr lang="zh-CN" altLang="en-US"/>
           </a:p>
@@ -1675,7 +1675,7 @@
           <a:p>
             <a:fld id="{D997B5FA-0921-464F-AAE1-844C04324D75}" type="datetimeFigureOut">
               <a:rPr lang="zh-CN" altLang="en-US" smtClean="0"/>
-              <a:t>2021-12-24</a:t>
+              <a:t>2022-01-01</a:t>
             </a:fld>
             <a:endParaRPr lang="zh-CN" altLang="en-US"/>
           </a:p>
@@ -1765,7 +1765,7 @@
           <a:p>
             <a:fld id="{D997B5FA-0921-464F-AAE1-844C04324D75}" type="datetimeFigureOut">
               <a:rPr lang="zh-CN" altLang="en-US" smtClean="0"/>
-              <a:t>2021-12-24</a:t>
+              <a:t>2022-01-01</a:t>
             </a:fld>
             <a:endParaRPr lang="zh-CN" altLang="en-US"/>
           </a:p>
@@ -2035,7 +2035,7 @@
           <a:p>
             <a:fld id="{D997B5FA-0921-464F-AAE1-844C04324D75}" type="datetimeFigureOut">
               <a:rPr lang="zh-CN" altLang="en-US" smtClean="0"/>
-              <a:t>2021-12-24</a:t>
+              <a:t>2022-01-01</a:t>
             </a:fld>
             <a:endParaRPr lang="zh-CN" altLang="en-US"/>
           </a:p>
@@ -2282,7 +2282,7 @@
           <a:p>
             <a:fld id="{D997B5FA-0921-464F-AAE1-844C04324D75}" type="datetimeFigureOut">
               <a:rPr lang="zh-CN" altLang="en-US" smtClean="0"/>
-              <a:t>2021-12-24</a:t>
+              <a:t>2022-01-01</a:t>
             </a:fld>
             <a:endParaRPr lang="zh-CN" altLang="en-US"/>
           </a:p>
@@ -2488,7 +2488,7 @@
           <a:p>
             <a:fld id="{D997B5FA-0921-464F-AAE1-844C04324D75}" type="datetimeFigureOut">
               <a:rPr lang="zh-CN" altLang="en-US" smtClean="0"/>
-              <a:t>2021-12-24</a:t>
+              <a:t>2022-01-01</a:t>
             </a:fld>
             <a:endParaRPr lang="zh-CN" altLang="en-US"/>
           </a:p>
@@ -6925,6 +6925,36 @@
           </p:style>
         </p:cxnSp>
       </p:grpSp>
+      <p:pic>
+        <p:nvPicPr>
+          <p:cNvPr id="181" name="图片 180" descr="病毒 (1)">
+            <a:extLst>
+              <a:ext uri="{FF2B5EF4-FFF2-40B4-BE49-F238E27FC236}">
+                <a16:creationId xmlns:a16="http://schemas.microsoft.com/office/drawing/2014/main" id="{37328718-DF75-4ADC-87E3-CCDF5E142028}"/>
+              </a:ext>
+            </a:extLst>
+          </p:cNvPr>
+          <p:cNvPicPr>
+            <a:picLocks noChangeAspect="1"/>
+          </p:cNvPicPr>
+          <p:nvPr/>
+        </p:nvPicPr>
+        <p:blipFill>
+          <a:blip r:embed="rId11"/>
+          <a:stretch>
+            <a:fillRect/>
+          </a:stretch>
+        </p:blipFill>
+        <p:spPr>
+          <a:xfrm>
+            <a:off x="4172243" y="2987079"/>
+            <a:ext cx="360045" cy="360045"/>
+          </a:xfrm>
+          <a:prstGeom prst="rect">
+            <a:avLst/>
+          </a:prstGeom>
+        </p:spPr>
+      </p:pic>
     </p:spTree>
     <p:extLst>
       <p:ext uri="{BB962C8B-B14F-4D97-AF65-F5344CB8AC3E}">

--- a/Manuscript/figures/Figure_FLPhish.pptx
+++ b/Manuscript/figures/Figure_FLPhish.pptx
@@ -241,7 +241,7 @@
           <a:p>
             <a:fld id="{D997B5FA-0921-464F-AAE1-844C04324D75}" type="datetimeFigureOut">
               <a:rPr lang="zh-CN" altLang="en-US" smtClean="0"/>
-              <a:t>2022-01-01</a:t>
+              <a:t>2022-01-21</a:t>
             </a:fld>
             <a:endParaRPr lang="zh-CN" altLang="en-US"/>
           </a:p>
@@ -404,7 +404,7 @@
           <a:p>
             <a:fld id="{D997B5FA-0921-464F-AAE1-844C04324D75}" type="datetimeFigureOut">
               <a:rPr lang="zh-CN" altLang="en-US" smtClean="0"/>
-              <a:t>2022-01-01</a:t>
+              <a:t>2022-01-21</a:t>
             </a:fld>
             <a:endParaRPr lang="zh-CN" altLang="en-US"/>
           </a:p>
@@ -577,7 +577,7 @@
           <a:p>
             <a:fld id="{D997B5FA-0921-464F-AAE1-844C04324D75}" type="datetimeFigureOut">
               <a:rPr lang="zh-CN" altLang="en-US" smtClean="0"/>
-              <a:t>2022-01-01</a:t>
+              <a:t>2022-01-21</a:t>
             </a:fld>
             <a:endParaRPr lang="zh-CN" altLang="en-US"/>
           </a:p>
@@ -740,7 +740,7 @@
           <a:p>
             <a:fld id="{D997B5FA-0921-464F-AAE1-844C04324D75}" type="datetimeFigureOut">
               <a:rPr lang="zh-CN" altLang="en-US" smtClean="0"/>
-              <a:t>2022-01-01</a:t>
+              <a:t>2022-01-21</a:t>
             </a:fld>
             <a:endParaRPr lang="zh-CN" altLang="en-US"/>
           </a:p>
@@ -980,7 +980,7 @@
           <a:p>
             <a:fld id="{D997B5FA-0921-464F-AAE1-844C04324D75}" type="datetimeFigureOut">
               <a:rPr lang="zh-CN" altLang="en-US" smtClean="0"/>
-              <a:t>2022-01-01</a:t>
+              <a:t>2022-01-21</a:t>
             </a:fld>
             <a:endParaRPr lang="zh-CN" altLang="en-US"/>
           </a:p>
@@ -1204,7 +1204,7 @@
           <a:p>
             <a:fld id="{D997B5FA-0921-464F-AAE1-844C04324D75}" type="datetimeFigureOut">
               <a:rPr lang="zh-CN" altLang="en-US" smtClean="0"/>
-              <a:t>2022-01-01</a:t>
+              <a:t>2022-01-21</a:t>
             </a:fld>
             <a:endParaRPr lang="zh-CN" altLang="en-US"/>
           </a:p>
@@ -1563,7 +1563,7 @@
           <a:p>
             <a:fld id="{D997B5FA-0921-464F-AAE1-844C04324D75}" type="datetimeFigureOut">
               <a:rPr lang="zh-CN" altLang="en-US" smtClean="0"/>
-              <a:t>2022-01-01</a:t>
+              <a:t>2022-01-21</a:t>
             </a:fld>
             <a:endParaRPr lang="zh-CN" altLang="en-US"/>
           </a:p>
@@ -1675,7 +1675,7 @@
           <a:p>
             <a:fld id="{D997B5FA-0921-464F-AAE1-844C04324D75}" type="datetimeFigureOut">
               <a:rPr lang="zh-CN" altLang="en-US" smtClean="0"/>
-              <a:t>2022-01-01</a:t>
+              <a:t>2022-01-21</a:t>
             </a:fld>
             <a:endParaRPr lang="zh-CN" altLang="en-US"/>
           </a:p>
@@ -1765,7 +1765,7 @@
           <a:p>
             <a:fld id="{D997B5FA-0921-464F-AAE1-844C04324D75}" type="datetimeFigureOut">
               <a:rPr lang="zh-CN" altLang="en-US" smtClean="0"/>
-              <a:t>2022-01-01</a:t>
+              <a:t>2022-01-21</a:t>
             </a:fld>
             <a:endParaRPr lang="zh-CN" altLang="en-US"/>
           </a:p>
@@ -2035,7 +2035,7 @@
           <a:p>
             <a:fld id="{D997B5FA-0921-464F-AAE1-844C04324D75}" type="datetimeFigureOut">
               <a:rPr lang="zh-CN" altLang="en-US" smtClean="0"/>
-              <a:t>2022-01-01</a:t>
+              <a:t>2022-01-21</a:t>
             </a:fld>
             <a:endParaRPr lang="zh-CN" altLang="en-US"/>
           </a:p>
@@ -2282,7 +2282,7 @@
           <a:p>
             <a:fld id="{D997B5FA-0921-464F-AAE1-844C04324D75}" type="datetimeFigureOut">
               <a:rPr lang="zh-CN" altLang="en-US" smtClean="0"/>
-              <a:t>2022-01-01</a:t>
+              <a:t>2022-01-21</a:t>
             </a:fld>
             <a:endParaRPr lang="zh-CN" altLang="en-US"/>
           </a:p>
@@ -2488,7 +2488,7 @@
           <a:p>
             <a:fld id="{D997B5FA-0921-464F-AAE1-844C04324D75}" type="datetimeFigureOut">
               <a:rPr lang="zh-CN" altLang="en-US" smtClean="0"/>
-              <a:t>2022-01-01</a:t>
+              <a:t>2022-01-21</a:t>
             </a:fld>
             <a:endParaRPr lang="zh-CN" altLang="en-US"/>
           </a:p>
@@ -3444,7 +3444,9 @@
             </a:prstGeom>
             <a:ln w="19050" cmpd="sng">
               <a:solidFill>
-                <a:schemeClr val="tx1"/>
+                <a:schemeClr val="bg1">
+                  <a:lumMod val="65000"/>
+                </a:schemeClr>
               </a:solidFill>
               <a:prstDash val="dash"/>
             </a:ln>
@@ -3878,9 +3880,9 @@
         <p:grpSpPr>
           <a:xfrm>
             <a:off x="4640356" y="3424274"/>
-            <a:ext cx="2264316" cy="1768402"/>
+            <a:ext cx="2109376" cy="1770307"/>
             <a:chOff x="4640356" y="3424274"/>
-            <a:chExt cx="2264316" cy="1768402"/>
+            <a:chExt cx="2109376" cy="1770307"/>
           </a:xfrm>
         </p:grpSpPr>
         <p:grpSp>
@@ -4026,9 +4028,9 @@
           <p:grpSpPr>
             <a:xfrm>
               <a:off x="4741227" y="4139846"/>
-              <a:ext cx="2163445" cy="1052830"/>
+              <a:ext cx="2008505" cy="1054735"/>
               <a:chOff x="8053" y="7262"/>
-              <a:chExt cx="3407" cy="1658"/>
+              <a:chExt cx="3163" cy="1661"/>
             </a:xfrm>
           </p:grpSpPr>
           <p:grpSp>
@@ -4040,9 +4042,9 @@
             <p:grpSpPr>
               <a:xfrm>
                 <a:off x="8478" y="7262"/>
-                <a:ext cx="2244" cy="1126"/>
+                <a:ext cx="2245" cy="1127"/>
                 <a:chOff x="9518" y="1900"/>
-                <a:chExt cx="2244" cy="1126"/>
+                <a:chExt cx="2245" cy="1127"/>
               </a:xfrm>
             </p:grpSpPr>
             <p:sp>
@@ -4061,7 +4063,9 @@
                 </a:prstGeom>
                 <a:ln w="19050" cmpd="sng">
                   <a:solidFill>
-                    <a:schemeClr val="tx1"/>
+                    <a:schemeClr val="bg1">
+                      <a:lumMod val="65000"/>
+                    </a:schemeClr>
                   </a:solidFill>
                   <a:prstDash val="dash"/>
                 </a:ln>
@@ -4263,7 +4267,7 @@
             </p:nvSpPr>
             <p:spPr>
               <a:xfrm>
-                <a:off x="9579" y="8338"/>
+                <a:off x="9335" y="8341"/>
                 <a:ext cx="1881" cy="582"/>
               </a:xfrm>
               <a:prstGeom prst="rect">
@@ -4325,10 +4329,10 @@
         </p:nvGrpSpPr>
         <p:grpSpPr>
           <a:xfrm>
-            <a:off x="7304092" y="4063164"/>
-            <a:ext cx="1877060" cy="1076960"/>
-            <a:chOff x="7846" y="7262"/>
-            <a:chExt cx="2956" cy="1696"/>
+            <a:off x="7418392" y="4063164"/>
+            <a:ext cx="1838960" cy="1076960"/>
+            <a:chOff x="8026" y="7262"/>
+            <a:chExt cx="2896" cy="1696"/>
           </a:xfrm>
         </p:grpSpPr>
         <p:grpSp>
@@ -4361,9 +4365,11 @@
               </a:prstGeom>
               <a:ln w="19050" cmpd="sng">
                 <a:solidFill>
-                  <a:schemeClr val="tx1"/>
+                  <a:schemeClr val="bg1">
+                    <a:lumMod val="65000"/>
+                  </a:schemeClr>
                 </a:solidFill>
-                <a:prstDash val="lgDash"/>
+                <a:prstDash val="dash"/>
               </a:ln>
             </p:spPr>
             <p:style>
@@ -4563,7 +4569,7 @@
           </p:nvSpPr>
           <p:spPr>
             <a:xfrm>
-              <a:off x="9288" y="8375"/>
+              <a:off x="9408" y="8375"/>
               <a:ext cx="1514" cy="582"/>
             </a:xfrm>
             <a:prstGeom prst="rect">
@@ -4593,7 +4599,7 @@
           </p:nvSpPr>
           <p:spPr>
             <a:xfrm>
-              <a:off x="7846" y="8376"/>
+              <a:off x="8026" y="8376"/>
               <a:ext cx="1681" cy="582"/>
             </a:xfrm>
             <a:prstGeom prst="rect">
@@ -4621,14 +4627,13 @@
           <p:cNvPr id="57" name="直接箭头连接符 56"/>
           <p:cNvCxnSpPr>
             <a:cxnSpLocks/>
-            <a:endCxn id="124" idx="2"/>
           </p:cNvCxnSpPr>
           <p:nvPr/>
         </p:nvCxnSpPr>
         <p:spPr>
           <a:xfrm flipV="1">
-            <a:off x="5744409" y="2401128"/>
-            <a:ext cx="0" cy="460375"/>
+            <a:off x="5725359" y="2401128"/>
+            <a:ext cx="0" cy="425872"/>
           </a:xfrm>
           <a:prstGeom prst="straightConnector1">
             <a:avLst/>
@@ -4706,9 +4711,11 @@
               </a:prstGeom>
               <a:ln w="19050" cmpd="sng">
                 <a:solidFill>
-                  <a:schemeClr val="tx1"/>
+                  <a:schemeClr val="bg1">
+                    <a:lumMod val="65000"/>
+                  </a:schemeClr>
                 </a:solidFill>
-                <a:prstDash val="lgDash"/>
+                <a:prstDash val="dash"/>
               </a:ln>
             </p:spPr>
             <p:style>
@@ -5476,7 +5483,7 @@
           <a:noFill/>
           <a:ln w="19050">
             <a:solidFill>
-              <a:schemeClr val="accent2"/>
+              <a:srgbClr val="C00000"/>
             </a:solidFill>
             <a:prstDash val="dash"/>
           </a:ln>

--- a/Manuscript/figures/Figure_FLPhish.pptx
+++ b/Manuscript/figures/Figure_FLPhish.pptx
@@ -3414,169 +3414,139 @@
           </a:p>
         </p:txBody>
       </p:sp>
+      <p:sp>
+        <p:nvSpPr>
+          <p:cNvPr id="124" name="矩形 123"/>
+          <p:cNvSpPr/>
+          <p:nvPr/>
+        </p:nvSpPr>
+        <p:spPr>
+          <a:xfrm>
+            <a:off x="5031621" y="1840385"/>
+            <a:ext cx="1425575" cy="560743"/>
+          </a:xfrm>
+          <a:prstGeom prst="rect">
+            <a:avLst/>
+          </a:prstGeom>
+          <a:ln w="19050" cmpd="sng">
+            <a:solidFill>
+              <a:schemeClr val="bg1">
+                <a:lumMod val="65000"/>
+              </a:schemeClr>
+            </a:solidFill>
+            <a:prstDash val="dash"/>
+          </a:ln>
+        </p:spPr>
+        <p:style>
+          <a:lnRef idx="2">
+            <a:schemeClr val="accent6"/>
+          </a:lnRef>
+          <a:fillRef idx="1">
+            <a:schemeClr val="lt1"/>
+          </a:fillRef>
+          <a:effectRef idx="0">
+            <a:schemeClr val="accent6"/>
+          </a:effectRef>
+          <a:fontRef idx="minor">
+            <a:schemeClr val="dk1"/>
+          </a:fontRef>
+        </p:style>
+        <p:txBody>
+          <a:bodyPr rtlCol="0" anchor="ctr"/>
+          <a:lstStyle/>
+          <a:p>
+            <a:pPr algn="ctr"/>
+            <a:endParaRPr lang="zh-CN" altLang="en-US" sz="900"/>
+          </a:p>
+        </p:txBody>
+      </p:sp>
       <p:grpSp>
         <p:nvGrpSpPr>
-          <p:cNvPr id="125" name="组合 124"/>
+          <p:cNvPr id="121" name="组合 120"/>
           <p:cNvGrpSpPr/>
           <p:nvPr/>
         </p:nvGrpSpPr>
         <p:grpSpPr>
           <a:xfrm>
-            <a:off x="5031621" y="1682943"/>
-            <a:ext cx="1425575" cy="742950"/>
-            <a:chOff x="4470" y="506"/>
-            <a:chExt cx="2245" cy="1170"/>
+            <a:off x="5727513" y="1803555"/>
+            <a:ext cx="720090" cy="720090"/>
+            <a:chOff x="6824" y="2774"/>
+            <a:chExt cx="1134" cy="1134"/>
           </a:xfrm>
         </p:grpSpPr>
-        <p:sp>
-          <p:nvSpPr>
-            <p:cNvPr id="124" name="矩形 123"/>
-            <p:cNvSpPr/>
+        <p:pic>
+          <p:nvPicPr>
+            <p:cNvPr id="120" name="图片 119" descr="数据 (3)"/>
+            <p:cNvPicPr>
+              <a:picLocks noChangeAspect="1"/>
+            </p:cNvPicPr>
             <p:nvPr/>
-          </p:nvSpPr>
+          </p:nvPicPr>
+          <p:blipFill>
+            <a:blip r:embed="rId8"/>
+            <a:stretch>
+              <a:fillRect/>
+            </a:stretch>
+          </p:blipFill>
           <p:spPr>
             <a:xfrm>
-              <a:off x="4470" y="510"/>
-              <a:ext cx="2245" cy="1127"/>
+              <a:off x="6824" y="2774"/>
+              <a:ext cx="1134" cy="1134"/>
             </a:xfrm>
             <a:prstGeom prst="rect">
               <a:avLst/>
             </a:prstGeom>
-            <a:ln w="19050" cmpd="sng">
-              <a:solidFill>
-                <a:schemeClr val="bg1">
-                  <a:lumMod val="65000"/>
-                </a:schemeClr>
-              </a:solidFill>
-              <a:prstDash val="dash"/>
-            </a:ln>
           </p:spPr>
-          <p:style>
-            <a:lnRef idx="2">
-              <a:schemeClr val="accent6"/>
-            </a:lnRef>
-            <a:fillRef idx="1">
-              <a:schemeClr val="lt1"/>
-            </a:fillRef>
-            <a:effectRef idx="0">
-              <a:schemeClr val="accent6"/>
-            </a:effectRef>
-            <a:fontRef idx="minor">
-              <a:schemeClr val="dk1"/>
-            </a:fontRef>
-          </p:style>
-          <p:txBody>
-            <a:bodyPr rtlCol="0" anchor="ctr"/>
-            <a:lstStyle/>
-            <a:p>
-              <a:pPr algn="ctr"/>
-              <a:endParaRPr lang="zh-CN" altLang="en-US" sz="900"/>
-            </a:p>
-          </p:txBody>
-        </p:sp>
-        <p:grpSp>
-          <p:nvGrpSpPr>
-            <p:cNvPr id="123" name="组合 122"/>
-            <p:cNvGrpSpPr/>
+        </p:pic>
+        <p:pic>
+          <p:nvPicPr>
+            <p:cNvPr id="119" name="图片 118" descr="标签"/>
+            <p:cNvPicPr>
+              <a:picLocks noChangeAspect="1"/>
+            </p:cNvPicPr>
             <p:nvPr/>
-          </p:nvGrpSpPr>
-          <p:grpSpPr>
+          </p:nvPicPr>
+          <p:blipFill>
+            <a:blip r:embed="rId9"/>
+            <a:stretch>
+              <a:fillRect/>
+            </a:stretch>
+          </p:blipFill>
+          <p:spPr>
             <a:xfrm>
-              <a:off x="4470" y="506"/>
-              <a:ext cx="2245" cy="1170"/>
-              <a:chOff x="5713" y="2774"/>
-              <a:chExt cx="2245" cy="1170"/>
+              <a:off x="7391" y="2841"/>
+              <a:ext cx="567" cy="567"/>
             </a:xfrm>
-          </p:grpSpPr>
-          <p:grpSp>
-            <p:nvGrpSpPr>
-              <p:cNvPr id="121" name="组合 120"/>
-              <p:cNvGrpSpPr/>
-              <p:nvPr/>
-            </p:nvGrpSpPr>
-            <p:grpSpPr>
-              <a:xfrm>
-                <a:off x="6824" y="2774"/>
-                <a:ext cx="1134" cy="1134"/>
-                <a:chOff x="6824" y="2774"/>
-                <a:chExt cx="1134" cy="1134"/>
-              </a:xfrm>
-            </p:grpSpPr>
-            <p:pic>
-              <p:nvPicPr>
-                <p:cNvPr id="120" name="图片 119" descr="数据 (3)"/>
-                <p:cNvPicPr>
-                  <a:picLocks noChangeAspect="1"/>
-                </p:cNvPicPr>
-                <p:nvPr/>
-              </p:nvPicPr>
-              <p:blipFill>
-                <a:blip r:embed="rId8"/>
-                <a:stretch>
-                  <a:fillRect/>
-                </a:stretch>
-              </p:blipFill>
-              <p:spPr>
-                <a:xfrm>
-                  <a:off x="6824" y="2774"/>
-                  <a:ext cx="1134" cy="1134"/>
-                </a:xfrm>
-                <a:prstGeom prst="rect">
-                  <a:avLst/>
-                </a:prstGeom>
-              </p:spPr>
-            </p:pic>
-            <p:pic>
-              <p:nvPicPr>
-                <p:cNvPr id="119" name="图片 118" descr="标签"/>
-                <p:cNvPicPr>
-                  <a:picLocks noChangeAspect="1"/>
-                </p:cNvPicPr>
-                <p:nvPr/>
-              </p:nvPicPr>
-              <p:blipFill>
-                <a:blip r:embed="rId9"/>
-                <a:stretch>
-                  <a:fillRect/>
-                </a:stretch>
-              </p:blipFill>
-              <p:spPr>
-                <a:xfrm>
-                  <a:off x="7391" y="2841"/>
-                  <a:ext cx="567" cy="567"/>
-                </a:xfrm>
-                <a:prstGeom prst="rect">
-                  <a:avLst/>
-                </a:prstGeom>
-              </p:spPr>
-            </p:pic>
-          </p:grpSp>
-          <p:pic>
-            <p:nvPicPr>
-              <p:cNvPr id="122" name="图片 121" descr="数据 (3)"/>
-              <p:cNvPicPr>
-                <a:picLocks noChangeAspect="1"/>
-              </p:cNvPicPr>
-              <p:nvPr/>
-            </p:nvPicPr>
-            <p:blipFill>
-              <a:blip r:embed="rId8"/>
-              <a:stretch>
-                <a:fillRect/>
-              </a:stretch>
-            </p:blipFill>
-            <p:spPr>
-              <a:xfrm>
-                <a:off x="5713" y="2810"/>
-                <a:ext cx="1134" cy="1134"/>
-              </a:xfrm>
-              <a:prstGeom prst="rect">
-                <a:avLst/>
-              </a:prstGeom>
-            </p:spPr>
-          </p:pic>
-        </p:grpSp>
+            <a:prstGeom prst="rect">
+              <a:avLst/>
+            </a:prstGeom>
+          </p:spPr>
+        </p:pic>
       </p:grpSp>
+      <p:pic>
+        <p:nvPicPr>
+          <p:cNvPr id="122" name="图片 121" descr="数据 (3)"/>
+          <p:cNvPicPr>
+            <a:picLocks noChangeAspect="1"/>
+          </p:cNvPicPr>
+          <p:nvPr/>
+        </p:nvPicPr>
+        <p:blipFill>
+          <a:blip r:embed="rId8"/>
+          <a:stretch>
+            <a:fillRect/>
+          </a:stretch>
+        </p:blipFill>
+        <p:spPr>
+          <a:xfrm>
+            <a:off x="5013492" y="1801663"/>
+            <a:ext cx="720090" cy="720090"/>
+          </a:xfrm>
+          <a:prstGeom prst="rect">
+            <a:avLst/>
+          </a:prstGeom>
+        </p:spPr>
+      </p:pic>
       <p:pic>
         <p:nvPicPr>
           <p:cNvPr id="126" name="图片 125" descr="数据 (3)"/>
@@ -4962,8 +4932,8 @@
         </p:nvCxnSpPr>
         <p:spPr>
           <a:xfrm>
-            <a:off x="6457196" y="2042988"/>
-            <a:ext cx="1562378" cy="1058797"/>
+            <a:off x="6447603" y="2163600"/>
+            <a:ext cx="1571971" cy="938185"/>
           </a:xfrm>
           <a:prstGeom prst="curvedConnector2">
             <a:avLst/>
